--- a/PPT/Web Dev/class 1.pptx
+++ b/PPT/Web Dev/class 1.pptx
@@ -2,13 +2,19 @@
 <file path=ppt/presentation.xml><?xml version="1.0" encoding="utf-8"?>
 <p:presentation xmlns:a="http://schemas.openxmlformats.org/drawingml/2006/main" xmlns:r="http://schemas.openxmlformats.org/officeDocument/2006/relationships" xmlns:p="http://schemas.openxmlformats.org/presentationml/2006/main" saveSubsetFonts="1">
   <p:sldMasterIdLst>
-    <p:sldMasterId id="2147483648" r:id="rId1"/>
+    <p:sldMasterId id="2147483794" r:id="rId1"/>
   </p:sldMasterIdLst>
   <p:sldIdLst>
-    <p:sldId id="257" r:id="rId2"/>
-    <p:sldId id="258" r:id="rId3"/>
-    <p:sldId id="259" r:id="rId4"/>
-    <p:sldId id="260" r:id="rId5"/>
+    <p:sldId id="265" r:id="rId2"/>
+    <p:sldId id="263" r:id="rId3"/>
+    <p:sldId id="266" r:id="rId4"/>
+    <p:sldId id="262" r:id="rId5"/>
+    <p:sldId id="257" r:id="rId6"/>
+    <p:sldId id="264" r:id="rId7"/>
+    <p:sldId id="258" r:id="rId8"/>
+    <p:sldId id="261" r:id="rId9"/>
+    <p:sldId id="267" r:id="rId10"/>
+    <p:sldId id="268" r:id="rId11"/>
   </p:sldIdLst>
   <p:sldSz cx="9144000" cy="6858000" type="screen4x3"/>
   <p:notesSz cx="6858000" cy="9144000"/>
@@ -16,7 +22,7 @@
     <a:defPPr>
       <a:defRPr lang="en-US"/>
     </a:defPPr>
-    <a:lvl1pPr marL="0" algn="l" defTabSz="914400" rtl="0" eaLnBrk="1" latinLnBrk="0" hangingPunct="1">
+    <a:lvl1pPr marL="0" algn="l" defTabSz="457200" rtl="0" eaLnBrk="1" latinLnBrk="0" hangingPunct="1">
       <a:defRPr sz="1800" kern="1200">
         <a:solidFill>
           <a:schemeClr val="tx1"/>
@@ -26,7 +32,7 @@
         <a:cs typeface="+mn-cs"/>
       </a:defRPr>
     </a:lvl1pPr>
-    <a:lvl2pPr marL="457200" algn="l" defTabSz="914400" rtl="0" eaLnBrk="1" latinLnBrk="0" hangingPunct="1">
+    <a:lvl2pPr marL="457200" algn="l" defTabSz="457200" rtl="0" eaLnBrk="1" latinLnBrk="0" hangingPunct="1">
       <a:defRPr sz="1800" kern="1200">
         <a:solidFill>
           <a:schemeClr val="tx1"/>
@@ -36,7 +42,7 @@
         <a:cs typeface="+mn-cs"/>
       </a:defRPr>
     </a:lvl2pPr>
-    <a:lvl3pPr marL="914400" algn="l" defTabSz="914400" rtl="0" eaLnBrk="1" latinLnBrk="0" hangingPunct="1">
+    <a:lvl3pPr marL="914400" algn="l" defTabSz="457200" rtl="0" eaLnBrk="1" latinLnBrk="0" hangingPunct="1">
       <a:defRPr sz="1800" kern="1200">
         <a:solidFill>
           <a:schemeClr val="tx1"/>
@@ -46,7 +52,7 @@
         <a:cs typeface="+mn-cs"/>
       </a:defRPr>
     </a:lvl3pPr>
-    <a:lvl4pPr marL="1371600" algn="l" defTabSz="914400" rtl="0" eaLnBrk="1" latinLnBrk="0" hangingPunct="1">
+    <a:lvl4pPr marL="1371600" algn="l" defTabSz="457200" rtl="0" eaLnBrk="1" latinLnBrk="0" hangingPunct="1">
       <a:defRPr sz="1800" kern="1200">
         <a:solidFill>
           <a:schemeClr val="tx1"/>
@@ -56,7 +62,7 @@
         <a:cs typeface="+mn-cs"/>
       </a:defRPr>
     </a:lvl4pPr>
-    <a:lvl5pPr marL="1828800" algn="l" defTabSz="914400" rtl="0" eaLnBrk="1" latinLnBrk="0" hangingPunct="1">
+    <a:lvl5pPr marL="1828800" algn="l" defTabSz="457200" rtl="0" eaLnBrk="1" latinLnBrk="0" hangingPunct="1">
       <a:defRPr sz="1800" kern="1200">
         <a:solidFill>
           <a:schemeClr val="tx1"/>
@@ -66,7 +72,7 @@
         <a:cs typeface="+mn-cs"/>
       </a:defRPr>
     </a:lvl5pPr>
-    <a:lvl6pPr marL="2286000" algn="l" defTabSz="914400" rtl="0" eaLnBrk="1" latinLnBrk="0" hangingPunct="1">
+    <a:lvl6pPr marL="2286000" algn="l" defTabSz="457200" rtl="0" eaLnBrk="1" latinLnBrk="0" hangingPunct="1">
       <a:defRPr sz="1800" kern="1200">
         <a:solidFill>
           <a:schemeClr val="tx1"/>
@@ -76,7 +82,7 @@
         <a:cs typeface="+mn-cs"/>
       </a:defRPr>
     </a:lvl6pPr>
-    <a:lvl7pPr marL="2743200" algn="l" defTabSz="914400" rtl="0" eaLnBrk="1" latinLnBrk="0" hangingPunct="1">
+    <a:lvl7pPr marL="2743200" algn="l" defTabSz="457200" rtl="0" eaLnBrk="1" latinLnBrk="0" hangingPunct="1">
       <a:defRPr sz="1800" kern="1200">
         <a:solidFill>
           <a:schemeClr val="tx1"/>
@@ -86,7 +92,7 @@
         <a:cs typeface="+mn-cs"/>
       </a:defRPr>
     </a:lvl7pPr>
-    <a:lvl8pPr marL="3200400" algn="l" defTabSz="914400" rtl="0" eaLnBrk="1" latinLnBrk="0" hangingPunct="1">
+    <a:lvl8pPr marL="3200400" algn="l" defTabSz="457200" rtl="0" eaLnBrk="1" latinLnBrk="0" hangingPunct="1">
       <a:defRPr sz="1800" kern="1200">
         <a:solidFill>
           <a:schemeClr val="tx1"/>
@@ -96,7 +102,7 @@
         <a:cs typeface="+mn-cs"/>
       </a:defRPr>
     </a:lvl8pPr>
-    <a:lvl9pPr marL="3657600" algn="l" defTabSz="914400" rtl="0" eaLnBrk="1" latinLnBrk="0" hangingPunct="1">
+    <a:lvl9pPr marL="3657600" algn="l" defTabSz="457200" rtl="0" eaLnBrk="1" latinLnBrk="0" hangingPunct="1">
       <a:defRPr sz="1800" kern="1200">
         <a:solidFill>
           <a:schemeClr val="tx1"/>
@@ -107,11 +113,27 @@
       </a:defRPr>
     </a:lvl9pPr>
   </p:defaultTextStyle>
+  <p:extLst>
+    <p:ext uri="{EFAFB233-063F-42B5-8137-9DF3F51BA10A}">
+      <p15:sldGuideLst xmlns:p15="http://schemas.microsoft.com/office/powerpoint/2012/main">
+        <p15:guide id="1" orient="horz" pos="2160">
+          <p15:clr>
+            <a:srgbClr val="A4A3A4"/>
+          </p15:clr>
+        </p15:guide>
+        <p15:guide id="2" pos="2880">
+          <p15:clr>
+            <a:srgbClr val="A4A3A4"/>
+          </p15:clr>
+        </p15:guide>
+      </p15:sldGuideLst>
+    </p:ext>
+  </p:extLst>
 </p:presentation>
 </file>
 
 <file path=ppt/slideLayouts/slideLayout1.xml><?xml version="1.0" encoding="utf-8"?>
-<p:sldLayout xmlns:a="http://schemas.openxmlformats.org/drawingml/2006/main" xmlns:r="http://schemas.openxmlformats.org/officeDocument/2006/relationships" xmlns:p="http://schemas.openxmlformats.org/presentationml/2006/main" type="title" preserve="1">
+<p:sldLayout xmlns:a="http://schemas.openxmlformats.org/drawingml/2006/main" xmlns:r="http://schemas.openxmlformats.org/officeDocument/2006/relationships" xmlns:p="http://schemas.openxmlformats.org/presentationml/2006/main" showMasterSp="0" type="title" preserve="1">
   <p:cSld name="Title Slide">
     <p:spTree>
       <p:nvGrpSpPr>
@@ -127,6 +149,143 @@
           <a:chExt cx="0" cy="0"/>
         </a:xfrm>
       </p:grpSpPr>
+      <p:grpSp>
+        <p:nvGrpSpPr>
+          <p:cNvPr id="18" name="Group 17"/>
+          <p:cNvGrpSpPr/>
+          <p:nvPr/>
+        </p:nvGrpSpPr>
+        <p:grpSpPr>
+          <a:xfrm>
+            <a:off x="0" y="0"/>
+            <a:ext cx="9144677" cy="6858000"/>
+            <a:chOff x="0" y="0"/>
+            <a:chExt cx="9144677" cy="6858000"/>
+          </a:xfrm>
+        </p:grpSpPr>
+        <p:pic>
+          <p:nvPicPr>
+            <p:cNvPr id="8" name="Picture 7" descr="SD-PanelTitle-R1.png"/>
+            <p:cNvPicPr>
+              <a:picLocks noChangeAspect="1"/>
+            </p:cNvPicPr>
+            <p:nvPr/>
+          </p:nvPicPr>
+          <p:blipFill>
+            <a:blip r:embed="rId2">
+              <a:extLst>
+                <a:ext uri="{28A0092B-C50C-407E-A947-70E740481C1C}">
+                  <a14:useLocalDpi xmlns:a14="http://schemas.microsoft.com/office/drawing/2010/main" val="0"/>
+                </a:ext>
+              </a:extLst>
+            </a:blip>
+            <a:stretch>
+              <a:fillRect/>
+            </a:stretch>
+          </p:blipFill>
+          <p:spPr>
+            <a:xfrm>
+              <a:off x="0" y="0"/>
+              <a:ext cx="9144000" cy="6858000"/>
+            </a:xfrm>
+            <a:prstGeom prst="rect">
+              <a:avLst/>
+            </a:prstGeom>
+          </p:spPr>
+        </p:pic>
+        <p:sp>
+          <p:nvSpPr>
+            <p:cNvPr id="11" name="Rectangle 10"/>
+            <p:cNvSpPr/>
+            <p:nvPr/>
+          </p:nvSpPr>
+          <p:spPr>
+            <a:xfrm>
+              <a:off x="1515532" y="1520422"/>
+              <a:ext cx="6112935" cy="3818468"/>
+            </a:xfrm>
+            <a:prstGeom prst="rect">
+              <a:avLst/>
+            </a:prstGeom>
+            <a:noFill/>
+            <a:ln w="15875" cap="flat">
+              <a:miter lim="800000"/>
+            </a:ln>
+          </p:spPr>
+          <p:style>
+            <a:lnRef idx="1">
+              <a:schemeClr val="accent1"/>
+            </a:lnRef>
+            <a:fillRef idx="3">
+              <a:schemeClr val="accent1"/>
+            </a:fillRef>
+            <a:effectRef idx="2">
+              <a:schemeClr val="accent1"/>
+            </a:effectRef>
+            <a:fontRef idx="minor">
+              <a:schemeClr val="lt1"/>
+            </a:fontRef>
+          </p:style>
+        </p:sp>
+        <p:pic>
+          <p:nvPicPr>
+            <p:cNvPr id="12" name="Picture 11" descr="HDRibbonTitle-UniformTrim.png"/>
+            <p:cNvPicPr>
+              <a:picLocks noChangeAspect="1"/>
+            </p:cNvPicPr>
+            <p:nvPr/>
+          </p:nvPicPr>
+          <p:blipFill rotWithShape="1">
+            <a:blip r:embed="rId3">
+              <a:extLst>
+                <a:ext uri="{28A0092B-C50C-407E-A947-70E740481C1C}">
+                  <a14:useLocalDpi xmlns:a14="http://schemas.microsoft.com/office/drawing/2010/main" val="0"/>
+                </a:ext>
+              </a:extLst>
+            </a:blip>
+            <a:srcRect l="-2" r="47959"/>
+            <a:stretch/>
+          </p:blipFill>
+          <p:spPr>
+            <a:xfrm>
+              <a:off x="0" y="3128434"/>
+              <a:ext cx="1664208" cy="612648"/>
+            </a:xfrm>
+            <a:prstGeom prst="rect">
+              <a:avLst/>
+            </a:prstGeom>
+          </p:spPr>
+        </p:pic>
+        <p:pic>
+          <p:nvPicPr>
+            <p:cNvPr id="13" name="Picture 12" descr="HDRibbonTitle-UniformTrim.png"/>
+            <p:cNvPicPr>
+              <a:picLocks noChangeAspect="1"/>
+            </p:cNvPicPr>
+            <p:nvPr/>
+          </p:nvPicPr>
+          <p:blipFill rotWithShape="1">
+            <a:blip r:embed="rId3">
+              <a:extLst>
+                <a:ext uri="{28A0092B-C50C-407E-A947-70E740481C1C}">
+                  <a14:useLocalDpi xmlns:a14="http://schemas.microsoft.com/office/drawing/2010/main" val="0"/>
+                </a:ext>
+              </a:extLst>
+            </a:blip>
+            <a:srcRect l="-2" r="47959"/>
+            <a:stretch/>
+          </p:blipFill>
+          <p:spPr>
+            <a:xfrm>
+              <a:off x="7480469" y="3128434"/>
+              <a:ext cx="1664208" cy="612648"/>
+            </a:xfrm>
+            <a:prstGeom prst="rect">
+              <a:avLst/>
+            </a:prstGeom>
+          </p:spPr>
+        </p:pic>
+      </p:grpSp>
       <p:sp>
         <p:nvSpPr>
           <p:cNvPr id="2" name="Title 1"/>
@@ -139,19 +298,27 @@
         </p:nvSpPr>
         <p:spPr>
           <a:xfrm>
-            <a:off x="685800" y="2130425"/>
-            <a:ext cx="7772400" cy="1470025"/>
-          </a:xfrm>
-        </p:spPr>
-        <p:txBody>
-          <a:bodyPr/>
-          <a:lstStyle/>
-          <a:p>
-            <a:r>
-              <a:rPr lang="en-US" smtClean="0"/>
+            <a:off x="1921934" y="1811863"/>
+            <a:ext cx="5308866" cy="1515533"/>
+          </a:xfrm>
+        </p:spPr>
+        <p:txBody>
+          <a:bodyPr anchor="b">
+            <a:noAutofit/>
+          </a:bodyPr>
+          <a:lstStyle>
+            <a:lvl1pPr algn="ctr">
+              <a:defRPr sz="4800">
+                <a:effectLst/>
+              </a:defRPr>
+            </a:lvl1pPr>
+          </a:lstStyle>
+          <a:p>
+            <a:r>
+              <a:rPr lang="en-US"/>
               <a:t>Click to edit Master title style</a:t>
             </a:r>
-            <a:endParaRPr lang="en-US"/>
+            <a:endParaRPr lang="en-US" dirty="0"/>
           </a:p>
         </p:txBody>
       </p:sp>
@@ -167,14 +334,24 @@
         </p:nvSpPr>
         <p:spPr>
           <a:xfrm>
-            <a:off x="1371600" y="3886200"/>
-            <a:ext cx="6400800" cy="1752600"/>
-          </a:xfrm>
-        </p:spPr>
-        <p:txBody>
-          <a:bodyPr/>
+            <a:off x="1921934" y="3598327"/>
+            <a:ext cx="5308866" cy="1377651"/>
+          </a:xfrm>
+        </p:spPr>
+        <p:txBody>
+          <a:bodyPr anchor="t">
+            <a:normAutofit/>
+          </a:bodyPr>
           <a:lstStyle>
             <a:lvl1pPr marL="0" indent="0" algn="ctr">
+              <a:buNone/>
+              <a:defRPr sz="2000">
+                <a:solidFill>
+                  <a:schemeClr val="tx1"/>
+                </a:solidFill>
+              </a:defRPr>
+            </a:lvl1pPr>
+            <a:lvl2pPr marL="457200" indent="0" algn="ctr">
               <a:buNone/>
               <a:defRPr>
                 <a:solidFill>
@@ -183,8 +360,8 @@
                   </a:schemeClr>
                 </a:solidFill>
               </a:defRPr>
-            </a:lvl1pPr>
-            <a:lvl2pPr marL="457200" indent="0" algn="ctr">
+            </a:lvl2pPr>
+            <a:lvl3pPr marL="914400" indent="0" algn="ctr">
               <a:buNone/>
               <a:defRPr>
                 <a:solidFill>
@@ -193,8 +370,8 @@
                   </a:schemeClr>
                 </a:solidFill>
               </a:defRPr>
-            </a:lvl2pPr>
-            <a:lvl3pPr marL="914400" indent="0" algn="ctr">
+            </a:lvl3pPr>
+            <a:lvl4pPr marL="1371600" indent="0" algn="ctr">
               <a:buNone/>
               <a:defRPr>
                 <a:solidFill>
@@ -203,8 +380,8 @@
                   </a:schemeClr>
                 </a:solidFill>
               </a:defRPr>
-            </a:lvl3pPr>
-            <a:lvl4pPr marL="1371600" indent="0" algn="ctr">
+            </a:lvl4pPr>
+            <a:lvl5pPr marL="1828800" indent="0" algn="ctr">
               <a:buNone/>
               <a:defRPr>
                 <a:solidFill>
@@ -213,8 +390,8 @@
                   </a:schemeClr>
                 </a:solidFill>
               </a:defRPr>
-            </a:lvl4pPr>
-            <a:lvl5pPr marL="1828800" indent="0" algn="ctr">
+            </a:lvl5pPr>
+            <a:lvl6pPr marL="2286000" indent="0" algn="ctr">
               <a:buNone/>
               <a:defRPr>
                 <a:solidFill>
@@ -223,8 +400,8 @@
                   </a:schemeClr>
                 </a:solidFill>
               </a:defRPr>
-            </a:lvl5pPr>
-            <a:lvl6pPr marL="2286000" indent="0" algn="ctr">
+            </a:lvl6pPr>
+            <a:lvl7pPr marL="2743200" indent="0" algn="ctr">
               <a:buNone/>
               <a:defRPr>
                 <a:solidFill>
@@ -233,8 +410,8 @@
                   </a:schemeClr>
                 </a:solidFill>
               </a:defRPr>
-            </a:lvl6pPr>
-            <a:lvl7pPr marL="2743200" indent="0" algn="ctr">
+            </a:lvl7pPr>
+            <a:lvl8pPr marL="3200400" indent="0" algn="ctr">
               <a:buNone/>
               <a:defRPr>
                 <a:solidFill>
@@ -243,8 +420,8 @@
                   </a:schemeClr>
                 </a:solidFill>
               </a:defRPr>
-            </a:lvl7pPr>
-            <a:lvl8pPr marL="3200400" indent="0" algn="ctr">
+            </a:lvl8pPr>
+            <a:lvl9pPr marL="3657600" indent="0" algn="ctr">
               <a:buNone/>
               <a:defRPr>
                 <a:solidFill>
@@ -253,24 +430,14 @@
                   </a:schemeClr>
                 </a:solidFill>
               </a:defRPr>
-            </a:lvl8pPr>
-            <a:lvl9pPr marL="3657600" indent="0" algn="ctr">
-              <a:buNone/>
-              <a:defRPr>
-                <a:solidFill>
-                  <a:schemeClr val="tx1">
-                    <a:tint val="75000"/>
-                  </a:schemeClr>
-                </a:solidFill>
-              </a:defRPr>
             </a:lvl9pPr>
           </a:lstStyle>
           <a:p>
             <a:r>
-              <a:rPr lang="en-US" smtClean="0"/>
+              <a:rPr lang="en-US"/>
               <a:t>Click to edit Master subtitle style</a:t>
             </a:r>
-            <a:endParaRPr lang="en-US"/>
+            <a:endParaRPr lang="en-US" dirty="0"/>
           </a:p>
         </p:txBody>
       </p:sp>
@@ -284,7 +451,12 @@
             <p:ph type="dt" sz="half" idx="10"/>
           </p:nvPr>
         </p:nvSpPr>
-        <p:spPr/>
+        <p:spPr>
+          <a:xfrm>
+            <a:off x="6065417" y="5054602"/>
+            <a:ext cx="673276" cy="279400"/>
+          </a:xfrm>
+        </p:spPr>
         <p:txBody>
           <a:bodyPr/>
           <a:lstStyle/>
@@ -307,7 +479,12 @@
             <p:ph type="ftr" sz="quarter" idx="11"/>
           </p:nvPr>
         </p:nvSpPr>
-        <p:spPr/>
+        <p:spPr>
+          <a:xfrm>
+            <a:off x="1921934" y="5054602"/>
+            <a:ext cx="4064860" cy="279400"/>
+          </a:xfrm>
+        </p:spPr>
         <p:txBody>
           <a:bodyPr/>
           <a:lstStyle/>
@@ -326,7 +503,12 @@
             <p:ph type="sldNum" sz="quarter" idx="12"/>
           </p:nvPr>
         </p:nvSpPr>
-        <p:spPr/>
+        <p:spPr>
+          <a:xfrm>
+            <a:off x="6817317" y="5054602"/>
+            <a:ext cx="413483" cy="279400"/>
+          </a:xfrm>
+        </p:spPr>
         <p:txBody>
           <a:bodyPr/>
           <a:lstStyle/>
@@ -339,7 +521,43 @@
           </a:p>
         </p:txBody>
       </p:sp>
+      <p:cxnSp>
+        <p:nvCxnSpPr>
+          <p:cNvPr id="15" name="Straight Connector 14"/>
+          <p:cNvCxnSpPr/>
+          <p:nvPr/>
+        </p:nvCxnSpPr>
+        <p:spPr>
+          <a:xfrm>
+            <a:off x="2019825" y="3471329"/>
+            <a:ext cx="5113083" cy="0"/>
+          </a:xfrm>
+          <a:prstGeom prst="line">
+            <a:avLst/>
+          </a:prstGeom>
+          <a:ln w="15875"/>
+        </p:spPr>
+        <p:style>
+          <a:lnRef idx="2">
+            <a:schemeClr val="accent1"/>
+          </a:lnRef>
+          <a:fillRef idx="0">
+            <a:schemeClr val="accent1"/>
+          </a:fillRef>
+          <a:effectRef idx="1">
+            <a:schemeClr val="accent1"/>
+          </a:effectRef>
+          <a:fontRef idx="minor">
+            <a:schemeClr val="tx1"/>
+          </a:fontRef>
+        </p:style>
+      </p:cxnSp>
     </p:spTree>
+    <p:extLst>
+      <p:ext uri="{BB962C8B-B14F-4D97-AF65-F5344CB8AC3E}">
+        <p14:creationId xmlns:p14="http://schemas.microsoft.com/office/powerpoint/2010/main" val="463557669"/>
+      </p:ext>
+    </p:extLst>
   </p:cSld>
   <p:clrMapOvr>
     <a:masterClrMapping/>
@@ -348,6 +566,2098 @@
 </file>
 
 <file path=ppt/slideLayouts/slideLayout10.xml><?xml version="1.0" encoding="utf-8"?>
+<p:sldLayout xmlns:a="http://schemas.openxmlformats.org/drawingml/2006/main" xmlns:r="http://schemas.openxmlformats.org/officeDocument/2006/relationships" xmlns:p="http://schemas.openxmlformats.org/presentationml/2006/main" preserve="1">
+  <p:cSld name="Panoramic Picture with Caption">
+    <p:spTree>
+      <p:nvGrpSpPr>
+        <p:cNvPr id="1" name=""/>
+        <p:cNvGrpSpPr/>
+        <p:nvPr/>
+      </p:nvGrpSpPr>
+      <p:grpSpPr>
+        <a:xfrm>
+          <a:off x="0" y="0"/>
+          <a:ext cx="0" cy="0"/>
+          <a:chOff x="0" y="0"/>
+          <a:chExt cx="0" cy="0"/>
+        </a:xfrm>
+      </p:grpSpPr>
+      <p:sp>
+        <p:nvSpPr>
+          <p:cNvPr id="2" name="Title 1"/>
+          <p:cNvSpPr>
+            <a:spLocks noGrp="1"/>
+          </p:cNvSpPr>
+          <p:nvPr>
+            <p:ph type="title"/>
+          </p:nvPr>
+        </p:nvSpPr>
+        <p:spPr>
+          <a:xfrm>
+            <a:off x="1176866" y="4815415"/>
+            <a:ext cx="6798734" cy="566738"/>
+          </a:xfrm>
+        </p:spPr>
+        <p:txBody>
+          <a:bodyPr anchor="b">
+            <a:normAutofit/>
+          </a:bodyPr>
+          <a:lstStyle>
+            <a:lvl1pPr algn="ctr">
+              <a:defRPr sz="2400" b="0"/>
+            </a:lvl1pPr>
+          </a:lstStyle>
+          <a:p>
+            <a:r>
+              <a:rPr lang="en-US"/>
+              <a:t>Click to edit Master title style</a:t>
+            </a:r>
+            <a:endParaRPr lang="en-US" dirty="0"/>
+          </a:p>
+        </p:txBody>
+      </p:sp>
+      <p:sp>
+        <p:nvSpPr>
+          <p:cNvPr id="3" name="Picture Placeholder 2"/>
+          <p:cNvSpPr>
+            <a:spLocks noGrp="1" noChangeAspect="1"/>
+          </p:cNvSpPr>
+          <p:nvPr>
+            <p:ph type="pic" idx="1"/>
+          </p:nvPr>
+        </p:nvSpPr>
+        <p:spPr>
+          <a:xfrm>
+            <a:off x="1026260" y="1032933"/>
+            <a:ext cx="7091482" cy="3361269"/>
+          </a:xfrm>
+          <a:prstGeom prst="roundRect">
+            <a:avLst>
+              <a:gd name="adj" fmla="val 0"/>
+            </a:avLst>
+          </a:prstGeom>
+          <a:ln w="57150" cmpd="thickThin">
+            <a:solidFill>
+              <a:schemeClr val="tx1">
+                <a:lumMod val="50000"/>
+                <a:lumOff val="50000"/>
+              </a:schemeClr>
+            </a:solidFill>
+          </a:ln>
+          <a:effectLst>
+            <a:innerShdw blurRad="57150" dist="38100" dir="14460000">
+              <a:srgbClr val="000000">
+                <a:alpha val="70000"/>
+              </a:srgbClr>
+            </a:innerShdw>
+          </a:effectLst>
+        </p:spPr>
+        <p:txBody>
+          <a:bodyPr anchor="t">
+            <a:normAutofit/>
+          </a:bodyPr>
+          <a:lstStyle>
+            <a:lvl1pPr marL="0" indent="0" algn="ctr">
+              <a:buNone/>
+              <a:defRPr sz="1600"/>
+            </a:lvl1pPr>
+            <a:lvl2pPr marL="457200" indent="0">
+              <a:buNone/>
+              <a:defRPr sz="1600"/>
+            </a:lvl2pPr>
+            <a:lvl3pPr marL="914400" indent="0">
+              <a:buNone/>
+              <a:defRPr sz="1600"/>
+            </a:lvl3pPr>
+            <a:lvl4pPr marL="1371600" indent="0">
+              <a:buNone/>
+              <a:defRPr sz="1600"/>
+            </a:lvl4pPr>
+            <a:lvl5pPr marL="1828800" indent="0">
+              <a:buNone/>
+              <a:defRPr sz="1600"/>
+            </a:lvl5pPr>
+            <a:lvl6pPr marL="2286000" indent="0">
+              <a:buNone/>
+              <a:defRPr sz="1600"/>
+            </a:lvl6pPr>
+            <a:lvl7pPr marL="2743200" indent="0">
+              <a:buNone/>
+              <a:defRPr sz="1600"/>
+            </a:lvl7pPr>
+            <a:lvl8pPr marL="3200400" indent="0">
+              <a:buNone/>
+              <a:defRPr sz="1600"/>
+            </a:lvl8pPr>
+            <a:lvl9pPr marL="3657600" indent="0">
+              <a:buNone/>
+              <a:defRPr sz="1600"/>
+            </a:lvl9pPr>
+          </a:lstStyle>
+          <a:p>
+            <a:r>
+              <a:rPr lang="en-US"/>
+              <a:t>Click icon to add picture</a:t>
+            </a:r>
+            <a:endParaRPr lang="en-US" dirty="0"/>
+          </a:p>
+        </p:txBody>
+      </p:sp>
+      <p:sp>
+        <p:nvSpPr>
+          <p:cNvPr id="4" name="Text Placeholder 3"/>
+          <p:cNvSpPr>
+            <a:spLocks noGrp="1"/>
+          </p:cNvSpPr>
+          <p:nvPr>
+            <p:ph type="body" sz="half" idx="2"/>
+          </p:nvPr>
+        </p:nvSpPr>
+        <p:spPr>
+          <a:xfrm>
+            <a:off x="1176866" y="5382153"/>
+            <a:ext cx="6798734" cy="493712"/>
+          </a:xfrm>
+        </p:spPr>
+        <p:txBody>
+          <a:bodyPr anchor="t">
+            <a:normAutofit/>
+          </a:bodyPr>
+          <a:lstStyle>
+            <a:lvl1pPr marL="0" indent="0" algn="ctr">
+              <a:buNone/>
+              <a:defRPr sz="1600"/>
+            </a:lvl1pPr>
+            <a:lvl2pPr marL="457200" indent="0">
+              <a:buNone/>
+              <a:defRPr sz="1200"/>
+            </a:lvl2pPr>
+            <a:lvl3pPr marL="914400" indent="0">
+              <a:buNone/>
+              <a:defRPr sz="1000"/>
+            </a:lvl3pPr>
+            <a:lvl4pPr marL="1371600" indent="0">
+              <a:buNone/>
+              <a:defRPr sz="900"/>
+            </a:lvl4pPr>
+            <a:lvl5pPr marL="1828800" indent="0">
+              <a:buNone/>
+              <a:defRPr sz="900"/>
+            </a:lvl5pPr>
+            <a:lvl6pPr marL="2286000" indent="0">
+              <a:buNone/>
+              <a:defRPr sz="900"/>
+            </a:lvl6pPr>
+            <a:lvl7pPr marL="2743200" indent="0">
+              <a:buNone/>
+              <a:defRPr sz="900"/>
+            </a:lvl7pPr>
+            <a:lvl8pPr marL="3200400" indent="0">
+              <a:buNone/>
+              <a:defRPr sz="900"/>
+            </a:lvl8pPr>
+            <a:lvl9pPr marL="3657600" indent="0">
+              <a:buNone/>
+              <a:defRPr sz="900"/>
+            </a:lvl9pPr>
+          </a:lstStyle>
+          <a:p>
+            <a:pPr lvl="0"/>
+            <a:r>
+              <a:rPr lang="en-US"/>
+              <a:t>Click to edit Master text styles</a:t>
+            </a:r>
+          </a:p>
+        </p:txBody>
+      </p:sp>
+      <p:sp>
+        <p:nvSpPr>
+          <p:cNvPr id="5" name="Date Placeholder 4"/>
+          <p:cNvSpPr>
+            <a:spLocks noGrp="1"/>
+          </p:cNvSpPr>
+          <p:nvPr>
+            <p:ph type="dt" sz="half" idx="10"/>
+          </p:nvPr>
+        </p:nvSpPr>
+        <p:spPr/>
+        <p:txBody>
+          <a:bodyPr/>
+          <a:lstStyle/>
+          <a:p>
+            <a:fld id="{F2660061-179A-47E0-86E3-D8374BC4401E}" type="datetimeFigureOut">
+              <a:rPr lang="en-US" smtClean="0"/>
+              <a:t>6/29/2021</a:t>
+            </a:fld>
+            <a:endParaRPr lang="en-US"/>
+          </a:p>
+        </p:txBody>
+      </p:sp>
+      <p:sp>
+        <p:nvSpPr>
+          <p:cNvPr id="6" name="Footer Placeholder 5"/>
+          <p:cNvSpPr>
+            <a:spLocks noGrp="1"/>
+          </p:cNvSpPr>
+          <p:nvPr>
+            <p:ph type="ftr" sz="quarter" idx="11"/>
+          </p:nvPr>
+        </p:nvSpPr>
+        <p:spPr/>
+        <p:txBody>
+          <a:bodyPr/>
+          <a:lstStyle/>
+          <a:p>
+            <a:endParaRPr lang="en-US"/>
+          </a:p>
+        </p:txBody>
+      </p:sp>
+      <p:sp>
+        <p:nvSpPr>
+          <p:cNvPr id="7" name="Slide Number Placeholder 6"/>
+          <p:cNvSpPr>
+            <a:spLocks noGrp="1"/>
+          </p:cNvSpPr>
+          <p:nvPr>
+            <p:ph type="sldNum" sz="quarter" idx="12"/>
+          </p:nvPr>
+        </p:nvSpPr>
+        <p:spPr/>
+        <p:txBody>
+          <a:bodyPr/>
+          <a:lstStyle/>
+          <a:p>
+            <a:fld id="{412AC83C-FADC-4987-967A-B9A7F6F85D3E}" type="slidenum">
+              <a:rPr lang="en-US" smtClean="0"/>
+              <a:t>‹#›</a:t>
+            </a:fld>
+            <a:endParaRPr lang="en-US"/>
+          </a:p>
+        </p:txBody>
+      </p:sp>
+    </p:spTree>
+    <p:extLst>
+      <p:ext uri="{BB962C8B-B14F-4D97-AF65-F5344CB8AC3E}">
+        <p14:creationId xmlns:p14="http://schemas.microsoft.com/office/powerpoint/2010/main" val="1568026533"/>
+      </p:ext>
+    </p:extLst>
+  </p:cSld>
+  <p:clrMapOvr>
+    <a:masterClrMapping/>
+  </p:clrMapOvr>
+</p:sldLayout>
+</file>
+
+<file path=ppt/slideLayouts/slideLayout11.xml><?xml version="1.0" encoding="utf-8"?>
+<p:sldLayout xmlns:a="http://schemas.openxmlformats.org/drawingml/2006/main" xmlns:r="http://schemas.openxmlformats.org/officeDocument/2006/relationships" xmlns:p="http://schemas.openxmlformats.org/presentationml/2006/main" preserve="1">
+  <p:cSld name="Title and Caption">
+    <p:spTree>
+      <p:nvGrpSpPr>
+        <p:cNvPr id="1" name=""/>
+        <p:cNvGrpSpPr/>
+        <p:nvPr/>
+      </p:nvGrpSpPr>
+      <p:grpSpPr>
+        <a:xfrm>
+          <a:off x="0" y="0"/>
+          <a:ext cx="0" cy="0"/>
+          <a:chOff x="0" y="0"/>
+          <a:chExt cx="0" cy="0"/>
+        </a:xfrm>
+      </p:grpSpPr>
+      <p:sp>
+        <p:nvSpPr>
+          <p:cNvPr id="2" name="Title 1"/>
+          <p:cNvSpPr>
+            <a:spLocks noGrp="1"/>
+          </p:cNvSpPr>
+          <p:nvPr>
+            <p:ph type="title"/>
+          </p:nvPr>
+        </p:nvSpPr>
+        <p:spPr>
+          <a:xfrm>
+            <a:off x="1176866" y="906873"/>
+            <a:ext cx="6798734" cy="3097860"/>
+          </a:xfrm>
+        </p:spPr>
+        <p:txBody>
+          <a:bodyPr anchor="ctr">
+            <a:normAutofit/>
+          </a:bodyPr>
+          <a:lstStyle>
+            <a:lvl1pPr algn="ctr">
+              <a:defRPr sz="3200" b="0" cap="none"/>
+            </a:lvl1pPr>
+          </a:lstStyle>
+          <a:p>
+            <a:r>
+              <a:rPr lang="en-US"/>
+              <a:t>Click to edit Master title style</a:t>
+            </a:r>
+            <a:endParaRPr lang="en-US" dirty="0"/>
+          </a:p>
+        </p:txBody>
+      </p:sp>
+      <p:sp>
+        <p:nvSpPr>
+          <p:cNvPr id="3" name="Text Placeholder 2"/>
+          <p:cNvSpPr>
+            <a:spLocks noGrp="1"/>
+          </p:cNvSpPr>
+          <p:nvPr>
+            <p:ph type="body" idx="1"/>
+          </p:nvPr>
+        </p:nvSpPr>
+        <p:spPr>
+          <a:xfrm>
+            <a:off x="1176865" y="4275666"/>
+            <a:ext cx="6798736" cy="1600202"/>
+          </a:xfrm>
+        </p:spPr>
+        <p:txBody>
+          <a:bodyPr anchor="ctr">
+            <a:normAutofit/>
+          </a:bodyPr>
+          <a:lstStyle>
+            <a:lvl1pPr marL="0" indent="0" algn="ctr">
+              <a:buNone/>
+              <a:defRPr sz="2000">
+                <a:solidFill>
+                  <a:schemeClr val="tx1"/>
+                </a:solidFill>
+              </a:defRPr>
+            </a:lvl1pPr>
+            <a:lvl2pPr marL="457200" indent="0">
+              <a:buNone/>
+              <a:defRPr sz="1800">
+                <a:solidFill>
+                  <a:schemeClr val="tx1">
+                    <a:tint val="75000"/>
+                  </a:schemeClr>
+                </a:solidFill>
+              </a:defRPr>
+            </a:lvl2pPr>
+            <a:lvl3pPr marL="914400" indent="0">
+              <a:buNone/>
+              <a:defRPr sz="1600">
+                <a:solidFill>
+                  <a:schemeClr val="tx1">
+                    <a:tint val="75000"/>
+                  </a:schemeClr>
+                </a:solidFill>
+              </a:defRPr>
+            </a:lvl3pPr>
+            <a:lvl4pPr marL="1371600" indent="0">
+              <a:buNone/>
+              <a:defRPr sz="1400">
+                <a:solidFill>
+                  <a:schemeClr val="tx1">
+                    <a:tint val="75000"/>
+                  </a:schemeClr>
+                </a:solidFill>
+              </a:defRPr>
+            </a:lvl4pPr>
+            <a:lvl5pPr marL="1828800" indent="0">
+              <a:buNone/>
+              <a:defRPr sz="1400">
+                <a:solidFill>
+                  <a:schemeClr val="tx1">
+                    <a:tint val="75000"/>
+                  </a:schemeClr>
+                </a:solidFill>
+              </a:defRPr>
+            </a:lvl5pPr>
+            <a:lvl6pPr marL="2286000" indent="0">
+              <a:buNone/>
+              <a:defRPr sz="1400">
+                <a:solidFill>
+                  <a:schemeClr val="tx1">
+                    <a:tint val="75000"/>
+                  </a:schemeClr>
+                </a:solidFill>
+              </a:defRPr>
+            </a:lvl6pPr>
+            <a:lvl7pPr marL="2743200" indent="0">
+              <a:buNone/>
+              <a:defRPr sz="1400">
+                <a:solidFill>
+                  <a:schemeClr val="tx1">
+                    <a:tint val="75000"/>
+                  </a:schemeClr>
+                </a:solidFill>
+              </a:defRPr>
+            </a:lvl7pPr>
+            <a:lvl8pPr marL="3200400" indent="0">
+              <a:buNone/>
+              <a:defRPr sz="1400">
+                <a:solidFill>
+                  <a:schemeClr val="tx1">
+                    <a:tint val="75000"/>
+                  </a:schemeClr>
+                </a:solidFill>
+              </a:defRPr>
+            </a:lvl8pPr>
+            <a:lvl9pPr marL="3657600" indent="0">
+              <a:buNone/>
+              <a:defRPr sz="1400">
+                <a:solidFill>
+                  <a:schemeClr val="tx1">
+                    <a:tint val="75000"/>
+                  </a:schemeClr>
+                </a:solidFill>
+              </a:defRPr>
+            </a:lvl9pPr>
+          </a:lstStyle>
+          <a:p>
+            <a:pPr lvl="0"/>
+            <a:r>
+              <a:rPr lang="en-US"/>
+              <a:t>Click to edit Master text styles</a:t>
+            </a:r>
+          </a:p>
+        </p:txBody>
+      </p:sp>
+      <p:sp>
+        <p:nvSpPr>
+          <p:cNvPr id="4" name="Date Placeholder 3"/>
+          <p:cNvSpPr>
+            <a:spLocks noGrp="1"/>
+          </p:cNvSpPr>
+          <p:nvPr>
+            <p:ph type="dt" sz="half" idx="10"/>
+          </p:nvPr>
+        </p:nvSpPr>
+        <p:spPr/>
+        <p:txBody>
+          <a:bodyPr/>
+          <a:lstStyle/>
+          <a:p>
+            <a:fld id="{F2660061-179A-47E0-86E3-D8374BC4401E}" type="datetimeFigureOut">
+              <a:rPr lang="en-US" smtClean="0"/>
+              <a:t>6/29/2021</a:t>
+            </a:fld>
+            <a:endParaRPr lang="en-US"/>
+          </a:p>
+        </p:txBody>
+      </p:sp>
+      <p:sp>
+        <p:nvSpPr>
+          <p:cNvPr id="5" name="Footer Placeholder 4"/>
+          <p:cNvSpPr>
+            <a:spLocks noGrp="1"/>
+          </p:cNvSpPr>
+          <p:nvPr>
+            <p:ph type="ftr" sz="quarter" idx="11"/>
+          </p:nvPr>
+        </p:nvSpPr>
+        <p:spPr/>
+        <p:txBody>
+          <a:bodyPr/>
+          <a:lstStyle/>
+          <a:p>
+            <a:endParaRPr lang="en-US"/>
+          </a:p>
+        </p:txBody>
+      </p:sp>
+      <p:sp>
+        <p:nvSpPr>
+          <p:cNvPr id="6" name="Slide Number Placeholder 5"/>
+          <p:cNvSpPr>
+            <a:spLocks noGrp="1"/>
+          </p:cNvSpPr>
+          <p:nvPr>
+            <p:ph type="sldNum" sz="quarter" idx="12"/>
+          </p:nvPr>
+        </p:nvSpPr>
+        <p:spPr/>
+        <p:txBody>
+          <a:bodyPr/>
+          <a:lstStyle/>
+          <a:p>
+            <a:fld id="{412AC83C-FADC-4987-967A-B9A7F6F85D3E}" type="slidenum">
+              <a:rPr lang="en-US" smtClean="0"/>
+              <a:t>‹#›</a:t>
+            </a:fld>
+            <a:endParaRPr lang="en-US"/>
+          </a:p>
+        </p:txBody>
+      </p:sp>
+      <p:cxnSp>
+        <p:nvCxnSpPr>
+          <p:cNvPr id="15" name="Straight Connector 14"/>
+          <p:cNvCxnSpPr/>
+          <p:nvPr/>
+        </p:nvCxnSpPr>
+        <p:spPr>
+          <a:xfrm>
+            <a:off x="1278465" y="4140199"/>
+            <a:ext cx="6606425" cy="0"/>
+          </a:xfrm>
+          <a:prstGeom prst="line">
+            <a:avLst/>
+          </a:prstGeom>
+          <a:ln w="15875"/>
+        </p:spPr>
+        <p:style>
+          <a:lnRef idx="2">
+            <a:schemeClr val="accent1"/>
+          </a:lnRef>
+          <a:fillRef idx="0">
+            <a:schemeClr val="accent1"/>
+          </a:fillRef>
+          <a:effectRef idx="1">
+            <a:schemeClr val="accent1"/>
+          </a:effectRef>
+          <a:fontRef idx="minor">
+            <a:schemeClr val="tx1"/>
+          </a:fontRef>
+        </p:style>
+      </p:cxnSp>
+    </p:spTree>
+    <p:extLst>
+      <p:ext uri="{BB962C8B-B14F-4D97-AF65-F5344CB8AC3E}">
+        <p14:creationId xmlns:p14="http://schemas.microsoft.com/office/powerpoint/2010/main" val="1175759242"/>
+      </p:ext>
+    </p:extLst>
+  </p:cSld>
+  <p:clrMapOvr>
+    <a:masterClrMapping/>
+  </p:clrMapOvr>
+</p:sldLayout>
+</file>
+
+<file path=ppt/slideLayouts/slideLayout12.xml><?xml version="1.0" encoding="utf-8"?>
+<p:sldLayout xmlns:a="http://schemas.openxmlformats.org/drawingml/2006/main" xmlns:r="http://schemas.openxmlformats.org/officeDocument/2006/relationships" xmlns:p="http://schemas.openxmlformats.org/presentationml/2006/main" preserve="1">
+  <p:cSld name="Quote with Caption">
+    <p:spTree>
+      <p:nvGrpSpPr>
+        <p:cNvPr id="1" name=""/>
+        <p:cNvGrpSpPr/>
+        <p:nvPr/>
+      </p:nvGrpSpPr>
+      <p:grpSpPr>
+        <a:xfrm>
+          <a:off x="0" y="0"/>
+          <a:ext cx="0" cy="0"/>
+          <a:chOff x="0" y="0"/>
+          <a:chExt cx="0" cy="0"/>
+        </a:xfrm>
+      </p:grpSpPr>
+      <p:sp>
+        <p:nvSpPr>
+          <p:cNvPr id="2" name="Title 1"/>
+          <p:cNvSpPr>
+            <a:spLocks noGrp="1"/>
+          </p:cNvSpPr>
+          <p:nvPr>
+            <p:ph type="title"/>
+          </p:nvPr>
+        </p:nvSpPr>
+        <p:spPr>
+          <a:xfrm>
+            <a:off x="1334333" y="982132"/>
+            <a:ext cx="6400250" cy="2370668"/>
+          </a:xfrm>
+        </p:spPr>
+        <p:txBody>
+          <a:bodyPr anchor="ctr">
+            <a:normAutofit/>
+          </a:bodyPr>
+          <a:lstStyle>
+            <a:lvl1pPr algn="ctr">
+              <a:defRPr sz="3200" b="0" cap="none">
+                <a:solidFill>
+                  <a:schemeClr val="tx1"/>
+                </a:solidFill>
+              </a:defRPr>
+            </a:lvl1pPr>
+          </a:lstStyle>
+          <a:p>
+            <a:r>
+              <a:rPr lang="en-US"/>
+              <a:t>Click to edit Master title style</a:t>
+            </a:r>
+            <a:endParaRPr lang="en-US" dirty="0"/>
+          </a:p>
+        </p:txBody>
+      </p:sp>
+      <p:sp>
+        <p:nvSpPr>
+          <p:cNvPr id="10" name="Text Placeholder 9"/>
+          <p:cNvSpPr>
+            <a:spLocks noGrp="1"/>
+          </p:cNvSpPr>
+          <p:nvPr>
+            <p:ph type="body" sz="quarter" idx="13"/>
+          </p:nvPr>
+        </p:nvSpPr>
+        <p:spPr>
+          <a:xfrm>
+            <a:off x="1600200" y="3352799"/>
+            <a:ext cx="5892798" cy="651933"/>
+          </a:xfrm>
+        </p:spPr>
+        <p:txBody>
+          <a:bodyPr anchor="ctr">
+            <a:normAutofit/>
+          </a:bodyPr>
+          <a:lstStyle>
+            <a:lvl1pPr marL="0" indent="0" algn="r">
+              <a:buFontTx/>
+              <a:buNone/>
+              <a:defRPr sz="1800"/>
+            </a:lvl1pPr>
+            <a:lvl2pPr marL="457200" indent="0">
+              <a:buFontTx/>
+              <a:buNone/>
+              <a:defRPr/>
+            </a:lvl2pPr>
+            <a:lvl3pPr marL="914400" indent="0">
+              <a:buFontTx/>
+              <a:buNone/>
+              <a:defRPr/>
+            </a:lvl3pPr>
+            <a:lvl4pPr marL="1371600" indent="0">
+              <a:buFontTx/>
+              <a:buNone/>
+              <a:defRPr/>
+            </a:lvl4pPr>
+            <a:lvl5pPr marL="1828800" indent="0">
+              <a:buFontTx/>
+              <a:buNone/>
+              <a:defRPr/>
+            </a:lvl5pPr>
+          </a:lstStyle>
+          <a:p>
+            <a:pPr lvl="0"/>
+            <a:r>
+              <a:rPr lang="en-US"/>
+              <a:t>Click to edit Master text styles</a:t>
+            </a:r>
+          </a:p>
+        </p:txBody>
+      </p:sp>
+      <p:sp>
+        <p:nvSpPr>
+          <p:cNvPr id="3" name="Text Placeholder 2"/>
+          <p:cNvSpPr>
+            <a:spLocks noGrp="1"/>
+          </p:cNvSpPr>
+          <p:nvPr>
+            <p:ph type="body" idx="1"/>
+          </p:nvPr>
+        </p:nvSpPr>
+        <p:spPr>
+          <a:xfrm>
+            <a:off x="1176863" y="4343400"/>
+            <a:ext cx="6798738" cy="1532467"/>
+          </a:xfrm>
+        </p:spPr>
+        <p:txBody>
+          <a:bodyPr anchor="ctr">
+            <a:normAutofit/>
+          </a:bodyPr>
+          <a:lstStyle>
+            <a:lvl1pPr marL="0" indent="0" algn="ctr">
+              <a:buNone/>
+              <a:defRPr sz="2000">
+                <a:solidFill>
+                  <a:schemeClr val="tx1"/>
+                </a:solidFill>
+              </a:defRPr>
+            </a:lvl1pPr>
+            <a:lvl2pPr marL="457200" indent="0">
+              <a:buNone/>
+              <a:defRPr sz="1800">
+                <a:solidFill>
+                  <a:schemeClr val="tx1">
+                    <a:tint val="75000"/>
+                  </a:schemeClr>
+                </a:solidFill>
+              </a:defRPr>
+            </a:lvl2pPr>
+            <a:lvl3pPr marL="914400" indent="0">
+              <a:buNone/>
+              <a:defRPr sz="1600">
+                <a:solidFill>
+                  <a:schemeClr val="tx1">
+                    <a:tint val="75000"/>
+                  </a:schemeClr>
+                </a:solidFill>
+              </a:defRPr>
+            </a:lvl3pPr>
+            <a:lvl4pPr marL="1371600" indent="0">
+              <a:buNone/>
+              <a:defRPr sz="1400">
+                <a:solidFill>
+                  <a:schemeClr val="tx1">
+                    <a:tint val="75000"/>
+                  </a:schemeClr>
+                </a:solidFill>
+              </a:defRPr>
+            </a:lvl4pPr>
+            <a:lvl5pPr marL="1828800" indent="0">
+              <a:buNone/>
+              <a:defRPr sz="1400">
+                <a:solidFill>
+                  <a:schemeClr val="tx1">
+                    <a:tint val="75000"/>
+                  </a:schemeClr>
+                </a:solidFill>
+              </a:defRPr>
+            </a:lvl5pPr>
+            <a:lvl6pPr marL="2286000" indent="0">
+              <a:buNone/>
+              <a:defRPr sz="1400">
+                <a:solidFill>
+                  <a:schemeClr val="tx1">
+                    <a:tint val="75000"/>
+                  </a:schemeClr>
+                </a:solidFill>
+              </a:defRPr>
+            </a:lvl6pPr>
+            <a:lvl7pPr marL="2743200" indent="0">
+              <a:buNone/>
+              <a:defRPr sz="1400">
+                <a:solidFill>
+                  <a:schemeClr val="tx1">
+                    <a:tint val="75000"/>
+                  </a:schemeClr>
+                </a:solidFill>
+              </a:defRPr>
+            </a:lvl7pPr>
+            <a:lvl8pPr marL="3200400" indent="0">
+              <a:buNone/>
+              <a:defRPr sz="1400">
+                <a:solidFill>
+                  <a:schemeClr val="tx1">
+                    <a:tint val="75000"/>
+                  </a:schemeClr>
+                </a:solidFill>
+              </a:defRPr>
+            </a:lvl8pPr>
+            <a:lvl9pPr marL="3657600" indent="0">
+              <a:buNone/>
+              <a:defRPr sz="1400">
+                <a:solidFill>
+                  <a:schemeClr val="tx1">
+                    <a:tint val="75000"/>
+                  </a:schemeClr>
+                </a:solidFill>
+              </a:defRPr>
+            </a:lvl9pPr>
+          </a:lstStyle>
+          <a:p>
+            <a:pPr lvl="0"/>
+            <a:r>
+              <a:rPr lang="en-US"/>
+              <a:t>Click to edit Master text styles</a:t>
+            </a:r>
+          </a:p>
+        </p:txBody>
+      </p:sp>
+      <p:sp>
+        <p:nvSpPr>
+          <p:cNvPr id="4" name="Date Placeholder 3"/>
+          <p:cNvSpPr>
+            <a:spLocks noGrp="1"/>
+          </p:cNvSpPr>
+          <p:nvPr>
+            <p:ph type="dt" sz="half" idx="10"/>
+          </p:nvPr>
+        </p:nvSpPr>
+        <p:spPr/>
+        <p:txBody>
+          <a:bodyPr/>
+          <a:lstStyle/>
+          <a:p>
+            <a:fld id="{F2660061-179A-47E0-86E3-D8374BC4401E}" type="datetimeFigureOut">
+              <a:rPr lang="en-US" smtClean="0"/>
+              <a:t>6/29/2021</a:t>
+            </a:fld>
+            <a:endParaRPr lang="en-US"/>
+          </a:p>
+        </p:txBody>
+      </p:sp>
+      <p:sp>
+        <p:nvSpPr>
+          <p:cNvPr id="5" name="Footer Placeholder 4"/>
+          <p:cNvSpPr>
+            <a:spLocks noGrp="1"/>
+          </p:cNvSpPr>
+          <p:nvPr>
+            <p:ph type="ftr" sz="quarter" idx="11"/>
+          </p:nvPr>
+        </p:nvSpPr>
+        <p:spPr/>
+        <p:txBody>
+          <a:bodyPr/>
+          <a:lstStyle/>
+          <a:p>
+            <a:endParaRPr lang="en-US"/>
+          </a:p>
+        </p:txBody>
+      </p:sp>
+      <p:sp>
+        <p:nvSpPr>
+          <p:cNvPr id="6" name="Slide Number Placeholder 5"/>
+          <p:cNvSpPr>
+            <a:spLocks noGrp="1"/>
+          </p:cNvSpPr>
+          <p:nvPr>
+            <p:ph type="sldNum" sz="quarter" idx="12"/>
+          </p:nvPr>
+        </p:nvSpPr>
+        <p:spPr/>
+        <p:txBody>
+          <a:bodyPr/>
+          <a:lstStyle/>
+          <a:p>
+            <a:fld id="{412AC83C-FADC-4987-967A-B9A7F6F85D3E}" type="slidenum">
+              <a:rPr lang="en-US" smtClean="0"/>
+              <a:t>‹#›</a:t>
+            </a:fld>
+            <a:endParaRPr lang="en-US"/>
+          </a:p>
+        </p:txBody>
+      </p:sp>
+      <p:sp>
+        <p:nvSpPr>
+          <p:cNvPr id="14" name="TextBox 13"/>
+          <p:cNvSpPr txBox="1"/>
+          <p:nvPr/>
+        </p:nvSpPr>
+        <p:spPr>
+          <a:xfrm>
+            <a:off x="849969" y="905362"/>
+            <a:ext cx="457319" cy="584776"/>
+          </a:xfrm>
+          <a:prstGeom prst="rect">
+            <a:avLst/>
+          </a:prstGeom>
+        </p:spPr>
+        <p:txBody>
+          <a:bodyPr vert="horz" lIns="91440" tIns="45720" rIns="91440" bIns="45720" rtlCol="0" anchor="ctr">
+            <a:noAutofit/>
+          </a:bodyPr>
+          <a:lstStyle/>
+          <a:p>
+            <a:pPr lvl="0"/>
+            <a:r>
+              <a:rPr lang="en-US" sz="7200" dirty="0">
+                <a:solidFill>
+                  <a:schemeClr val="tx1"/>
+                </a:solidFill>
+                <a:effectLst/>
+              </a:rPr>
+              <a:t>“</a:t>
+            </a:r>
+          </a:p>
+        </p:txBody>
+      </p:sp>
+      <p:sp>
+        <p:nvSpPr>
+          <p:cNvPr id="15" name="TextBox 14"/>
+          <p:cNvSpPr txBox="1"/>
+          <p:nvPr/>
+        </p:nvSpPr>
+        <p:spPr>
+          <a:xfrm>
+            <a:off x="7633503" y="2827870"/>
+            <a:ext cx="457319" cy="584776"/>
+          </a:xfrm>
+          <a:prstGeom prst="rect">
+            <a:avLst/>
+          </a:prstGeom>
+        </p:spPr>
+        <p:txBody>
+          <a:bodyPr vert="horz" lIns="91440" tIns="45720" rIns="91440" bIns="45720" rtlCol="0" anchor="ctr">
+            <a:noAutofit/>
+          </a:bodyPr>
+          <a:lstStyle/>
+          <a:p>
+            <a:pPr lvl="0" algn="r"/>
+            <a:r>
+              <a:rPr lang="en-US" sz="7200" dirty="0">
+                <a:solidFill>
+                  <a:schemeClr val="tx1"/>
+                </a:solidFill>
+                <a:effectLst/>
+              </a:rPr>
+              <a:t>”</a:t>
+            </a:r>
+          </a:p>
+        </p:txBody>
+      </p:sp>
+      <p:cxnSp>
+        <p:nvCxnSpPr>
+          <p:cNvPr id="19" name="Straight Connector 18"/>
+          <p:cNvCxnSpPr/>
+          <p:nvPr/>
+        </p:nvCxnSpPr>
+        <p:spPr>
+          <a:xfrm>
+            <a:off x="1278466" y="4140199"/>
+            <a:ext cx="6595534" cy="0"/>
+          </a:xfrm>
+          <a:prstGeom prst="line">
+            <a:avLst/>
+          </a:prstGeom>
+          <a:ln w="15875"/>
+        </p:spPr>
+        <p:style>
+          <a:lnRef idx="2">
+            <a:schemeClr val="accent1"/>
+          </a:lnRef>
+          <a:fillRef idx="0">
+            <a:schemeClr val="accent1"/>
+          </a:fillRef>
+          <a:effectRef idx="1">
+            <a:schemeClr val="accent1"/>
+          </a:effectRef>
+          <a:fontRef idx="minor">
+            <a:schemeClr val="tx1"/>
+          </a:fontRef>
+        </p:style>
+      </p:cxnSp>
+    </p:spTree>
+    <p:extLst>
+      <p:ext uri="{BB962C8B-B14F-4D97-AF65-F5344CB8AC3E}">
+        <p14:creationId xmlns:p14="http://schemas.microsoft.com/office/powerpoint/2010/main" val="571525474"/>
+      </p:ext>
+    </p:extLst>
+  </p:cSld>
+  <p:clrMapOvr>
+    <a:masterClrMapping/>
+  </p:clrMapOvr>
+</p:sldLayout>
+</file>
+
+<file path=ppt/slideLayouts/slideLayout13.xml><?xml version="1.0" encoding="utf-8"?>
+<p:sldLayout xmlns:a="http://schemas.openxmlformats.org/drawingml/2006/main" xmlns:r="http://schemas.openxmlformats.org/officeDocument/2006/relationships" xmlns:p="http://schemas.openxmlformats.org/presentationml/2006/main" preserve="1">
+  <p:cSld name="Name Card">
+    <p:spTree>
+      <p:nvGrpSpPr>
+        <p:cNvPr id="1" name=""/>
+        <p:cNvGrpSpPr/>
+        <p:nvPr/>
+      </p:nvGrpSpPr>
+      <p:grpSpPr>
+        <a:xfrm>
+          <a:off x="0" y="0"/>
+          <a:ext cx="0" cy="0"/>
+          <a:chOff x="0" y="0"/>
+          <a:chExt cx="0" cy="0"/>
+        </a:xfrm>
+      </p:grpSpPr>
+      <p:sp>
+        <p:nvSpPr>
+          <p:cNvPr id="2" name="Title 1"/>
+          <p:cNvSpPr>
+            <a:spLocks noGrp="1"/>
+          </p:cNvSpPr>
+          <p:nvPr>
+            <p:ph type="title"/>
+          </p:nvPr>
+        </p:nvSpPr>
+        <p:spPr>
+          <a:xfrm>
+            <a:off x="1176869" y="3308581"/>
+            <a:ext cx="6798728" cy="1468800"/>
+          </a:xfrm>
+        </p:spPr>
+        <p:txBody>
+          <a:bodyPr anchor="b">
+            <a:normAutofit/>
+          </a:bodyPr>
+          <a:lstStyle>
+            <a:lvl1pPr algn="l">
+              <a:defRPr sz="3200" b="0" cap="none"/>
+            </a:lvl1pPr>
+          </a:lstStyle>
+          <a:p>
+            <a:r>
+              <a:rPr lang="en-US"/>
+              <a:t>Click to edit Master title style</a:t>
+            </a:r>
+            <a:endParaRPr lang="en-US" dirty="0"/>
+          </a:p>
+        </p:txBody>
+      </p:sp>
+      <p:sp>
+        <p:nvSpPr>
+          <p:cNvPr id="3" name="Text Placeholder 2"/>
+          <p:cNvSpPr>
+            <a:spLocks noGrp="1"/>
+          </p:cNvSpPr>
+          <p:nvPr>
+            <p:ph type="body" idx="1"/>
+          </p:nvPr>
+        </p:nvSpPr>
+        <p:spPr>
+          <a:xfrm>
+            <a:off x="1176868" y="4777381"/>
+            <a:ext cx="6798730" cy="860400"/>
+          </a:xfrm>
+        </p:spPr>
+        <p:txBody>
+          <a:bodyPr anchor="t">
+            <a:normAutofit/>
+          </a:bodyPr>
+          <a:lstStyle>
+            <a:lvl1pPr marL="0" indent="0" algn="l">
+              <a:buNone/>
+              <a:defRPr sz="1800">
+                <a:solidFill>
+                  <a:schemeClr val="tx1"/>
+                </a:solidFill>
+              </a:defRPr>
+            </a:lvl1pPr>
+            <a:lvl2pPr marL="457200" indent="0">
+              <a:buNone/>
+              <a:defRPr sz="1800">
+                <a:solidFill>
+                  <a:schemeClr val="tx1">
+                    <a:tint val="75000"/>
+                  </a:schemeClr>
+                </a:solidFill>
+              </a:defRPr>
+            </a:lvl2pPr>
+            <a:lvl3pPr marL="914400" indent="0">
+              <a:buNone/>
+              <a:defRPr sz="1600">
+                <a:solidFill>
+                  <a:schemeClr val="tx1">
+                    <a:tint val="75000"/>
+                  </a:schemeClr>
+                </a:solidFill>
+              </a:defRPr>
+            </a:lvl3pPr>
+            <a:lvl4pPr marL="1371600" indent="0">
+              <a:buNone/>
+              <a:defRPr sz="1400">
+                <a:solidFill>
+                  <a:schemeClr val="tx1">
+                    <a:tint val="75000"/>
+                  </a:schemeClr>
+                </a:solidFill>
+              </a:defRPr>
+            </a:lvl4pPr>
+            <a:lvl5pPr marL="1828800" indent="0">
+              <a:buNone/>
+              <a:defRPr sz="1400">
+                <a:solidFill>
+                  <a:schemeClr val="tx1">
+                    <a:tint val="75000"/>
+                  </a:schemeClr>
+                </a:solidFill>
+              </a:defRPr>
+            </a:lvl5pPr>
+            <a:lvl6pPr marL="2286000" indent="0">
+              <a:buNone/>
+              <a:defRPr sz="1400">
+                <a:solidFill>
+                  <a:schemeClr val="tx1">
+                    <a:tint val="75000"/>
+                  </a:schemeClr>
+                </a:solidFill>
+              </a:defRPr>
+            </a:lvl6pPr>
+            <a:lvl7pPr marL="2743200" indent="0">
+              <a:buNone/>
+              <a:defRPr sz="1400">
+                <a:solidFill>
+                  <a:schemeClr val="tx1">
+                    <a:tint val="75000"/>
+                  </a:schemeClr>
+                </a:solidFill>
+              </a:defRPr>
+            </a:lvl7pPr>
+            <a:lvl8pPr marL="3200400" indent="0">
+              <a:buNone/>
+              <a:defRPr sz="1400">
+                <a:solidFill>
+                  <a:schemeClr val="tx1">
+                    <a:tint val="75000"/>
+                  </a:schemeClr>
+                </a:solidFill>
+              </a:defRPr>
+            </a:lvl8pPr>
+            <a:lvl9pPr marL="3657600" indent="0">
+              <a:buNone/>
+              <a:defRPr sz="1400">
+                <a:solidFill>
+                  <a:schemeClr val="tx1">
+                    <a:tint val="75000"/>
+                  </a:schemeClr>
+                </a:solidFill>
+              </a:defRPr>
+            </a:lvl9pPr>
+          </a:lstStyle>
+          <a:p>
+            <a:pPr lvl="0"/>
+            <a:r>
+              <a:rPr lang="en-US"/>
+              <a:t>Click to edit Master text styles</a:t>
+            </a:r>
+          </a:p>
+        </p:txBody>
+      </p:sp>
+      <p:sp>
+        <p:nvSpPr>
+          <p:cNvPr id="4" name="Date Placeholder 3"/>
+          <p:cNvSpPr>
+            <a:spLocks noGrp="1"/>
+          </p:cNvSpPr>
+          <p:nvPr>
+            <p:ph type="dt" sz="half" idx="10"/>
+          </p:nvPr>
+        </p:nvSpPr>
+        <p:spPr/>
+        <p:txBody>
+          <a:bodyPr/>
+          <a:lstStyle/>
+          <a:p>
+            <a:fld id="{F2660061-179A-47E0-86E3-D8374BC4401E}" type="datetimeFigureOut">
+              <a:rPr lang="en-US" smtClean="0"/>
+              <a:t>6/29/2021</a:t>
+            </a:fld>
+            <a:endParaRPr lang="en-US"/>
+          </a:p>
+        </p:txBody>
+      </p:sp>
+      <p:sp>
+        <p:nvSpPr>
+          <p:cNvPr id="5" name="Footer Placeholder 4"/>
+          <p:cNvSpPr>
+            <a:spLocks noGrp="1"/>
+          </p:cNvSpPr>
+          <p:nvPr>
+            <p:ph type="ftr" sz="quarter" idx="11"/>
+          </p:nvPr>
+        </p:nvSpPr>
+        <p:spPr/>
+        <p:txBody>
+          <a:bodyPr/>
+          <a:lstStyle/>
+          <a:p>
+            <a:endParaRPr lang="en-US"/>
+          </a:p>
+        </p:txBody>
+      </p:sp>
+      <p:sp>
+        <p:nvSpPr>
+          <p:cNvPr id="6" name="Slide Number Placeholder 5"/>
+          <p:cNvSpPr>
+            <a:spLocks noGrp="1"/>
+          </p:cNvSpPr>
+          <p:nvPr>
+            <p:ph type="sldNum" sz="quarter" idx="12"/>
+          </p:nvPr>
+        </p:nvSpPr>
+        <p:spPr/>
+        <p:txBody>
+          <a:bodyPr/>
+          <a:lstStyle/>
+          <a:p>
+            <a:fld id="{412AC83C-FADC-4987-967A-B9A7F6F85D3E}" type="slidenum">
+              <a:rPr lang="en-US" smtClean="0"/>
+              <a:t>‹#›</a:t>
+            </a:fld>
+            <a:endParaRPr lang="en-US"/>
+          </a:p>
+        </p:txBody>
+      </p:sp>
+    </p:spTree>
+    <p:extLst>
+      <p:ext uri="{BB962C8B-B14F-4D97-AF65-F5344CB8AC3E}">
+        <p14:creationId xmlns:p14="http://schemas.microsoft.com/office/powerpoint/2010/main" val="2562564430"/>
+      </p:ext>
+    </p:extLst>
+  </p:cSld>
+  <p:clrMapOvr>
+    <a:masterClrMapping/>
+  </p:clrMapOvr>
+</p:sldLayout>
+</file>
+
+<file path=ppt/slideLayouts/slideLayout14.xml><?xml version="1.0" encoding="utf-8"?>
+<p:sldLayout xmlns:a="http://schemas.openxmlformats.org/drawingml/2006/main" xmlns:r="http://schemas.openxmlformats.org/officeDocument/2006/relationships" xmlns:p="http://schemas.openxmlformats.org/presentationml/2006/main" preserve="1">
+  <p:cSld name="Quote Name Card">
+    <p:spTree>
+      <p:nvGrpSpPr>
+        <p:cNvPr id="1" name=""/>
+        <p:cNvGrpSpPr/>
+        <p:nvPr/>
+      </p:nvGrpSpPr>
+      <p:grpSpPr>
+        <a:xfrm>
+          <a:off x="0" y="0"/>
+          <a:ext cx="0" cy="0"/>
+          <a:chOff x="0" y="0"/>
+          <a:chExt cx="0" cy="0"/>
+        </a:xfrm>
+      </p:grpSpPr>
+      <p:sp>
+        <p:nvSpPr>
+          <p:cNvPr id="2" name="Title 1"/>
+          <p:cNvSpPr>
+            <a:spLocks noGrp="1"/>
+          </p:cNvSpPr>
+          <p:nvPr>
+            <p:ph type="title"/>
+          </p:nvPr>
+        </p:nvSpPr>
+        <p:spPr>
+          <a:xfrm>
+            <a:off x="1409416" y="982132"/>
+            <a:ext cx="6325168" cy="2243668"/>
+          </a:xfrm>
+        </p:spPr>
+        <p:txBody>
+          <a:bodyPr anchor="ctr">
+            <a:normAutofit/>
+          </a:bodyPr>
+          <a:lstStyle>
+            <a:lvl1pPr algn="ctr">
+              <a:defRPr sz="3200" b="0" cap="none">
+                <a:solidFill>
+                  <a:schemeClr val="tx1"/>
+                </a:solidFill>
+              </a:defRPr>
+            </a:lvl1pPr>
+          </a:lstStyle>
+          <a:p>
+            <a:r>
+              <a:rPr lang="en-US"/>
+              <a:t>Click to edit Master title style</a:t>
+            </a:r>
+            <a:endParaRPr lang="en-US" dirty="0"/>
+          </a:p>
+        </p:txBody>
+      </p:sp>
+      <p:sp>
+        <p:nvSpPr>
+          <p:cNvPr id="18" name="Text Placeholder 2"/>
+          <p:cNvSpPr>
+            <a:spLocks noGrp="1"/>
+          </p:cNvSpPr>
+          <p:nvPr>
+            <p:ph type="body" idx="13"/>
+          </p:nvPr>
+        </p:nvSpPr>
+        <p:spPr>
+          <a:xfrm>
+            <a:off x="1176868" y="3639312"/>
+            <a:ext cx="6798730" cy="886968"/>
+          </a:xfrm>
+        </p:spPr>
+        <p:txBody>
+          <a:bodyPr anchor="b">
+            <a:normAutofit/>
+          </a:bodyPr>
+          <a:lstStyle>
+            <a:lvl1pPr marL="0" indent="0" algn="l">
+              <a:spcBef>
+                <a:spcPts val="0"/>
+              </a:spcBef>
+              <a:buNone/>
+              <a:defRPr sz="2000">
+                <a:solidFill>
+                  <a:schemeClr val="tx1"/>
+                </a:solidFill>
+              </a:defRPr>
+            </a:lvl1pPr>
+            <a:lvl2pPr marL="457200" indent="0">
+              <a:buNone/>
+              <a:defRPr sz="1800">
+                <a:solidFill>
+                  <a:schemeClr val="tx1">
+                    <a:tint val="75000"/>
+                  </a:schemeClr>
+                </a:solidFill>
+              </a:defRPr>
+            </a:lvl2pPr>
+            <a:lvl3pPr marL="914400" indent="0">
+              <a:buNone/>
+              <a:defRPr sz="1600">
+                <a:solidFill>
+                  <a:schemeClr val="tx1">
+                    <a:tint val="75000"/>
+                  </a:schemeClr>
+                </a:solidFill>
+              </a:defRPr>
+            </a:lvl3pPr>
+            <a:lvl4pPr marL="1371600" indent="0">
+              <a:buNone/>
+              <a:defRPr sz="1400">
+                <a:solidFill>
+                  <a:schemeClr val="tx1">
+                    <a:tint val="75000"/>
+                  </a:schemeClr>
+                </a:solidFill>
+              </a:defRPr>
+            </a:lvl4pPr>
+            <a:lvl5pPr marL="1828800" indent="0">
+              <a:buNone/>
+              <a:defRPr sz="1400">
+                <a:solidFill>
+                  <a:schemeClr val="tx1">
+                    <a:tint val="75000"/>
+                  </a:schemeClr>
+                </a:solidFill>
+              </a:defRPr>
+            </a:lvl5pPr>
+            <a:lvl6pPr marL="2286000" indent="0">
+              <a:buNone/>
+              <a:defRPr sz="1400">
+                <a:solidFill>
+                  <a:schemeClr val="tx1">
+                    <a:tint val="75000"/>
+                  </a:schemeClr>
+                </a:solidFill>
+              </a:defRPr>
+            </a:lvl6pPr>
+            <a:lvl7pPr marL="2743200" indent="0">
+              <a:buNone/>
+              <a:defRPr sz="1400">
+                <a:solidFill>
+                  <a:schemeClr val="tx1">
+                    <a:tint val="75000"/>
+                  </a:schemeClr>
+                </a:solidFill>
+              </a:defRPr>
+            </a:lvl7pPr>
+            <a:lvl8pPr marL="3200400" indent="0">
+              <a:buNone/>
+              <a:defRPr sz="1400">
+                <a:solidFill>
+                  <a:schemeClr val="tx1">
+                    <a:tint val="75000"/>
+                  </a:schemeClr>
+                </a:solidFill>
+              </a:defRPr>
+            </a:lvl8pPr>
+            <a:lvl9pPr marL="3657600" indent="0">
+              <a:buNone/>
+              <a:defRPr sz="1400">
+                <a:solidFill>
+                  <a:schemeClr val="tx1">
+                    <a:tint val="75000"/>
+                  </a:schemeClr>
+                </a:solidFill>
+              </a:defRPr>
+            </a:lvl9pPr>
+          </a:lstStyle>
+          <a:p>
+            <a:pPr lvl="0"/>
+            <a:r>
+              <a:rPr lang="en-US"/>
+              <a:t>Click to edit Master text styles</a:t>
+            </a:r>
+          </a:p>
+        </p:txBody>
+      </p:sp>
+      <p:sp>
+        <p:nvSpPr>
+          <p:cNvPr id="3" name="Text Placeholder 2"/>
+          <p:cNvSpPr>
+            <a:spLocks noGrp="1"/>
+          </p:cNvSpPr>
+          <p:nvPr>
+            <p:ph type="body" idx="1"/>
+          </p:nvPr>
+        </p:nvSpPr>
+        <p:spPr>
+          <a:xfrm>
+            <a:off x="1176865" y="4529667"/>
+            <a:ext cx="6798736" cy="1346200"/>
+          </a:xfrm>
+        </p:spPr>
+        <p:txBody>
+          <a:bodyPr anchor="t">
+            <a:normAutofit/>
+          </a:bodyPr>
+          <a:lstStyle>
+            <a:lvl1pPr marL="0" indent="0" algn="l">
+              <a:buNone/>
+              <a:defRPr sz="1600">
+                <a:solidFill>
+                  <a:schemeClr val="tx1"/>
+                </a:solidFill>
+              </a:defRPr>
+            </a:lvl1pPr>
+            <a:lvl2pPr marL="457200" indent="0">
+              <a:buNone/>
+              <a:defRPr sz="1600">
+                <a:solidFill>
+                  <a:schemeClr val="tx1">
+                    <a:tint val="75000"/>
+                  </a:schemeClr>
+                </a:solidFill>
+              </a:defRPr>
+            </a:lvl2pPr>
+            <a:lvl3pPr marL="914400" indent="0">
+              <a:buNone/>
+              <a:defRPr sz="1600">
+                <a:solidFill>
+                  <a:schemeClr val="tx1">
+                    <a:tint val="75000"/>
+                  </a:schemeClr>
+                </a:solidFill>
+              </a:defRPr>
+            </a:lvl3pPr>
+            <a:lvl4pPr marL="1371600" indent="0">
+              <a:buNone/>
+              <a:defRPr sz="1400">
+                <a:solidFill>
+                  <a:schemeClr val="tx1">
+                    <a:tint val="75000"/>
+                  </a:schemeClr>
+                </a:solidFill>
+              </a:defRPr>
+            </a:lvl4pPr>
+            <a:lvl5pPr marL="1828800" indent="0">
+              <a:buNone/>
+              <a:defRPr sz="1400">
+                <a:solidFill>
+                  <a:schemeClr val="tx1">
+                    <a:tint val="75000"/>
+                  </a:schemeClr>
+                </a:solidFill>
+              </a:defRPr>
+            </a:lvl5pPr>
+            <a:lvl6pPr marL="2286000" indent="0">
+              <a:buNone/>
+              <a:defRPr sz="1400">
+                <a:solidFill>
+                  <a:schemeClr val="tx1">
+                    <a:tint val="75000"/>
+                  </a:schemeClr>
+                </a:solidFill>
+              </a:defRPr>
+            </a:lvl6pPr>
+            <a:lvl7pPr marL="2743200" indent="0">
+              <a:buNone/>
+              <a:defRPr sz="1400">
+                <a:solidFill>
+                  <a:schemeClr val="tx1">
+                    <a:tint val="75000"/>
+                  </a:schemeClr>
+                </a:solidFill>
+              </a:defRPr>
+            </a:lvl7pPr>
+            <a:lvl8pPr marL="3200400" indent="0">
+              <a:buNone/>
+              <a:defRPr sz="1400">
+                <a:solidFill>
+                  <a:schemeClr val="tx1">
+                    <a:tint val="75000"/>
+                  </a:schemeClr>
+                </a:solidFill>
+              </a:defRPr>
+            </a:lvl8pPr>
+            <a:lvl9pPr marL="3657600" indent="0">
+              <a:buNone/>
+              <a:defRPr sz="1400">
+                <a:solidFill>
+                  <a:schemeClr val="tx1">
+                    <a:tint val="75000"/>
+                  </a:schemeClr>
+                </a:solidFill>
+              </a:defRPr>
+            </a:lvl9pPr>
+          </a:lstStyle>
+          <a:p>
+            <a:pPr lvl="0"/>
+            <a:r>
+              <a:rPr lang="en-US"/>
+              <a:t>Click to edit Master text styles</a:t>
+            </a:r>
+          </a:p>
+        </p:txBody>
+      </p:sp>
+      <p:sp>
+        <p:nvSpPr>
+          <p:cNvPr id="4" name="Date Placeholder 3"/>
+          <p:cNvSpPr>
+            <a:spLocks noGrp="1"/>
+          </p:cNvSpPr>
+          <p:nvPr>
+            <p:ph type="dt" sz="half" idx="10"/>
+          </p:nvPr>
+        </p:nvSpPr>
+        <p:spPr/>
+        <p:txBody>
+          <a:bodyPr/>
+          <a:lstStyle/>
+          <a:p>
+            <a:fld id="{F2660061-179A-47E0-86E3-D8374BC4401E}" type="datetimeFigureOut">
+              <a:rPr lang="en-US" smtClean="0"/>
+              <a:t>6/29/2021</a:t>
+            </a:fld>
+            <a:endParaRPr lang="en-US"/>
+          </a:p>
+        </p:txBody>
+      </p:sp>
+      <p:sp>
+        <p:nvSpPr>
+          <p:cNvPr id="5" name="Footer Placeholder 4"/>
+          <p:cNvSpPr>
+            <a:spLocks noGrp="1"/>
+          </p:cNvSpPr>
+          <p:nvPr>
+            <p:ph type="ftr" sz="quarter" idx="11"/>
+          </p:nvPr>
+        </p:nvSpPr>
+        <p:spPr/>
+        <p:txBody>
+          <a:bodyPr/>
+          <a:lstStyle/>
+          <a:p>
+            <a:endParaRPr lang="en-US"/>
+          </a:p>
+        </p:txBody>
+      </p:sp>
+      <p:sp>
+        <p:nvSpPr>
+          <p:cNvPr id="6" name="Slide Number Placeholder 5"/>
+          <p:cNvSpPr>
+            <a:spLocks noGrp="1"/>
+          </p:cNvSpPr>
+          <p:nvPr>
+            <p:ph type="sldNum" sz="quarter" idx="12"/>
+          </p:nvPr>
+        </p:nvSpPr>
+        <p:spPr/>
+        <p:txBody>
+          <a:bodyPr/>
+          <a:lstStyle/>
+          <a:p>
+            <a:fld id="{412AC83C-FADC-4987-967A-B9A7F6F85D3E}" type="slidenum">
+              <a:rPr lang="en-US" smtClean="0"/>
+              <a:t>‹#›</a:t>
+            </a:fld>
+            <a:endParaRPr lang="en-US"/>
+          </a:p>
+        </p:txBody>
+      </p:sp>
+      <p:sp>
+        <p:nvSpPr>
+          <p:cNvPr id="12" name="TextBox 11"/>
+          <p:cNvSpPr txBox="1"/>
+          <p:nvPr/>
+        </p:nvSpPr>
+        <p:spPr>
+          <a:xfrm>
+            <a:off x="878060" y="896895"/>
+            <a:ext cx="457319" cy="584776"/>
+          </a:xfrm>
+          <a:prstGeom prst="rect">
+            <a:avLst/>
+          </a:prstGeom>
+        </p:spPr>
+        <p:txBody>
+          <a:bodyPr vert="horz" lIns="91440" tIns="45720" rIns="91440" bIns="45720" rtlCol="0" anchor="ctr">
+            <a:noAutofit/>
+          </a:bodyPr>
+          <a:lstStyle/>
+          <a:p>
+            <a:pPr lvl="0"/>
+            <a:r>
+              <a:rPr lang="en-US" sz="8000" dirty="0">
+                <a:solidFill>
+                  <a:schemeClr val="tx1"/>
+                </a:solidFill>
+                <a:effectLst/>
+              </a:rPr>
+              <a:t>“</a:t>
+            </a:r>
+          </a:p>
+        </p:txBody>
+      </p:sp>
+      <p:sp>
+        <p:nvSpPr>
+          <p:cNvPr id="13" name="TextBox 12"/>
+          <p:cNvSpPr txBox="1"/>
+          <p:nvPr/>
+        </p:nvSpPr>
+        <p:spPr>
+          <a:xfrm>
+            <a:off x="7649796" y="2607728"/>
+            <a:ext cx="457319" cy="584776"/>
+          </a:xfrm>
+          <a:prstGeom prst="rect">
+            <a:avLst/>
+          </a:prstGeom>
+        </p:spPr>
+        <p:txBody>
+          <a:bodyPr vert="horz" lIns="91440" tIns="45720" rIns="91440" bIns="45720" rtlCol="0" anchor="ctr">
+            <a:noAutofit/>
+          </a:bodyPr>
+          <a:lstStyle/>
+          <a:p>
+            <a:pPr lvl="0" algn="r"/>
+            <a:r>
+              <a:rPr lang="en-US" sz="8000" dirty="0">
+                <a:solidFill>
+                  <a:schemeClr val="tx1"/>
+                </a:solidFill>
+                <a:effectLst/>
+              </a:rPr>
+              <a:t>”</a:t>
+            </a:r>
+          </a:p>
+        </p:txBody>
+      </p:sp>
+      <p:cxnSp>
+        <p:nvCxnSpPr>
+          <p:cNvPr id="26" name="Straight Connector 25"/>
+          <p:cNvCxnSpPr/>
+          <p:nvPr/>
+        </p:nvCxnSpPr>
+        <p:spPr>
+          <a:xfrm>
+            <a:off x="1278466" y="3429000"/>
+            <a:ext cx="6595534" cy="0"/>
+          </a:xfrm>
+          <a:prstGeom prst="line">
+            <a:avLst/>
+          </a:prstGeom>
+          <a:ln w="15875"/>
+        </p:spPr>
+        <p:style>
+          <a:lnRef idx="2">
+            <a:schemeClr val="accent1"/>
+          </a:lnRef>
+          <a:fillRef idx="0">
+            <a:schemeClr val="accent1"/>
+          </a:fillRef>
+          <a:effectRef idx="1">
+            <a:schemeClr val="accent1"/>
+          </a:effectRef>
+          <a:fontRef idx="minor">
+            <a:schemeClr val="tx1"/>
+          </a:fontRef>
+        </p:style>
+      </p:cxnSp>
+    </p:spTree>
+    <p:extLst>
+      <p:ext uri="{BB962C8B-B14F-4D97-AF65-F5344CB8AC3E}">
+        <p14:creationId xmlns:p14="http://schemas.microsoft.com/office/powerpoint/2010/main" val="4258059957"/>
+      </p:ext>
+    </p:extLst>
+  </p:cSld>
+  <p:clrMapOvr>
+    <a:masterClrMapping/>
+  </p:clrMapOvr>
+</p:sldLayout>
+</file>
+
+<file path=ppt/slideLayouts/slideLayout15.xml><?xml version="1.0" encoding="utf-8"?>
+<p:sldLayout xmlns:a="http://schemas.openxmlformats.org/drawingml/2006/main" xmlns:r="http://schemas.openxmlformats.org/officeDocument/2006/relationships" xmlns:p="http://schemas.openxmlformats.org/presentationml/2006/main" preserve="1">
+  <p:cSld name="True or False">
+    <p:spTree>
+      <p:nvGrpSpPr>
+        <p:cNvPr id="1" name=""/>
+        <p:cNvGrpSpPr/>
+        <p:nvPr/>
+      </p:nvGrpSpPr>
+      <p:grpSpPr>
+        <a:xfrm>
+          <a:off x="0" y="0"/>
+          <a:ext cx="0" cy="0"/>
+          <a:chOff x="0" y="0"/>
+          <a:chExt cx="0" cy="0"/>
+        </a:xfrm>
+      </p:grpSpPr>
+      <p:sp>
+        <p:nvSpPr>
+          <p:cNvPr id="2" name="Title 1"/>
+          <p:cNvSpPr>
+            <a:spLocks noGrp="1"/>
+          </p:cNvSpPr>
+          <p:nvPr>
+            <p:ph type="title"/>
+          </p:nvPr>
+        </p:nvSpPr>
+        <p:spPr>
+          <a:xfrm>
+            <a:off x="1176865" y="982131"/>
+            <a:ext cx="6798734" cy="2294467"/>
+          </a:xfrm>
+        </p:spPr>
+        <p:txBody>
+          <a:bodyPr vert="horz" lIns="91440" tIns="45720" rIns="91440" bIns="45720" rtlCol="0" anchor="ctr">
+            <a:normAutofit/>
+          </a:bodyPr>
+          <a:lstStyle>
+            <a:lvl1pPr>
+              <a:defRPr lang="en-US" sz="3200" b="0" dirty="0"/>
+            </a:lvl1pPr>
+          </a:lstStyle>
+          <a:p>
+            <a:pPr marL="0" lvl="0"/>
+            <a:r>
+              <a:rPr lang="en-US"/>
+              <a:t>Click to edit Master title style</a:t>
+            </a:r>
+            <a:endParaRPr lang="en-US" dirty="0"/>
+          </a:p>
+        </p:txBody>
+      </p:sp>
+      <p:sp>
+        <p:nvSpPr>
+          <p:cNvPr id="14" name="Text Placeholder 2"/>
+          <p:cNvSpPr>
+            <a:spLocks noGrp="1"/>
+          </p:cNvSpPr>
+          <p:nvPr>
+            <p:ph type="body" idx="13"/>
+          </p:nvPr>
+        </p:nvSpPr>
+        <p:spPr>
+          <a:xfrm>
+            <a:off x="1176868" y="3566160"/>
+            <a:ext cx="6798730" cy="905256"/>
+          </a:xfrm>
+        </p:spPr>
+        <p:txBody>
+          <a:bodyPr anchor="b">
+            <a:normAutofit/>
+          </a:bodyPr>
+          <a:lstStyle>
+            <a:lvl1pPr marL="0" indent="0" algn="l">
+              <a:spcBef>
+                <a:spcPts val="0"/>
+              </a:spcBef>
+              <a:buNone/>
+              <a:defRPr sz="2000">
+                <a:solidFill>
+                  <a:schemeClr val="tx1"/>
+                </a:solidFill>
+              </a:defRPr>
+            </a:lvl1pPr>
+            <a:lvl2pPr marL="457200" indent="0">
+              <a:buNone/>
+              <a:defRPr sz="1800">
+                <a:solidFill>
+                  <a:schemeClr val="tx1">
+                    <a:tint val="75000"/>
+                  </a:schemeClr>
+                </a:solidFill>
+              </a:defRPr>
+            </a:lvl2pPr>
+            <a:lvl3pPr marL="914400" indent="0">
+              <a:buNone/>
+              <a:defRPr sz="1600">
+                <a:solidFill>
+                  <a:schemeClr val="tx1">
+                    <a:tint val="75000"/>
+                  </a:schemeClr>
+                </a:solidFill>
+              </a:defRPr>
+            </a:lvl3pPr>
+            <a:lvl4pPr marL="1371600" indent="0">
+              <a:buNone/>
+              <a:defRPr sz="1400">
+                <a:solidFill>
+                  <a:schemeClr val="tx1">
+                    <a:tint val="75000"/>
+                  </a:schemeClr>
+                </a:solidFill>
+              </a:defRPr>
+            </a:lvl4pPr>
+            <a:lvl5pPr marL="1828800" indent="0">
+              <a:buNone/>
+              <a:defRPr sz="1400">
+                <a:solidFill>
+                  <a:schemeClr val="tx1">
+                    <a:tint val="75000"/>
+                  </a:schemeClr>
+                </a:solidFill>
+              </a:defRPr>
+            </a:lvl5pPr>
+            <a:lvl6pPr marL="2286000" indent="0">
+              <a:buNone/>
+              <a:defRPr sz="1400">
+                <a:solidFill>
+                  <a:schemeClr val="tx1">
+                    <a:tint val="75000"/>
+                  </a:schemeClr>
+                </a:solidFill>
+              </a:defRPr>
+            </a:lvl6pPr>
+            <a:lvl7pPr marL="2743200" indent="0">
+              <a:buNone/>
+              <a:defRPr sz="1400">
+                <a:solidFill>
+                  <a:schemeClr val="tx1">
+                    <a:tint val="75000"/>
+                  </a:schemeClr>
+                </a:solidFill>
+              </a:defRPr>
+            </a:lvl7pPr>
+            <a:lvl8pPr marL="3200400" indent="0">
+              <a:buNone/>
+              <a:defRPr sz="1400">
+                <a:solidFill>
+                  <a:schemeClr val="tx1">
+                    <a:tint val="75000"/>
+                  </a:schemeClr>
+                </a:solidFill>
+              </a:defRPr>
+            </a:lvl8pPr>
+            <a:lvl9pPr marL="3657600" indent="0">
+              <a:buNone/>
+              <a:defRPr sz="1400">
+                <a:solidFill>
+                  <a:schemeClr val="tx1">
+                    <a:tint val="75000"/>
+                  </a:schemeClr>
+                </a:solidFill>
+              </a:defRPr>
+            </a:lvl9pPr>
+          </a:lstStyle>
+          <a:p>
+            <a:pPr lvl="0"/>
+            <a:r>
+              <a:rPr lang="en-US"/>
+              <a:t>Click to edit Master text styles</a:t>
+            </a:r>
+          </a:p>
+        </p:txBody>
+      </p:sp>
+      <p:sp>
+        <p:nvSpPr>
+          <p:cNvPr id="3" name="Text Placeholder 2"/>
+          <p:cNvSpPr>
+            <a:spLocks noGrp="1"/>
+          </p:cNvSpPr>
+          <p:nvPr>
+            <p:ph type="body" idx="1"/>
+          </p:nvPr>
+        </p:nvSpPr>
+        <p:spPr>
+          <a:xfrm>
+            <a:off x="1176866" y="4470400"/>
+            <a:ext cx="6798734" cy="1405467"/>
+          </a:xfrm>
+        </p:spPr>
+        <p:txBody>
+          <a:bodyPr anchor="t">
+            <a:normAutofit/>
+          </a:bodyPr>
+          <a:lstStyle>
+            <a:lvl1pPr marL="0" indent="0" algn="l">
+              <a:buNone/>
+              <a:defRPr sz="1600">
+                <a:solidFill>
+                  <a:schemeClr val="tx1"/>
+                </a:solidFill>
+              </a:defRPr>
+            </a:lvl1pPr>
+            <a:lvl2pPr marL="457200" indent="0">
+              <a:buNone/>
+              <a:defRPr sz="1600">
+                <a:solidFill>
+                  <a:schemeClr val="tx1">
+                    <a:tint val="75000"/>
+                  </a:schemeClr>
+                </a:solidFill>
+              </a:defRPr>
+            </a:lvl2pPr>
+            <a:lvl3pPr marL="914400" indent="0">
+              <a:buNone/>
+              <a:defRPr sz="1600">
+                <a:solidFill>
+                  <a:schemeClr val="tx1">
+                    <a:tint val="75000"/>
+                  </a:schemeClr>
+                </a:solidFill>
+              </a:defRPr>
+            </a:lvl3pPr>
+            <a:lvl4pPr marL="1371600" indent="0">
+              <a:buNone/>
+              <a:defRPr sz="1400">
+                <a:solidFill>
+                  <a:schemeClr val="tx1">
+                    <a:tint val="75000"/>
+                  </a:schemeClr>
+                </a:solidFill>
+              </a:defRPr>
+            </a:lvl4pPr>
+            <a:lvl5pPr marL="1828800" indent="0">
+              <a:buNone/>
+              <a:defRPr sz="1400">
+                <a:solidFill>
+                  <a:schemeClr val="tx1">
+                    <a:tint val="75000"/>
+                  </a:schemeClr>
+                </a:solidFill>
+              </a:defRPr>
+            </a:lvl5pPr>
+            <a:lvl6pPr marL="2286000" indent="0">
+              <a:buNone/>
+              <a:defRPr sz="1400">
+                <a:solidFill>
+                  <a:schemeClr val="tx1">
+                    <a:tint val="75000"/>
+                  </a:schemeClr>
+                </a:solidFill>
+              </a:defRPr>
+            </a:lvl6pPr>
+            <a:lvl7pPr marL="2743200" indent="0">
+              <a:buNone/>
+              <a:defRPr sz="1400">
+                <a:solidFill>
+                  <a:schemeClr val="tx1">
+                    <a:tint val="75000"/>
+                  </a:schemeClr>
+                </a:solidFill>
+              </a:defRPr>
+            </a:lvl7pPr>
+            <a:lvl8pPr marL="3200400" indent="0">
+              <a:buNone/>
+              <a:defRPr sz="1400">
+                <a:solidFill>
+                  <a:schemeClr val="tx1">
+                    <a:tint val="75000"/>
+                  </a:schemeClr>
+                </a:solidFill>
+              </a:defRPr>
+            </a:lvl8pPr>
+            <a:lvl9pPr marL="3657600" indent="0">
+              <a:buNone/>
+              <a:defRPr sz="1400">
+                <a:solidFill>
+                  <a:schemeClr val="tx1">
+                    <a:tint val="75000"/>
+                  </a:schemeClr>
+                </a:solidFill>
+              </a:defRPr>
+            </a:lvl9pPr>
+          </a:lstStyle>
+          <a:p>
+            <a:pPr lvl="0"/>
+            <a:r>
+              <a:rPr lang="en-US"/>
+              <a:t>Click to edit Master text styles</a:t>
+            </a:r>
+          </a:p>
+        </p:txBody>
+      </p:sp>
+      <p:sp>
+        <p:nvSpPr>
+          <p:cNvPr id="4" name="Date Placeholder 3"/>
+          <p:cNvSpPr>
+            <a:spLocks noGrp="1"/>
+          </p:cNvSpPr>
+          <p:nvPr>
+            <p:ph type="dt" sz="half" idx="10"/>
+          </p:nvPr>
+        </p:nvSpPr>
+        <p:spPr/>
+        <p:txBody>
+          <a:bodyPr/>
+          <a:lstStyle/>
+          <a:p>
+            <a:fld id="{F2660061-179A-47E0-86E3-D8374BC4401E}" type="datetimeFigureOut">
+              <a:rPr lang="en-US" smtClean="0"/>
+              <a:t>6/29/2021</a:t>
+            </a:fld>
+            <a:endParaRPr lang="en-US"/>
+          </a:p>
+        </p:txBody>
+      </p:sp>
+      <p:sp>
+        <p:nvSpPr>
+          <p:cNvPr id="5" name="Footer Placeholder 4"/>
+          <p:cNvSpPr>
+            <a:spLocks noGrp="1"/>
+          </p:cNvSpPr>
+          <p:nvPr>
+            <p:ph type="ftr" sz="quarter" idx="11"/>
+          </p:nvPr>
+        </p:nvSpPr>
+        <p:spPr/>
+        <p:txBody>
+          <a:bodyPr/>
+          <a:lstStyle/>
+          <a:p>
+            <a:endParaRPr lang="en-US"/>
+          </a:p>
+        </p:txBody>
+      </p:sp>
+      <p:sp>
+        <p:nvSpPr>
+          <p:cNvPr id="6" name="Slide Number Placeholder 5"/>
+          <p:cNvSpPr>
+            <a:spLocks noGrp="1"/>
+          </p:cNvSpPr>
+          <p:nvPr>
+            <p:ph type="sldNum" sz="quarter" idx="12"/>
+          </p:nvPr>
+        </p:nvSpPr>
+        <p:spPr/>
+        <p:txBody>
+          <a:bodyPr/>
+          <a:lstStyle/>
+          <a:p>
+            <a:fld id="{412AC83C-FADC-4987-967A-B9A7F6F85D3E}" type="slidenum">
+              <a:rPr lang="en-US" smtClean="0"/>
+              <a:t>‹#›</a:t>
+            </a:fld>
+            <a:endParaRPr lang="en-US"/>
+          </a:p>
+        </p:txBody>
+      </p:sp>
+      <p:cxnSp>
+        <p:nvCxnSpPr>
+          <p:cNvPr id="15" name="Straight Connector 14"/>
+          <p:cNvCxnSpPr/>
+          <p:nvPr/>
+        </p:nvCxnSpPr>
+        <p:spPr>
+          <a:xfrm>
+            <a:off x="1278469" y="3429000"/>
+            <a:ext cx="6606421" cy="0"/>
+          </a:xfrm>
+          <a:prstGeom prst="line">
+            <a:avLst/>
+          </a:prstGeom>
+          <a:ln w="15875"/>
+        </p:spPr>
+        <p:style>
+          <a:lnRef idx="2">
+            <a:schemeClr val="accent1"/>
+          </a:lnRef>
+          <a:fillRef idx="0">
+            <a:schemeClr val="accent1"/>
+          </a:fillRef>
+          <a:effectRef idx="1">
+            <a:schemeClr val="accent1"/>
+          </a:effectRef>
+          <a:fontRef idx="minor">
+            <a:schemeClr val="tx1"/>
+          </a:fontRef>
+        </p:style>
+      </p:cxnSp>
+    </p:spTree>
+    <p:extLst>
+      <p:ext uri="{BB962C8B-B14F-4D97-AF65-F5344CB8AC3E}">
+        <p14:creationId xmlns:p14="http://schemas.microsoft.com/office/powerpoint/2010/main" val="3912924629"/>
+      </p:ext>
+    </p:extLst>
+  </p:cSld>
+  <p:clrMapOvr>
+    <a:masterClrMapping/>
+  </p:clrMapOvr>
+</p:sldLayout>
+</file>
+
+<file path=ppt/slideLayouts/slideLayout16.xml><?xml version="1.0" encoding="utf-8"?>
 <p:sldLayout xmlns:a="http://schemas.openxmlformats.org/drawingml/2006/main" xmlns:r="http://schemas.openxmlformats.org/officeDocument/2006/relationships" xmlns:p="http://schemas.openxmlformats.org/presentationml/2006/main" type="vertTx" preserve="1">
   <p:cSld name="Title and Vertical Text">
     <p:spTree>
@@ -377,13 +2687,17 @@
         <p:spPr/>
         <p:txBody>
           <a:bodyPr/>
-          <a:lstStyle/>
-          <a:p>
-            <a:r>
-              <a:rPr lang="en-US" smtClean="0"/>
+          <a:lstStyle>
+            <a:lvl1pPr algn="ctr">
+              <a:defRPr/>
+            </a:lvl1pPr>
+          </a:lstStyle>
+          <a:p>
+            <a:r>
+              <a:rPr lang="en-US"/>
               <a:t>Click to edit Master title style</a:t>
             </a:r>
-            <a:endParaRPr lang="en-US"/>
+            <a:endParaRPr lang="en-US" dirty="0"/>
           </a:p>
         </p:txBody>
       </p:sp>
@@ -397,45 +2711,50 @@
             <p:ph type="body" orient="vert" idx="1"/>
           </p:nvPr>
         </p:nvSpPr>
-        <p:spPr/>
-        <p:txBody>
-          <a:bodyPr vert="eaVert"/>
+        <p:spPr>
+          <a:xfrm>
+            <a:off x="1176865" y="2490135"/>
+            <a:ext cx="6798736" cy="3385733"/>
+          </a:xfrm>
+        </p:spPr>
+        <p:txBody>
+          <a:bodyPr vert="eaVert" anchor="t"/>
           <a:lstStyle/>
           <a:p>
             <a:pPr lvl="0"/>
             <a:r>
-              <a:rPr lang="en-US" smtClean="0"/>
+              <a:rPr lang="en-US"/>
               <a:t>Click to edit Master text styles</a:t>
             </a:r>
           </a:p>
           <a:p>
             <a:pPr lvl="1"/>
             <a:r>
-              <a:rPr lang="en-US" smtClean="0"/>
+              <a:rPr lang="en-US"/>
               <a:t>Second level</a:t>
             </a:r>
           </a:p>
           <a:p>
             <a:pPr lvl="2"/>
             <a:r>
-              <a:rPr lang="en-US" smtClean="0"/>
+              <a:rPr lang="en-US"/>
               <a:t>Third level</a:t>
             </a:r>
           </a:p>
           <a:p>
             <a:pPr lvl="3"/>
             <a:r>
-              <a:rPr lang="en-US" smtClean="0"/>
+              <a:rPr lang="en-US"/>
               <a:t>Fourth level</a:t>
             </a:r>
           </a:p>
           <a:p>
             <a:pPr lvl="4"/>
             <a:r>
-              <a:rPr lang="en-US" smtClean="0"/>
+              <a:rPr lang="en-US"/>
               <a:t>Fifth level</a:t>
             </a:r>
-            <a:endParaRPr lang="en-US"/>
+            <a:endParaRPr lang="en-US" dirty="0"/>
           </a:p>
         </p:txBody>
       </p:sp>
@@ -504,7 +2823,43 @@
           </a:p>
         </p:txBody>
       </p:sp>
+      <p:cxnSp>
+        <p:nvCxnSpPr>
+          <p:cNvPr id="14" name="Straight Connector 13"/>
+          <p:cNvCxnSpPr/>
+          <p:nvPr/>
+        </p:nvCxnSpPr>
+        <p:spPr>
+          <a:xfrm>
+            <a:off x="1278466" y="2354670"/>
+            <a:ext cx="6606424" cy="0"/>
+          </a:xfrm>
+          <a:prstGeom prst="line">
+            <a:avLst/>
+          </a:prstGeom>
+          <a:ln w="15875"/>
+        </p:spPr>
+        <p:style>
+          <a:lnRef idx="2">
+            <a:schemeClr val="accent1"/>
+          </a:lnRef>
+          <a:fillRef idx="0">
+            <a:schemeClr val="accent1"/>
+          </a:fillRef>
+          <a:effectRef idx="1">
+            <a:schemeClr val="accent1"/>
+          </a:effectRef>
+          <a:fontRef idx="minor">
+            <a:schemeClr val="tx1"/>
+          </a:fontRef>
+        </p:style>
+      </p:cxnSp>
     </p:spTree>
+    <p:extLst>
+      <p:ext uri="{BB962C8B-B14F-4D97-AF65-F5344CB8AC3E}">
+        <p14:creationId xmlns:p14="http://schemas.microsoft.com/office/powerpoint/2010/main" val="2694918595"/>
+      </p:ext>
+    </p:extLst>
   </p:cSld>
   <p:clrMapOvr>
     <a:masterClrMapping/>
@@ -512,7 +2867,7 @@
 </p:sldLayout>
 </file>
 
-<file path=ppt/slideLayouts/slideLayout11.xml><?xml version="1.0" encoding="utf-8"?>
+<file path=ppt/slideLayouts/slideLayout17.xml><?xml version="1.0" encoding="utf-8"?>
 <p:sldLayout xmlns:a="http://schemas.openxmlformats.org/drawingml/2006/main" xmlns:r="http://schemas.openxmlformats.org/officeDocument/2006/relationships" xmlns:p="http://schemas.openxmlformats.org/presentationml/2006/main" type="vertTitleAndTx" preserve="1">
   <p:cSld name="Vertical Title and Text">
     <p:spTree>
@@ -541,8 +2896,8 @@
         </p:nvSpPr>
         <p:spPr>
           <a:xfrm>
-            <a:off x="6629400" y="274638"/>
-            <a:ext cx="2057400" cy="5851525"/>
+            <a:off x="6356667" y="906873"/>
+            <a:ext cx="1618930" cy="4968995"/>
           </a:xfrm>
         </p:spPr>
         <p:txBody>
@@ -550,10 +2905,10 @@
           <a:lstStyle/>
           <a:p>
             <a:r>
-              <a:rPr lang="en-US" smtClean="0"/>
+              <a:rPr lang="en-US"/>
               <a:t>Click to edit Master title style</a:t>
             </a:r>
-            <a:endParaRPr lang="en-US"/>
+            <a:endParaRPr lang="en-US" dirty="0"/>
           </a:p>
         </p:txBody>
       </p:sp>
@@ -569,48 +2924,48 @@
         </p:nvSpPr>
         <p:spPr>
           <a:xfrm>
-            <a:off x="457200" y="274638"/>
-            <a:ext cx="6019800" cy="5851525"/>
-          </a:xfrm>
-        </p:spPr>
-        <p:txBody>
-          <a:bodyPr vert="eaVert"/>
+            <a:off x="1176867" y="906873"/>
+            <a:ext cx="4915509" cy="4968993"/>
+          </a:xfrm>
+        </p:spPr>
+        <p:txBody>
+          <a:bodyPr vert="eaVert" anchor="t"/>
           <a:lstStyle/>
           <a:p>
             <a:pPr lvl="0"/>
             <a:r>
-              <a:rPr lang="en-US" smtClean="0"/>
+              <a:rPr lang="en-US"/>
               <a:t>Click to edit Master text styles</a:t>
             </a:r>
           </a:p>
           <a:p>
             <a:pPr lvl="1"/>
             <a:r>
-              <a:rPr lang="en-US" smtClean="0"/>
+              <a:rPr lang="en-US"/>
               <a:t>Second level</a:t>
             </a:r>
           </a:p>
           <a:p>
             <a:pPr lvl="2"/>
             <a:r>
-              <a:rPr lang="en-US" smtClean="0"/>
+              <a:rPr lang="en-US"/>
               <a:t>Third level</a:t>
             </a:r>
           </a:p>
           <a:p>
             <a:pPr lvl="3"/>
             <a:r>
-              <a:rPr lang="en-US" smtClean="0"/>
+              <a:rPr lang="en-US"/>
               <a:t>Fourth level</a:t>
             </a:r>
           </a:p>
           <a:p>
             <a:pPr lvl="4"/>
             <a:r>
-              <a:rPr lang="en-US" smtClean="0"/>
+              <a:rPr lang="en-US"/>
               <a:t>Fifth level</a:t>
             </a:r>
-            <a:endParaRPr lang="en-US"/>
+            <a:endParaRPr lang="en-US" dirty="0"/>
           </a:p>
         </p:txBody>
       </p:sp>
@@ -679,7 +3034,43 @@
           </a:p>
         </p:txBody>
       </p:sp>
+      <p:cxnSp>
+        <p:nvCxnSpPr>
+          <p:cNvPr id="14" name="Straight Connector 13"/>
+          <p:cNvCxnSpPr/>
+          <p:nvPr/>
+        </p:nvCxnSpPr>
+        <p:spPr>
+          <a:xfrm>
+            <a:off x="6245512" y="906873"/>
+            <a:ext cx="0" cy="4968993"/>
+          </a:xfrm>
+          <a:prstGeom prst="line">
+            <a:avLst/>
+          </a:prstGeom>
+          <a:ln w="15875"/>
+        </p:spPr>
+        <p:style>
+          <a:lnRef idx="2">
+            <a:schemeClr val="accent1"/>
+          </a:lnRef>
+          <a:fillRef idx="0">
+            <a:schemeClr val="accent1"/>
+          </a:fillRef>
+          <a:effectRef idx="1">
+            <a:schemeClr val="accent1"/>
+          </a:effectRef>
+          <a:fontRef idx="minor">
+            <a:schemeClr val="tx1"/>
+          </a:fontRef>
+        </p:style>
+      </p:cxnSp>
     </p:spTree>
+    <p:extLst>
+      <p:ext uri="{BB962C8B-B14F-4D97-AF65-F5344CB8AC3E}">
+        <p14:creationId xmlns:p14="http://schemas.microsoft.com/office/powerpoint/2010/main" val="3728476576"/>
+      </p:ext>
+    </p:extLst>
   </p:cSld>
   <p:clrMapOvr>
     <a:masterClrMapping/>
@@ -704,6 +3095,37 @@
           <a:chExt cx="0" cy="0"/>
         </a:xfrm>
       </p:grpSpPr>
+      <p:cxnSp>
+        <p:nvCxnSpPr>
+          <p:cNvPr id="7" name="Straight Connector 6"/>
+          <p:cNvCxnSpPr/>
+          <p:nvPr/>
+        </p:nvCxnSpPr>
+        <p:spPr>
+          <a:xfrm>
+            <a:off x="1278465" y="2356260"/>
+            <a:ext cx="6595534" cy="0"/>
+          </a:xfrm>
+          <a:prstGeom prst="line">
+            <a:avLst/>
+          </a:prstGeom>
+          <a:ln w="15875"/>
+        </p:spPr>
+        <p:style>
+          <a:lnRef idx="2">
+            <a:schemeClr val="accent1"/>
+          </a:lnRef>
+          <a:fillRef idx="0">
+            <a:schemeClr val="accent1"/>
+          </a:fillRef>
+          <a:effectRef idx="1">
+            <a:schemeClr val="accent1"/>
+          </a:effectRef>
+          <a:fontRef idx="minor">
+            <a:schemeClr val="tx1"/>
+          </a:fontRef>
+        </p:style>
+      </p:cxnSp>
       <p:sp>
         <p:nvSpPr>
           <p:cNvPr id="2" name="Title 1"/>
@@ -720,10 +3142,10 @@
           <a:lstStyle/>
           <a:p>
             <a:r>
-              <a:rPr lang="en-US" smtClean="0"/>
+              <a:rPr lang="en-US"/>
               <a:t>Click to edit Master title style</a:t>
             </a:r>
-            <a:endParaRPr lang="en-US"/>
+            <a:endParaRPr lang="en-US" dirty="0"/>
           </a:p>
         </p:txBody>
       </p:sp>
@@ -744,38 +3166,38 @@
           <a:p>
             <a:pPr lvl="0"/>
             <a:r>
-              <a:rPr lang="en-US" smtClean="0"/>
+              <a:rPr lang="en-US"/>
               <a:t>Click to edit Master text styles</a:t>
             </a:r>
           </a:p>
           <a:p>
             <a:pPr lvl="1"/>
             <a:r>
-              <a:rPr lang="en-US" smtClean="0"/>
+              <a:rPr lang="en-US"/>
               <a:t>Second level</a:t>
             </a:r>
           </a:p>
           <a:p>
             <a:pPr lvl="2"/>
             <a:r>
-              <a:rPr lang="en-US" smtClean="0"/>
+              <a:rPr lang="en-US"/>
               <a:t>Third level</a:t>
             </a:r>
           </a:p>
           <a:p>
             <a:pPr lvl="3"/>
             <a:r>
-              <a:rPr lang="en-US" smtClean="0"/>
+              <a:rPr lang="en-US"/>
               <a:t>Fourth level</a:t>
             </a:r>
           </a:p>
           <a:p>
             <a:pPr lvl="4"/>
             <a:r>
-              <a:rPr lang="en-US" smtClean="0"/>
+              <a:rPr lang="en-US"/>
               <a:t>Fifth level</a:t>
             </a:r>
-            <a:endParaRPr lang="en-US"/>
+            <a:endParaRPr lang="en-US" dirty="0"/>
           </a:p>
         </p:txBody>
       </p:sp>
@@ -845,6 +3267,11 @@
         </p:txBody>
       </p:sp>
     </p:spTree>
+    <p:extLst>
+      <p:ext uri="{BB962C8B-B14F-4D97-AF65-F5344CB8AC3E}">
+        <p14:creationId xmlns:p14="http://schemas.microsoft.com/office/powerpoint/2010/main" val="2944858624"/>
+      </p:ext>
+    </p:extLst>
   </p:cSld>
   <p:clrMapOvr>
     <a:masterClrMapping/>
@@ -881,23 +3308,25 @@
         </p:nvSpPr>
         <p:spPr>
           <a:xfrm>
-            <a:off x="722313" y="4406900"/>
-            <a:ext cx="7772400" cy="1362075"/>
-          </a:xfrm>
-        </p:spPr>
-        <p:txBody>
-          <a:bodyPr anchor="t"/>
+            <a:off x="1278465" y="1641413"/>
+            <a:ext cx="6595534" cy="1822514"/>
+          </a:xfrm>
+        </p:spPr>
+        <p:txBody>
+          <a:bodyPr anchor="b">
+            <a:normAutofit/>
+          </a:bodyPr>
           <a:lstStyle>
-            <a:lvl1pPr algn="l">
-              <a:defRPr sz="4000" b="1" cap="all"/>
+            <a:lvl1pPr algn="ctr">
+              <a:defRPr sz="4000" b="0" cap="none"/>
             </a:lvl1pPr>
           </a:lstStyle>
           <a:p>
             <a:r>
-              <a:rPr lang="en-US" smtClean="0"/>
+              <a:rPr lang="en-US"/>
               <a:t>Click to edit Master title style</a:t>
             </a:r>
-            <a:endParaRPr lang="en-US"/>
+            <a:endParaRPr lang="en-US" dirty="0"/>
           </a:p>
         </p:txBody>
       </p:sp>
@@ -913,44 +3342,54 @@
         </p:nvSpPr>
         <p:spPr>
           <a:xfrm>
-            <a:off x="722313" y="2906713"/>
-            <a:ext cx="7772400" cy="1500187"/>
-          </a:xfrm>
-        </p:spPr>
-        <p:txBody>
-          <a:bodyPr anchor="b"/>
+            <a:off x="1278465" y="3734859"/>
+            <a:ext cx="6595534" cy="1090015"/>
+          </a:xfrm>
+        </p:spPr>
+        <p:txBody>
+          <a:bodyPr anchor="t">
+            <a:normAutofit/>
+          </a:bodyPr>
           <a:lstStyle>
-            <a:lvl1pPr marL="0" indent="0">
-              <a:buNone/>
-              <a:defRPr sz="2000">
+            <a:lvl1pPr marL="0" indent="0" algn="ctr">
+              <a:buNone/>
+              <a:defRPr sz="2400">
+                <a:solidFill>
+                  <a:schemeClr val="tx1"/>
+                </a:solidFill>
+              </a:defRPr>
+            </a:lvl1pPr>
+            <a:lvl2pPr marL="457200" indent="0">
+              <a:buNone/>
+              <a:defRPr sz="1800">
                 <a:solidFill>
                   <a:schemeClr val="tx1">
                     <a:tint val="75000"/>
                   </a:schemeClr>
                 </a:solidFill>
               </a:defRPr>
-            </a:lvl1pPr>
-            <a:lvl2pPr marL="457200" indent="0">
-              <a:buNone/>
-              <a:defRPr sz="1800">
+            </a:lvl2pPr>
+            <a:lvl3pPr marL="914400" indent="0">
+              <a:buNone/>
+              <a:defRPr sz="1600">
                 <a:solidFill>
                   <a:schemeClr val="tx1">
                     <a:tint val="75000"/>
                   </a:schemeClr>
                 </a:solidFill>
               </a:defRPr>
-            </a:lvl2pPr>
-            <a:lvl3pPr marL="914400" indent="0">
-              <a:buNone/>
-              <a:defRPr sz="1600">
+            </a:lvl3pPr>
+            <a:lvl4pPr marL="1371600" indent="0">
+              <a:buNone/>
+              <a:defRPr sz="1400">
                 <a:solidFill>
                   <a:schemeClr val="tx1">
                     <a:tint val="75000"/>
                   </a:schemeClr>
                 </a:solidFill>
               </a:defRPr>
-            </a:lvl3pPr>
-            <a:lvl4pPr marL="1371600" indent="0">
+            </a:lvl4pPr>
+            <a:lvl5pPr marL="1828800" indent="0">
               <a:buNone/>
               <a:defRPr sz="1400">
                 <a:solidFill>
@@ -959,8 +3398,8 @@
                   </a:schemeClr>
                 </a:solidFill>
               </a:defRPr>
-            </a:lvl4pPr>
-            <a:lvl5pPr marL="1828800" indent="0">
+            </a:lvl5pPr>
+            <a:lvl6pPr marL="2286000" indent="0">
               <a:buNone/>
               <a:defRPr sz="1400">
                 <a:solidFill>
@@ -969,8 +3408,8 @@
                   </a:schemeClr>
                 </a:solidFill>
               </a:defRPr>
-            </a:lvl5pPr>
-            <a:lvl6pPr marL="2286000" indent="0">
+            </a:lvl6pPr>
+            <a:lvl7pPr marL="2743200" indent="0">
               <a:buNone/>
               <a:defRPr sz="1400">
                 <a:solidFill>
@@ -979,8 +3418,8 @@
                   </a:schemeClr>
                 </a:solidFill>
               </a:defRPr>
-            </a:lvl6pPr>
-            <a:lvl7pPr marL="2743200" indent="0">
+            </a:lvl7pPr>
+            <a:lvl8pPr marL="3200400" indent="0">
               <a:buNone/>
               <a:defRPr sz="1400">
                 <a:solidFill>
@@ -989,8 +3428,8 @@
                   </a:schemeClr>
                 </a:solidFill>
               </a:defRPr>
-            </a:lvl7pPr>
-            <a:lvl8pPr marL="3200400" indent="0">
+            </a:lvl8pPr>
+            <a:lvl9pPr marL="3657600" indent="0">
               <a:buNone/>
               <a:defRPr sz="1400">
                 <a:solidFill>
@@ -999,22 +3438,12 @@
                   </a:schemeClr>
                 </a:solidFill>
               </a:defRPr>
-            </a:lvl8pPr>
-            <a:lvl9pPr marL="3657600" indent="0">
-              <a:buNone/>
-              <a:defRPr sz="1400">
-                <a:solidFill>
-                  <a:schemeClr val="tx1">
-                    <a:tint val="75000"/>
-                  </a:schemeClr>
-                </a:solidFill>
-              </a:defRPr>
             </a:lvl9pPr>
           </a:lstStyle>
           <a:p>
             <a:pPr lvl="0"/>
             <a:r>
-              <a:rPr lang="en-US" smtClean="0"/>
+              <a:rPr lang="en-US"/>
               <a:t>Click to edit Master text styles</a:t>
             </a:r>
           </a:p>
@@ -1085,7 +3514,43 @@
           </a:p>
         </p:txBody>
       </p:sp>
+      <p:cxnSp>
+        <p:nvCxnSpPr>
+          <p:cNvPr id="31" name="Straight Connector 30"/>
+          <p:cNvCxnSpPr/>
+          <p:nvPr/>
+        </p:nvCxnSpPr>
+        <p:spPr>
+          <a:xfrm>
+            <a:off x="1278466" y="3599392"/>
+            <a:ext cx="6595533" cy="0"/>
+          </a:xfrm>
+          <a:prstGeom prst="line">
+            <a:avLst/>
+          </a:prstGeom>
+          <a:ln w="15875"/>
+        </p:spPr>
+        <p:style>
+          <a:lnRef idx="2">
+            <a:schemeClr val="accent1"/>
+          </a:lnRef>
+          <a:fillRef idx="0">
+            <a:schemeClr val="accent1"/>
+          </a:fillRef>
+          <a:effectRef idx="1">
+            <a:schemeClr val="accent1"/>
+          </a:effectRef>
+          <a:fontRef idx="minor">
+            <a:schemeClr val="tx1"/>
+          </a:fontRef>
+        </p:style>
+      </p:cxnSp>
     </p:spTree>
+    <p:extLst>
+      <p:ext uri="{BB962C8B-B14F-4D97-AF65-F5344CB8AC3E}">
+        <p14:creationId xmlns:p14="http://schemas.microsoft.com/office/powerpoint/2010/main" val="2235425853"/>
+      </p:ext>
+    </p:extLst>
   </p:cSld>
   <p:clrMapOvr>
     <a:masterClrMapping/>
@@ -1110,6 +3575,37 @@
           <a:chExt cx="0" cy="0"/>
         </a:xfrm>
       </p:grpSpPr>
+      <p:cxnSp>
+        <p:nvCxnSpPr>
+          <p:cNvPr id="8" name="Straight Connector 7"/>
+          <p:cNvCxnSpPr/>
+          <p:nvPr/>
+        </p:nvCxnSpPr>
+        <p:spPr>
+          <a:xfrm>
+            <a:off x="1278465" y="2356260"/>
+            <a:ext cx="6595534" cy="0"/>
+          </a:xfrm>
+          <a:prstGeom prst="line">
+            <a:avLst/>
+          </a:prstGeom>
+          <a:ln w="15875"/>
+        </p:spPr>
+        <p:style>
+          <a:lnRef idx="2">
+            <a:schemeClr val="accent1"/>
+          </a:lnRef>
+          <a:fillRef idx="0">
+            <a:schemeClr val="accent1"/>
+          </a:fillRef>
+          <a:effectRef idx="1">
+            <a:schemeClr val="accent1"/>
+          </a:effectRef>
+          <a:fontRef idx="minor">
+            <a:schemeClr val="tx1"/>
+          </a:fontRef>
+        </p:style>
+      </p:cxnSp>
       <p:sp>
         <p:nvSpPr>
           <p:cNvPr id="2" name="Title 1"/>
@@ -1120,16 +3616,21 @@
             <p:ph type="title"/>
           </p:nvPr>
         </p:nvSpPr>
-        <p:spPr/>
+        <p:spPr>
+          <a:xfrm>
+            <a:off x="1176866" y="915337"/>
+            <a:ext cx="6798734" cy="1303867"/>
+          </a:xfrm>
+        </p:spPr>
         <p:txBody>
           <a:bodyPr/>
           <a:lstStyle/>
           <a:p>
             <a:r>
-              <a:rPr lang="en-US" smtClean="0"/>
+              <a:rPr lang="en-US"/>
               <a:t>Click to edit Master title style</a:t>
             </a:r>
-            <a:endParaRPr lang="en-US"/>
+            <a:endParaRPr lang="en-US" dirty="0"/>
           </a:p>
         </p:txBody>
       </p:sp>
@@ -1145,76 +3646,50 @@
         </p:nvSpPr>
         <p:spPr>
           <a:xfrm>
-            <a:off x="457200" y="1600200"/>
-            <a:ext cx="4038600" cy="4525963"/>
-          </a:xfrm>
-        </p:spPr>
-        <p:txBody>
-          <a:bodyPr/>
-          <a:lstStyle>
-            <a:lvl1pPr>
-              <a:defRPr sz="2800"/>
-            </a:lvl1pPr>
-            <a:lvl2pPr>
-              <a:defRPr sz="2400"/>
-            </a:lvl2pPr>
-            <a:lvl3pPr>
-              <a:defRPr sz="2000"/>
-            </a:lvl3pPr>
-            <a:lvl4pPr>
-              <a:defRPr sz="1800"/>
-            </a:lvl4pPr>
-            <a:lvl5pPr>
-              <a:defRPr sz="1800"/>
-            </a:lvl5pPr>
-            <a:lvl6pPr>
-              <a:defRPr sz="1800"/>
-            </a:lvl6pPr>
-            <a:lvl7pPr>
-              <a:defRPr sz="1800"/>
-            </a:lvl7pPr>
-            <a:lvl8pPr>
-              <a:defRPr sz="1800"/>
-            </a:lvl8pPr>
-            <a:lvl9pPr>
-              <a:defRPr sz="1800"/>
-            </a:lvl9pPr>
-          </a:lstStyle>
+            <a:off x="1176866" y="2487168"/>
+            <a:ext cx="3337560" cy="3447288"/>
+          </a:xfrm>
+        </p:spPr>
+        <p:txBody>
+          <a:bodyPr>
+            <a:normAutofit/>
+          </a:bodyPr>
+          <a:lstStyle/>
           <a:p>
             <a:pPr lvl="0"/>
             <a:r>
-              <a:rPr lang="en-US" smtClean="0"/>
+              <a:rPr lang="en-US"/>
               <a:t>Click to edit Master text styles</a:t>
             </a:r>
           </a:p>
           <a:p>
             <a:pPr lvl="1"/>
             <a:r>
-              <a:rPr lang="en-US" smtClean="0"/>
+              <a:rPr lang="en-US"/>
               <a:t>Second level</a:t>
             </a:r>
           </a:p>
           <a:p>
             <a:pPr lvl="2"/>
             <a:r>
-              <a:rPr lang="en-US" smtClean="0"/>
+              <a:rPr lang="en-US"/>
               <a:t>Third level</a:t>
             </a:r>
           </a:p>
           <a:p>
             <a:pPr lvl="3"/>
             <a:r>
-              <a:rPr lang="en-US" smtClean="0"/>
+              <a:rPr lang="en-US"/>
               <a:t>Fourth level</a:t>
             </a:r>
           </a:p>
           <a:p>
             <a:pPr lvl="4"/>
             <a:r>
-              <a:rPr lang="en-US" smtClean="0"/>
+              <a:rPr lang="en-US"/>
               <a:t>Fifth level</a:t>
             </a:r>
-            <a:endParaRPr lang="en-US"/>
+            <a:endParaRPr lang="en-US" dirty="0"/>
           </a:p>
         </p:txBody>
       </p:sp>
@@ -1230,76 +3705,50 @@
         </p:nvSpPr>
         <p:spPr>
           <a:xfrm>
-            <a:off x="4648200" y="1600200"/>
-            <a:ext cx="4038600" cy="4525963"/>
-          </a:xfrm>
-        </p:spPr>
-        <p:txBody>
-          <a:bodyPr/>
-          <a:lstStyle>
-            <a:lvl1pPr>
-              <a:defRPr sz="2800"/>
-            </a:lvl1pPr>
-            <a:lvl2pPr>
-              <a:defRPr sz="2400"/>
-            </a:lvl2pPr>
-            <a:lvl3pPr>
-              <a:defRPr sz="2000"/>
-            </a:lvl3pPr>
-            <a:lvl4pPr>
-              <a:defRPr sz="1800"/>
-            </a:lvl4pPr>
-            <a:lvl5pPr>
-              <a:defRPr sz="1800"/>
-            </a:lvl5pPr>
-            <a:lvl6pPr>
-              <a:defRPr sz="1800"/>
-            </a:lvl6pPr>
-            <a:lvl7pPr>
-              <a:defRPr sz="1800"/>
-            </a:lvl7pPr>
-            <a:lvl8pPr>
-              <a:defRPr sz="1800"/>
-            </a:lvl8pPr>
-            <a:lvl9pPr>
-              <a:defRPr sz="1800"/>
-            </a:lvl9pPr>
-          </a:lstStyle>
+            <a:off x="4645152" y="2487168"/>
+            <a:ext cx="3337560" cy="3447288"/>
+          </a:xfrm>
+        </p:spPr>
+        <p:txBody>
+          <a:bodyPr>
+            <a:normAutofit/>
+          </a:bodyPr>
+          <a:lstStyle/>
           <a:p>
             <a:pPr lvl="0"/>
             <a:r>
-              <a:rPr lang="en-US" smtClean="0"/>
+              <a:rPr lang="en-US"/>
               <a:t>Click to edit Master text styles</a:t>
             </a:r>
           </a:p>
           <a:p>
             <a:pPr lvl="1"/>
             <a:r>
-              <a:rPr lang="en-US" smtClean="0"/>
+              <a:rPr lang="en-US"/>
               <a:t>Second level</a:t>
             </a:r>
           </a:p>
           <a:p>
             <a:pPr lvl="2"/>
             <a:r>
-              <a:rPr lang="en-US" smtClean="0"/>
+              <a:rPr lang="en-US"/>
               <a:t>Third level</a:t>
             </a:r>
           </a:p>
           <a:p>
             <a:pPr lvl="3"/>
             <a:r>
-              <a:rPr lang="en-US" smtClean="0"/>
+              <a:rPr lang="en-US"/>
               <a:t>Fourth level</a:t>
             </a:r>
           </a:p>
           <a:p>
             <a:pPr lvl="4"/>
             <a:r>
-              <a:rPr lang="en-US" smtClean="0"/>
+              <a:rPr lang="en-US"/>
               <a:t>Fifth level</a:t>
             </a:r>
-            <a:endParaRPr lang="en-US"/>
+            <a:endParaRPr lang="en-US" dirty="0"/>
           </a:p>
         </p:txBody>
       </p:sp>
@@ -1369,6 +3818,11 @@
         </p:txBody>
       </p:sp>
     </p:spTree>
+    <p:extLst>
+      <p:ext uri="{BB962C8B-B14F-4D97-AF65-F5344CB8AC3E}">
+        <p14:creationId xmlns:p14="http://schemas.microsoft.com/office/powerpoint/2010/main" val="1528316283"/>
+      </p:ext>
+    </p:extLst>
   </p:cSld>
   <p:clrMapOvr>
     <a:masterClrMapping/>
@@ -1413,10 +3867,10 @@
           </a:lstStyle>
           <a:p>
             <a:r>
-              <a:rPr lang="en-US" smtClean="0"/>
+              <a:rPr lang="en-US"/>
               <a:t>Click to edit Master title style</a:t>
             </a:r>
-            <a:endParaRPr lang="en-US"/>
+            <a:endParaRPr lang="en-US" dirty="0"/>
           </a:p>
         </p:txBody>
       </p:sp>
@@ -1432,16 +3886,22 @@
         </p:nvSpPr>
         <p:spPr>
           <a:xfrm>
-            <a:off x="457200" y="1535113"/>
-            <a:ext cx="4040188" cy="639762"/>
-          </a:xfrm>
-        </p:spPr>
-        <p:txBody>
-          <a:bodyPr anchor="b"/>
+            <a:off x="1176868" y="2658533"/>
+            <a:ext cx="3337560" cy="576262"/>
+          </a:xfrm>
+        </p:spPr>
+        <p:txBody>
+          <a:bodyPr anchor="b">
+            <a:noAutofit/>
+          </a:bodyPr>
           <a:lstStyle>
             <a:lvl1pPr marL="0" indent="0">
               <a:buNone/>
-              <a:defRPr sz="2400" b="1"/>
+              <a:defRPr sz="2400" b="0">
+                <a:solidFill>
+                  <a:schemeClr val="accent1"/>
+                </a:solidFill>
+              </a:defRPr>
             </a:lvl1pPr>
             <a:lvl2pPr marL="457200" indent="0">
               <a:buNone/>
@@ -1479,7 +3939,7 @@
           <a:p>
             <a:pPr lvl="0"/>
             <a:r>
-              <a:rPr lang="en-US" smtClean="0"/>
+              <a:rPr lang="en-US"/>
               <a:t>Click to edit Master text styles</a:t>
             </a:r>
           </a:p>
@@ -1497,76 +3957,50 @@
         </p:nvSpPr>
         <p:spPr>
           <a:xfrm>
-            <a:off x="457200" y="2174875"/>
-            <a:ext cx="4040188" cy="3951288"/>
-          </a:xfrm>
-        </p:spPr>
-        <p:txBody>
-          <a:bodyPr/>
-          <a:lstStyle>
-            <a:lvl1pPr>
-              <a:defRPr sz="2400"/>
-            </a:lvl1pPr>
-            <a:lvl2pPr>
-              <a:defRPr sz="2000"/>
-            </a:lvl2pPr>
-            <a:lvl3pPr>
-              <a:defRPr sz="1800"/>
-            </a:lvl3pPr>
-            <a:lvl4pPr>
-              <a:defRPr sz="1600"/>
-            </a:lvl4pPr>
-            <a:lvl5pPr>
-              <a:defRPr sz="1600"/>
-            </a:lvl5pPr>
-            <a:lvl6pPr>
-              <a:defRPr sz="1600"/>
-            </a:lvl6pPr>
-            <a:lvl7pPr>
-              <a:defRPr sz="1600"/>
-            </a:lvl7pPr>
-            <a:lvl8pPr>
-              <a:defRPr sz="1600"/>
-            </a:lvl8pPr>
-            <a:lvl9pPr>
-              <a:defRPr sz="1600"/>
-            </a:lvl9pPr>
-          </a:lstStyle>
+            <a:off x="1176868" y="3243263"/>
+            <a:ext cx="3337560" cy="2706624"/>
+          </a:xfrm>
+        </p:spPr>
+        <p:txBody>
+          <a:bodyPr>
+            <a:normAutofit/>
+          </a:bodyPr>
+          <a:lstStyle/>
           <a:p>
             <a:pPr lvl="0"/>
             <a:r>
-              <a:rPr lang="en-US" smtClean="0"/>
+              <a:rPr lang="en-US"/>
               <a:t>Click to edit Master text styles</a:t>
             </a:r>
           </a:p>
           <a:p>
             <a:pPr lvl="1"/>
             <a:r>
-              <a:rPr lang="en-US" smtClean="0"/>
+              <a:rPr lang="en-US"/>
               <a:t>Second level</a:t>
             </a:r>
           </a:p>
           <a:p>
             <a:pPr lvl="2"/>
             <a:r>
-              <a:rPr lang="en-US" smtClean="0"/>
+              <a:rPr lang="en-US"/>
               <a:t>Third level</a:t>
             </a:r>
           </a:p>
           <a:p>
             <a:pPr lvl="3"/>
             <a:r>
-              <a:rPr lang="en-US" smtClean="0"/>
+              <a:rPr lang="en-US"/>
               <a:t>Fourth level</a:t>
             </a:r>
           </a:p>
           <a:p>
             <a:pPr lvl="4"/>
             <a:r>
-              <a:rPr lang="en-US" smtClean="0"/>
+              <a:rPr lang="en-US"/>
               <a:t>Fifth level</a:t>
             </a:r>
-            <a:endParaRPr lang="en-US"/>
+            <a:endParaRPr lang="en-US" dirty="0"/>
           </a:p>
         </p:txBody>
       </p:sp>
@@ -1582,16 +4016,22 @@
         </p:nvSpPr>
         <p:spPr>
           <a:xfrm>
-            <a:off x="4645025" y="1535113"/>
-            <a:ext cx="4041775" cy="639762"/>
-          </a:xfrm>
-        </p:spPr>
-        <p:txBody>
-          <a:bodyPr anchor="b"/>
+            <a:off x="4641832" y="2658533"/>
+            <a:ext cx="3337560" cy="576262"/>
+          </a:xfrm>
+        </p:spPr>
+        <p:txBody>
+          <a:bodyPr anchor="b">
+            <a:noAutofit/>
+          </a:bodyPr>
           <a:lstStyle>
             <a:lvl1pPr marL="0" indent="0">
               <a:buNone/>
-              <a:defRPr sz="2400" b="1"/>
+              <a:defRPr sz="2400" b="0">
+                <a:solidFill>
+                  <a:schemeClr val="accent1"/>
+                </a:solidFill>
+              </a:defRPr>
             </a:lvl1pPr>
             <a:lvl2pPr marL="457200" indent="0">
               <a:buNone/>
@@ -1629,7 +4069,7 @@
           <a:p>
             <a:pPr lvl="0"/>
             <a:r>
-              <a:rPr lang="en-US" smtClean="0"/>
+              <a:rPr lang="en-US"/>
               <a:t>Click to edit Master text styles</a:t>
             </a:r>
           </a:p>
@@ -1647,76 +4087,50 @@
         </p:nvSpPr>
         <p:spPr>
           <a:xfrm>
-            <a:off x="4645025" y="2174875"/>
-            <a:ext cx="4041775" cy="3951288"/>
-          </a:xfrm>
-        </p:spPr>
-        <p:txBody>
-          <a:bodyPr/>
-          <a:lstStyle>
-            <a:lvl1pPr>
-              <a:defRPr sz="2400"/>
-            </a:lvl1pPr>
-            <a:lvl2pPr>
-              <a:defRPr sz="2000"/>
-            </a:lvl2pPr>
-            <a:lvl3pPr>
-              <a:defRPr sz="1800"/>
-            </a:lvl3pPr>
-            <a:lvl4pPr>
-              <a:defRPr sz="1600"/>
-            </a:lvl4pPr>
-            <a:lvl5pPr>
-              <a:defRPr sz="1600"/>
-            </a:lvl5pPr>
-            <a:lvl6pPr>
-              <a:defRPr sz="1600"/>
-            </a:lvl6pPr>
-            <a:lvl7pPr>
-              <a:defRPr sz="1600"/>
-            </a:lvl7pPr>
-            <a:lvl8pPr>
-              <a:defRPr sz="1600"/>
-            </a:lvl8pPr>
-            <a:lvl9pPr>
-              <a:defRPr sz="1600"/>
-            </a:lvl9pPr>
-          </a:lstStyle>
+            <a:off x="4641832" y="3243263"/>
+            <a:ext cx="3337560" cy="2706624"/>
+          </a:xfrm>
+        </p:spPr>
+        <p:txBody>
+          <a:bodyPr>
+            <a:normAutofit/>
+          </a:bodyPr>
+          <a:lstStyle/>
           <a:p>
             <a:pPr lvl="0"/>
             <a:r>
-              <a:rPr lang="en-US" smtClean="0"/>
+              <a:rPr lang="en-US"/>
               <a:t>Click to edit Master text styles</a:t>
             </a:r>
           </a:p>
           <a:p>
             <a:pPr lvl="1"/>
             <a:r>
-              <a:rPr lang="en-US" smtClean="0"/>
+              <a:rPr lang="en-US"/>
               <a:t>Second level</a:t>
             </a:r>
           </a:p>
           <a:p>
             <a:pPr lvl="2"/>
             <a:r>
-              <a:rPr lang="en-US" smtClean="0"/>
+              <a:rPr lang="en-US"/>
               <a:t>Third level</a:t>
             </a:r>
           </a:p>
           <a:p>
             <a:pPr lvl="3"/>
             <a:r>
-              <a:rPr lang="en-US" smtClean="0"/>
+              <a:rPr lang="en-US"/>
               <a:t>Fourth level</a:t>
             </a:r>
           </a:p>
           <a:p>
             <a:pPr lvl="4"/>
             <a:r>
-              <a:rPr lang="en-US" smtClean="0"/>
+              <a:rPr lang="en-US"/>
               <a:t>Fifth level</a:t>
             </a:r>
-            <a:endParaRPr lang="en-US"/>
+            <a:endParaRPr lang="en-US" dirty="0"/>
           </a:p>
         </p:txBody>
       </p:sp>
@@ -1785,7 +4199,43 @@
           </a:p>
         </p:txBody>
       </p:sp>
+      <p:cxnSp>
+        <p:nvCxnSpPr>
+          <p:cNvPr id="41" name="Straight Connector 40"/>
+          <p:cNvCxnSpPr/>
+          <p:nvPr/>
+        </p:nvCxnSpPr>
+        <p:spPr>
+          <a:xfrm>
+            <a:off x="1278466" y="2354670"/>
+            <a:ext cx="6595534" cy="0"/>
+          </a:xfrm>
+          <a:prstGeom prst="line">
+            <a:avLst/>
+          </a:prstGeom>
+          <a:ln w="15875"/>
+        </p:spPr>
+        <p:style>
+          <a:lnRef idx="2">
+            <a:schemeClr val="accent1"/>
+          </a:lnRef>
+          <a:fillRef idx="0">
+            <a:schemeClr val="accent1"/>
+          </a:fillRef>
+          <a:effectRef idx="1">
+            <a:schemeClr val="accent1"/>
+          </a:effectRef>
+          <a:fontRef idx="minor">
+            <a:schemeClr val="tx1"/>
+          </a:fontRef>
+        </p:style>
+      </p:cxnSp>
     </p:spTree>
+    <p:extLst>
+      <p:ext uri="{BB962C8B-B14F-4D97-AF65-F5344CB8AC3E}">
+        <p14:creationId xmlns:p14="http://schemas.microsoft.com/office/powerpoint/2010/main" val="1483037115"/>
+      </p:ext>
+    </p:extLst>
   </p:cSld>
   <p:clrMapOvr>
     <a:masterClrMapping/>
@@ -1820,16 +4270,21 @@
             <p:ph type="title"/>
           </p:nvPr>
         </p:nvSpPr>
-        <p:spPr/>
+        <p:spPr>
+          <a:xfrm>
+            <a:off x="1176865" y="915337"/>
+            <a:ext cx="6798735" cy="1303867"/>
+          </a:xfrm>
+        </p:spPr>
         <p:txBody>
           <a:bodyPr/>
           <a:lstStyle/>
           <a:p>
             <a:r>
-              <a:rPr lang="en-US" smtClean="0"/>
+              <a:rPr lang="en-US"/>
               <a:t>Click to edit Master title style</a:t>
             </a:r>
-            <a:endParaRPr lang="en-US"/>
+            <a:endParaRPr lang="en-US" dirty="0"/>
           </a:p>
         </p:txBody>
       </p:sp>
@@ -1898,7 +4353,43 @@
           </a:p>
         </p:txBody>
       </p:sp>
+      <p:cxnSp>
+        <p:nvCxnSpPr>
+          <p:cNvPr id="14" name="Straight Connector 13"/>
+          <p:cNvCxnSpPr/>
+          <p:nvPr/>
+        </p:nvCxnSpPr>
+        <p:spPr>
+          <a:xfrm>
+            <a:off x="1278466" y="2354670"/>
+            <a:ext cx="6595534" cy="0"/>
+          </a:xfrm>
+          <a:prstGeom prst="line">
+            <a:avLst/>
+          </a:prstGeom>
+          <a:ln w="15875"/>
+        </p:spPr>
+        <p:style>
+          <a:lnRef idx="2">
+            <a:schemeClr val="accent1"/>
+          </a:lnRef>
+          <a:fillRef idx="0">
+            <a:schemeClr val="accent1"/>
+          </a:fillRef>
+          <a:effectRef idx="1">
+            <a:schemeClr val="accent1"/>
+          </a:effectRef>
+          <a:fontRef idx="minor">
+            <a:schemeClr val="tx1"/>
+          </a:fontRef>
+        </p:style>
+      </p:cxnSp>
     </p:spTree>
+    <p:extLst>
+      <p:ext uri="{BB962C8B-B14F-4D97-AF65-F5344CB8AC3E}">
+        <p14:creationId xmlns:p14="http://schemas.microsoft.com/office/powerpoint/2010/main" val="4038604817"/>
+      </p:ext>
+    </p:extLst>
   </p:cSld>
   <p:clrMapOvr>
     <a:masterClrMapping/>
@@ -1989,6 +4480,11 @@
         </p:txBody>
       </p:sp>
     </p:spTree>
+    <p:extLst>
+      <p:ext uri="{BB962C8B-B14F-4D97-AF65-F5344CB8AC3E}">
+        <p14:creationId xmlns:p14="http://schemas.microsoft.com/office/powerpoint/2010/main" val="2540129004"/>
+      </p:ext>
+    </p:extLst>
   </p:cSld>
   <p:clrMapOvr>
     <a:masterClrMapping/>
@@ -2025,23 +4521,25 @@
         </p:nvSpPr>
         <p:spPr>
           <a:xfrm>
-            <a:off x="457200" y="273050"/>
-            <a:ext cx="3008313" cy="1162050"/>
-          </a:xfrm>
-        </p:spPr>
-        <p:txBody>
-          <a:bodyPr anchor="b"/>
+            <a:off x="1176865" y="1388534"/>
+            <a:ext cx="2536798" cy="1371600"/>
+          </a:xfrm>
+        </p:spPr>
+        <p:txBody>
+          <a:bodyPr anchor="b">
+            <a:normAutofit/>
+          </a:bodyPr>
           <a:lstStyle>
-            <a:lvl1pPr algn="l">
-              <a:defRPr sz="2000" b="1"/>
+            <a:lvl1pPr algn="ctr">
+              <a:defRPr sz="2400" b="0"/>
             </a:lvl1pPr>
           </a:lstStyle>
           <a:p>
             <a:r>
-              <a:rPr lang="en-US" smtClean="0"/>
+              <a:rPr lang="en-US"/>
               <a:t>Click to edit Master title style</a:t>
             </a:r>
-            <a:endParaRPr lang="en-US"/>
+            <a:endParaRPr lang="en-US" dirty="0"/>
           </a:p>
         </p:txBody>
       </p:sp>
@@ -2057,101 +4555,77 @@
         </p:nvSpPr>
         <p:spPr>
           <a:xfrm>
-            <a:off x="3575050" y="273050"/>
-            <a:ext cx="5111750" cy="5853113"/>
-          </a:xfrm>
-        </p:spPr>
-        <p:txBody>
-          <a:bodyPr/>
+            <a:off x="4120062" y="982132"/>
+            <a:ext cx="3855539" cy="4893735"/>
+          </a:xfrm>
+        </p:spPr>
+        <p:txBody>
+          <a:bodyPr anchor="ctr">
+            <a:normAutofit/>
+          </a:bodyPr>
+          <a:lstStyle/>
+          <a:p>
+            <a:pPr lvl="0"/>
+            <a:r>
+              <a:rPr lang="en-US"/>
+              <a:t>Click to edit Master text styles</a:t>
+            </a:r>
+          </a:p>
+          <a:p>
+            <a:pPr lvl="1"/>
+            <a:r>
+              <a:rPr lang="en-US"/>
+              <a:t>Second level</a:t>
+            </a:r>
+          </a:p>
+          <a:p>
+            <a:pPr lvl="2"/>
+            <a:r>
+              <a:rPr lang="en-US"/>
+              <a:t>Third level</a:t>
+            </a:r>
+          </a:p>
+          <a:p>
+            <a:pPr lvl="3"/>
+            <a:r>
+              <a:rPr lang="en-US"/>
+              <a:t>Fourth level</a:t>
+            </a:r>
+          </a:p>
+          <a:p>
+            <a:pPr lvl="4"/>
+            <a:r>
+              <a:rPr lang="en-US"/>
+              <a:t>Fifth level</a:t>
+            </a:r>
+            <a:endParaRPr lang="en-US" dirty="0"/>
+          </a:p>
+        </p:txBody>
+      </p:sp>
+      <p:sp>
+        <p:nvSpPr>
+          <p:cNvPr id="4" name="Text Placeholder 3"/>
+          <p:cNvSpPr>
+            <a:spLocks noGrp="1"/>
+          </p:cNvSpPr>
+          <p:nvPr>
+            <p:ph type="body" sz="half" idx="2"/>
+          </p:nvPr>
+        </p:nvSpPr>
+        <p:spPr>
+          <a:xfrm>
+            <a:off x="1176865" y="3031065"/>
+            <a:ext cx="2536798" cy="2438404"/>
+          </a:xfrm>
+        </p:spPr>
+        <p:txBody>
+          <a:bodyPr anchor="t">
+            <a:normAutofit/>
+          </a:bodyPr>
           <a:lstStyle>
-            <a:lvl1pPr>
-              <a:defRPr sz="3200"/>
-            </a:lvl1pPr>
-            <a:lvl2pPr>
-              <a:defRPr sz="2800"/>
-            </a:lvl2pPr>
-            <a:lvl3pPr>
-              <a:defRPr sz="2400"/>
-            </a:lvl3pPr>
-            <a:lvl4pPr>
-              <a:defRPr sz="2000"/>
-            </a:lvl4pPr>
-            <a:lvl5pPr>
-              <a:defRPr sz="2000"/>
-            </a:lvl5pPr>
-            <a:lvl6pPr>
-              <a:defRPr sz="2000"/>
-            </a:lvl6pPr>
-            <a:lvl7pPr>
-              <a:defRPr sz="2000"/>
-            </a:lvl7pPr>
-            <a:lvl8pPr>
-              <a:defRPr sz="2000"/>
-            </a:lvl8pPr>
-            <a:lvl9pPr>
-              <a:defRPr sz="2000"/>
-            </a:lvl9pPr>
-          </a:lstStyle>
-          <a:p>
-            <a:pPr lvl="0"/>
-            <a:r>
-              <a:rPr lang="en-US" smtClean="0"/>
-              <a:t>Click to edit Master text styles</a:t>
-            </a:r>
-          </a:p>
-          <a:p>
-            <a:pPr lvl="1"/>
-            <a:r>
-              <a:rPr lang="en-US" smtClean="0"/>
-              <a:t>Second level</a:t>
-            </a:r>
-          </a:p>
-          <a:p>
-            <a:pPr lvl="2"/>
-            <a:r>
-              <a:rPr lang="en-US" smtClean="0"/>
-              <a:t>Third level</a:t>
-            </a:r>
-          </a:p>
-          <a:p>
-            <a:pPr lvl="3"/>
-            <a:r>
-              <a:rPr lang="en-US" smtClean="0"/>
-              <a:t>Fourth level</a:t>
-            </a:r>
-          </a:p>
-          <a:p>
-            <a:pPr lvl="4"/>
-            <a:r>
-              <a:rPr lang="en-US" smtClean="0"/>
-              <a:t>Fifth level</a:t>
-            </a:r>
-            <a:endParaRPr lang="en-US"/>
-          </a:p>
-        </p:txBody>
-      </p:sp>
-      <p:sp>
-        <p:nvSpPr>
-          <p:cNvPr id="4" name="Text Placeholder 3"/>
-          <p:cNvSpPr>
-            <a:spLocks noGrp="1"/>
-          </p:cNvSpPr>
-          <p:nvPr>
-            <p:ph type="body" sz="half" idx="2"/>
-          </p:nvPr>
-        </p:nvSpPr>
-        <p:spPr>
-          <a:xfrm>
-            <a:off x="457200" y="1435100"/>
-            <a:ext cx="3008313" cy="4691063"/>
-          </a:xfrm>
-        </p:spPr>
-        <p:txBody>
-          <a:bodyPr/>
-          <a:lstStyle>
-            <a:lvl1pPr marL="0" indent="0">
-              <a:buNone/>
-              <a:defRPr sz="1400"/>
+            <a:lvl1pPr marL="0" indent="0" algn="ctr">
+              <a:buNone/>
+              <a:defRPr sz="1600"/>
             </a:lvl1pPr>
             <a:lvl2pPr marL="457200" indent="0">
               <a:buNone/>
@@ -2189,7 +4663,7 @@
           <a:p>
             <a:pPr lvl="0"/>
             <a:r>
-              <a:rPr lang="en-US" smtClean="0"/>
+              <a:rPr lang="en-US"/>
               <a:t>Click to edit Master text styles</a:t>
             </a:r>
           </a:p>
@@ -2260,7 +4734,43 @@
           </a:p>
         </p:txBody>
       </p:sp>
+      <p:cxnSp>
+        <p:nvCxnSpPr>
+          <p:cNvPr id="16" name="Straight Connector 15"/>
+          <p:cNvCxnSpPr/>
+          <p:nvPr/>
+        </p:nvCxnSpPr>
+        <p:spPr>
+          <a:xfrm>
+            <a:off x="1278466" y="2912533"/>
+            <a:ext cx="2333594" cy="0"/>
+          </a:xfrm>
+          <a:prstGeom prst="line">
+            <a:avLst/>
+          </a:prstGeom>
+          <a:ln w="15875"/>
+        </p:spPr>
+        <p:style>
+          <a:lnRef idx="2">
+            <a:schemeClr val="accent1"/>
+          </a:lnRef>
+          <a:fillRef idx="0">
+            <a:schemeClr val="accent1"/>
+          </a:fillRef>
+          <a:effectRef idx="1">
+            <a:schemeClr val="accent1"/>
+          </a:effectRef>
+          <a:fontRef idx="minor">
+            <a:schemeClr val="tx1"/>
+          </a:fontRef>
+        </p:style>
+      </p:cxnSp>
     </p:spTree>
+    <p:extLst>
+      <p:ext uri="{BB962C8B-B14F-4D97-AF65-F5344CB8AC3E}">
+        <p14:creationId xmlns:p14="http://schemas.microsoft.com/office/powerpoint/2010/main" val="3224783636"/>
+      </p:ext>
+    </p:extLst>
   </p:cSld>
   <p:clrMapOvr>
     <a:masterClrMapping/>
@@ -2297,31 +4807,33 @@
         </p:nvSpPr>
         <p:spPr>
           <a:xfrm>
-            <a:off x="1792288" y="4800600"/>
-            <a:ext cx="5486400" cy="566738"/>
-          </a:xfrm>
-        </p:spPr>
-        <p:txBody>
-          <a:bodyPr anchor="b"/>
+            <a:off x="1176865" y="1883832"/>
+            <a:ext cx="3632202" cy="1371600"/>
+          </a:xfrm>
+        </p:spPr>
+        <p:txBody>
+          <a:bodyPr anchor="b">
+            <a:normAutofit/>
+          </a:bodyPr>
           <a:lstStyle>
-            <a:lvl1pPr algn="l">
-              <a:defRPr sz="2000" b="1"/>
+            <a:lvl1pPr algn="ctr">
+              <a:defRPr sz="2400" b="0"/>
             </a:lvl1pPr>
           </a:lstStyle>
           <a:p>
             <a:r>
-              <a:rPr lang="en-US" smtClean="0"/>
+              <a:rPr lang="en-US"/>
               <a:t>Click to edit Master title style</a:t>
             </a:r>
-            <a:endParaRPr lang="en-US"/>
-          </a:p>
-        </p:txBody>
-      </p:sp>
-      <p:sp>
-        <p:nvSpPr>
-          <p:cNvPr id="3" name="Picture Placeholder 2"/>
-          <p:cNvSpPr>
-            <a:spLocks noGrp="1"/>
+            <a:endParaRPr lang="en-US" dirty="0"/>
+          </a:p>
+        </p:txBody>
+      </p:sp>
+      <p:sp>
+        <p:nvSpPr>
+          <p:cNvPr id="17" name="Picture Placeholder 2"/>
+          <p:cNvSpPr>
+            <a:spLocks noGrp="1" noChangeAspect="1"/>
           </p:cNvSpPr>
           <p:nvPr>
             <p:ph type="pic" idx="1"/>
@@ -2329,52 +4841,78 @@
         </p:nvSpPr>
         <p:spPr>
           <a:xfrm>
-            <a:off x="1792288" y="612775"/>
-            <a:ext cx="5486400" cy="4114800"/>
-          </a:xfrm>
-        </p:spPr>
-        <p:txBody>
-          <a:bodyPr/>
+            <a:off x="5183069" y="1032933"/>
+            <a:ext cx="2929463" cy="4792136"/>
+          </a:xfrm>
+          <a:prstGeom prst="roundRect">
+            <a:avLst>
+              <a:gd name="adj" fmla="val 0"/>
+            </a:avLst>
+          </a:prstGeom>
+          <a:ln w="57150" cmpd="thickThin">
+            <a:solidFill>
+              <a:schemeClr val="tx1">
+                <a:lumMod val="50000"/>
+                <a:lumOff val="50000"/>
+              </a:schemeClr>
+            </a:solidFill>
+          </a:ln>
+          <a:effectLst>
+            <a:innerShdw blurRad="57150" dist="38100" dir="14460000">
+              <a:srgbClr val="000000">
+                <a:alpha val="70000"/>
+              </a:srgbClr>
+            </a:innerShdw>
+          </a:effectLst>
+        </p:spPr>
+        <p:txBody>
+          <a:bodyPr anchor="t">
+            <a:normAutofit/>
+          </a:bodyPr>
           <a:lstStyle>
-            <a:lvl1pPr marL="0" indent="0">
-              <a:buNone/>
-              <a:defRPr sz="3200"/>
+            <a:lvl1pPr marL="0" indent="0" algn="ctr">
+              <a:buNone/>
+              <a:defRPr sz="1600"/>
             </a:lvl1pPr>
             <a:lvl2pPr marL="457200" indent="0">
               <a:buNone/>
-              <a:defRPr sz="2800"/>
+              <a:defRPr sz="1600"/>
             </a:lvl2pPr>
             <a:lvl3pPr marL="914400" indent="0">
               <a:buNone/>
-              <a:defRPr sz="2400"/>
+              <a:defRPr sz="1600"/>
             </a:lvl3pPr>
             <a:lvl4pPr marL="1371600" indent="0">
               <a:buNone/>
-              <a:defRPr sz="2000"/>
+              <a:defRPr sz="1600"/>
             </a:lvl4pPr>
             <a:lvl5pPr marL="1828800" indent="0">
               <a:buNone/>
-              <a:defRPr sz="2000"/>
+              <a:defRPr sz="1600"/>
             </a:lvl5pPr>
             <a:lvl6pPr marL="2286000" indent="0">
               <a:buNone/>
-              <a:defRPr sz="2000"/>
+              <a:defRPr sz="1600"/>
             </a:lvl6pPr>
             <a:lvl7pPr marL="2743200" indent="0">
               <a:buNone/>
-              <a:defRPr sz="2000"/>
+              <a:defRPr sz="1600"/>
             </a:lvl7pPr>
             <a:lvl8pPr marL="3200400" indent="0">
               <a:buNone/>
-              <a:defRPr sz="2000"/>
+              <a:defRPr sz="1600"/>
             </a:lvl8pPr>
             <a:lvl9pPr marL="3657600" indent="0">
               <a:buNone/>
-              <a:defRPr sz="2000"/>
+              <a:defRPr sz="1600"/>
             </a:lvl9pPr>
           </a:lstStyle>
           <a:p>
-            <a:endParaRPr lang="en-US"/>
+            <a:r>
+              <a:rPr lang="en-US"/>
+              <a:t>Click icon to add picture</a:t>
+            </a:r>
+            <a:endParaRPr lang="en-US" dirty="0"/>
           </a:p>
         </p:txBody>
       </p:sp>
@@ -2390,16 +4928,18 @@
         </p:nvSpPr>
         <p:spPr>
           <a:xfrm>
-            <a:off x="1792288" y="5367338"/>
-            <a:ext cx="5486400" cy="804862"/>
-          </a:xfrm>
-        </p:spPr>
-        <p:txBody>
-          <a:bodyPr/>
+            <a:off x="1176865" y="3255432"/>
+            <a:ext cx="3632201" cy="1828800"/>
+          </a:xfrm>
+        </p:spPr>
+        <p:txBody>
+          <a:bodyPr anchor="t">
+            <a:normAutofit/>
+          </a:bodyPr>
           <a:lstStyle>
-            <a:lvl1pPr marL="0" indent="0">
-              <a:buNone/>
-              <a:defRPr sz="1400"/>
+            <a:lvl1pPr marL="0" indent="0" algn="ctr">
+              <a:buNone/>
+              <a:defRPr sz="1600"/>
             </a:lvl1pPr>
             <a:lvl2pPr marL="457200" indent="0">
               <a:buNone/>
@@ -2437,7 +4977,7 @@
           <a:p>
             <a:pPr lvl="0"/>
             <a:r>
-              <a:rPr lang="en-US" smtClean="0"/>
+              <a:rPr lang="en-US"/>
               <a:t>Click to edit Master text styles</a:t>
             </a:r>
           </a:p>
@@ -2509,6 +5049,11 @@
         </p:txBody>
       </p:sp>
     </p:spTree>
+    <p:extLst>
+      <p:ext uri="{BB962C8B-B14F-4D97-AF65-F5344CB8AC3E}">
+        <p14:creationId xmlns:p14="http://schemas.microsoft.com/office/powerpoint/2010/main" val="1150049910"/>
+      </p:ext>
+    </p:extLst>
   </p:cSld>
   <p:clrMapOvr>
     <a:masterClrMapping/>
@@ -2520,7 +5065,7 @@
 <p:sldMaster xmlns:a="http://schemas.openxmlformats.org/drawingml/2006/main" xmlns:r="http://schemas.openxmlformats.org/officeDocument/2006/relationships" xmlns:p="http://schemas.openxmlformats.org/presentationml/2006/main">
   <p:cSld>
     <p:bg>
-      <p:bgRef idx="1001">
+      <p:bgRef idx="1003">
         <a:schemeClr val="bg1"/>
       </p:bgRef>
     </p:bg>
@@ -2538,6 +5083,143 @@
           <a:chExt cx="0" cy="0"/>
         </a:xfrm>
       </p:grpSpPr>
+      <p:grpSp>
+        <p:nvGrpSpPr>
+          <p:cNvPr id="7" name="Group 6"/>
+          <p:cNvGrpSpPr/>
+          <p:nvPr/>
+        </p:nvGrpSpPr>
+        <p:grpSpPr>
+          <a:xfrm>
+            <a:off x="0" y="0"/>
+            <a:ext cx="9152467" cy="6858000"/>
+            <a:chOff x="0" y="0"/>
+            <a:chExt cx="9152467" cy="6858000"/>
+          </a:xfrm>
+        </p:grpSpPr>
+        <p:pic>
+          <p:nvPicPr>
+            <p:cNvPr id="8" name="Picture 7" descr="SD-PanelContent.png"/>
+            <p:cNvPicPr>
+              <a:picLocks noChangeAspect="1"/>
+            </p:cNvPicPr>
+            <p:nvPr/>
+          </p:nvPicPr>
+          <p:blipFill>
+            <a:blip r:embed="rId19">
+              <a:extLst>
+                <a:ext uri="{28A0092B-C50C-407E-A947-70E740481C1C}">
+                  <a14:useLocalDpi xmlns:a14="http://schemas.microsoft.com/office/drawing/2010/main" val="0"/>
+                </a:ext>
+              </a:extLst>
+            </a:blip>
+            <a:stretch>
+              <a:fillRect/>
+            </a:stretch>
+          </p:blipFill>
+          <p:spPr>
+            <a:xfrm>
+              <a:off x="0" y="0"/>
+              <a:ext cx="9144000" cy="6858000"/>
+            </a:xfrm>
+            <a:prstGeom prst="rect">
+              <a:avLst/>
+            </a:prstGeom>
+          </p:spPr>
+        </p:pic>
+        <p:sp>
+          <p:nvSpPr>
+            <p:cNvPr id="9" name="Rectangle 8"/>
+            <p:cNvSpPr/>
+            <p:nvPr/>
+          </p:nvSpPr>
+          <p:spPr>
+            <a:xfrm>
+              <a:off x="553888" y="542807"/>
+              <a:ext cx="8039776" cy="5756392"/>
+            </a:xfrm>
+            <a:prstGeom prst="rect">
+              <a:avLst/>
+            </a:prstGeom>
+            <a:noFill/>
+            <a:ln w="15875" cap="flat">
+              <a:miter lim="800000"/>
+            </a:ln>
+          </p:spPr>
+          <p:style>
+            <a:lnRef idx="1">
+              <a:schemeClr val="accent1"/>
+            </a:lnRef>
+            <a:fillRef idx="3">
+              <a:schemeClr val="accent1"/>
+            </a:fillRef>
+            <a:effectRef idx="2">
+              <a:schemeClr val="accent1"/>
+            </a:effectRef>
+            <a:fontRef idx="minor">
+              <a:schemeClr val="lt1"/>
+            </a:fontRef>
+          </p:style>
+        </p:sp>
+        <p:pic>
+          <p:nvPicPr>
+            <p:cNvPr id="10" name="Picture 9" descr="HDRibbonContent-UniformTrim.png"/>
+            <p:cNvPicPr>
+              <a:picLocks noChangeAspect="1"/>
+            </p:cNvPicPr>
+            <p:nvPr/>
+          </p:nvPicPr>
+          <p:blipFill rotWithShape="1">
+            <a:blip r:embed="rId20">
+              <a:extLst>
+                <a:ext uri="{28A0092B-C50C-407E-A947-70E740481C1C}">
+                  <a14:useLocalDpi xmlns:a14="http://schemas.microsoft.com/office/drawing/2010/main" val="0"/>
+                </a:ext>
+              </a:extLst>
+            </a:blip>
+            <a:srcRect l="1" r="14240"/>
+            <a:stretch/>
+          </p:blipFill>
+          <p:spPr>
+            <a:xfrm>
+              <a:off x="0" y="3128434"/>
+              <a:ext cx="685800" cy="606425"/>
+            </a:xfrm>
+            <a:prstGeom prst="rect">
+              <a:avLst/>
+            </a:prstGeom>
+          </p:spPr>
+        </p:pic>
+        <p:pic>
+          <p:nvPicPr>
+            <p:cNvPr id="11" name="Picture 10" descr="HDRibbonContent-UniformTrim.png"/>
+            <p:cNvPicPr>
+              <a:picLocks noChangeAspect="1"/>
+            </p:cNvPicPr>
+            <p:nvPr/>
+          </p:nvPicPr>
+          <p:blipFill rotWithShape="1">
+            <a:blip r:embed="rId20">
+              <a:extLst>
+                <a:ext uri="{28A0092B-C50C-407E-A947-70E740481C1C}">
+                  <a14:useLocalDpi xmlns:a14="http://schemas.microsoft.com/office/drawing/2010/main" val="0"/>
+                </a:ext>
+              </a:extLst>
+            </a:blip>
+            <a:srcRect l="1" r="14240"/>
+            <a:stretch/>
+          </p:blipFill>
+          <p:spPr>
+            <a:xfrm>
+              <a:off x="8466667" y="3128434"/>
+              <a:ext cx="685800" cy="606425"/>
+            </a:xfrm>
+            <a:prstGeom prst="rect">
+              <a:avLst/>
+            </a:prstGeom>
+          </p:spPr>
+        </p:pic>
+      </p:grpSp>
       <p:sp>
         <p:nvSpPr>
           <p:cNvPr id="2" name="Title Placeholder 1"/>
@@ -2550,12 +5232,13 @@
         </p:nvSpPr>
         <p:spPr>
           <a:xfrm>
-            <a:off x="457200" y="274638"/>
-            <a:ext cx="8229600" cy="1143000"/>
+            <a:off x="1176866" y="915337"/>
+            <a:ext cx="6798734" cy="1303867"/>
           </a:xfrm>
           <a:prstGeom prst="rect">
             <a:avLst/>
           </a:prstGeom>
+          <a:effectLst/>
         </p:spPr>
         <p:txBody>
           <a:bodyPr vert="horz" lIns="91440" tIns="45720" rIns="91440" bIns="45720" rtlCol="0" anchor="ctr">
@@ -2564,10 +5247,10 @@
           <a:lstStyle/>
           <a:p>
             <a:r>
-              <a:rPr lang="en-US" smtClean="0"/>
+              <a:rPr lang="en-US"/>
               <a:t>Click to edit Master title style</a:t>
             </a:r>
-            <a:endParaRPr lang="en-US"/>
+            <a:endParaRPr lang="en-US" dirty="0"/>
           </a:p>
         </p:txBody>
       </p:sp>
@@ -2583,53 +5266,53 @@
         </p:nvSpPr>
         <p:spPr>
           <a:xfrm>
-            <a:off x="457200" y="1600200"/>
-            <a:ext cx="8229600" cy="4525963"/>
+            <a:off x="1176865" y="2490135"/>
+            <a:ext cx="6798736" cy="3444997"/>
           </a:xfrm>
           <a:prstGeom prst="rect">
             <a:avLst/>
           </a:prstGeom>
         </p:spPr>
         <p:txBody>
-          <a:bodyPr vert="horz" lIns="91440" tIns="45720" rIns="91440" bIns="45720" rtlCol="0">
+          <a:bodyPr vert="horz" lIns="91440" tIns="45720" rIns="91440" bIns="45720" rtlCol="0" anchor="t">
             <a:normAutofit/>
           </a:bodyPr>
           <a:lstStyle/>
           <a:p>
             <a:pPr lvl="0"/>
             <a:r>
-              <a:rPr lang="en-US" smtClean="0"/>
+              <a:rPr lang="en-US"/>
               <a:t>Click to edit Master text styles</a:t>
             </a:r>
           </a:p>
           <a:p>
             <a:pPr lvl="1"/>
             <a:r>
-              <a:rPr lang="en-US" smtClean="0"/>
+              <a:rPr lang="en-US"/>
               <a:t>Second level</a:t>
             </a:r>
           </a:p>
           <a:p>
             <a:pPr lvl="2"/>
             <a:r>
-              <a:rPr lang="en-US" smtClean="0"/>
+              <a:rPr lang="en-US"/>
               <a:t>Third level</a:t>
             </a:r>
           </a:p>
           <a:p>
             <a:pPr lvl="3"/>
             <a:r>
-              <a:rPr lang="en-US" smtClean="0"/>
+              <a:rPr lang="en-US"/>
               <a:t>Fourth level</a:t>
             </a:r>
           </a:p>
           <a:p>
             <a:pPr lvl="4"/>
             <a:r>
-              <a:rPr lang="en-US" smtClean="0"/>
+              <a:rPr lang="en-US"/>
               <a:t>Fifth level</a:t>
             </a:r>
-            <a:endParaRPr lang="en-US"/>
+            <a:endParaRPr lang="en-US" dirty="0"/>
           </a:p>
         </p:txBody>
       </p:sp>
@@ -2645,8 +5328,8 @@
         </p:nvSpPr>
         <p:spPr>
           <a:xfrm>
-            <a:off x="457200" y="6356350"/>
-            <a:ext cx="2133600" cy="365125"/>
+            <a:off x="6356670" y="5960533"/>
+            <a:ext cx="1148283" cy="279400"/>
           </a:xfrm>
           <a:prstGeom prst="rect">
             <a:avLst/>
@@ -2655,13 +5338,13 @@
         <p:txBody>
           <a:bodyPr vert="horz" lIns="91440" tIns="45720" rIns="91440" bIns="45720" rtlCol="0" anchor="ctr"/>
           <a:lstStyle>
-            <a:lvl1pPr algn="l">
-              <a:defRPr sz="1200">
-                <a:solidFill>
-                  <a:schemeClr val="tx1">
-                    <a:tint val="75000"/>
-                  </a:schemeClr>
-                </a:solidFill>
+            <a:lvl1pPr algn="r">
+              <a:defRPr sz="1000" b="0" i="0">
+                <a:solidFill>
+                  <a:schemeClr val="tx1"/>
+                </a:solidFill>
+                <a:effectLst/>
+                <a:latin typeface="+mn-lt"/>
               </a:defRPr>
             </a:lvl1pPr>
           </a:lstStyle>
@@ -2686,8 +5369,8 @@
         </p:nvSpPr>
         <p:spPr>
           <a:xfrm>
-            <a:off x="3124200" y="6356350"/>
-            <a:ext cx="2895600" cy="365125"/>
+            <a:off x="1176865" y="5960533"/>
+            <a:ext cx="5104667" cy="279400"/>
           </a:xfrm>
           <a:prstGeom prst="rect">
             <a:avLst/>
@@ -2696,13 +5379,13 @@
         <p:txBody>
           <a:bodyPr vert="horz" lIns="91440" tIns="45720" rIns="91440" bIns="45720" rtlCol="0" anchor="ctr"/>
           <a:lstStyle>
-            <a:lvl1pPr algn="ctr">
-              <a:defRPr sz="1200">
-                <a:solidFill>
-                  <a:schemeClr val="tx1">
-                    <a:tint val="75000"/>
-                  </a:schemeClr>
-                </a:solidFill>
+            <a:lvl1pPr algn="l">
+              <a:defRPr sz="1000" b="0" i="0">
+                <a:solidFill>
+                  <a:schemeClr val="tx1"/>
+                </a:solidFill>
+                <a:effectLst/>
+                <a:latin typeface="+mn-lt"/>
               </a:defRPr>
             </a:lvl1pPr>
           </a:lstStyle>
@@ -2723,8 +5406,8 @@
         </p:nvSpPr>
         <p:spPr>
           <a:xfrm>
-            <a:off x="6553200" y="6356350"/>
-            <a:ext cx="2133600" cy="365125"/>
+            <a:off x="7580091" y="5960533"/>
+            <a:ext cx="395510" cy="279400"/>
           </a:xfrm>
           <a:prstGeom prst="rect">
             <a:avLst/>
@@ -2734,12 +5417,12 @@
           <a:bodyPr vert="horz" lIns="91440" tIns="45720" rIns="91440" bIns="45720" rtlCol="0" anchor="ctr"/>
           <a:lstStyle>
             <a:lvl1pPr algn="r">
-              <a:defRPr sz="1200">
-                <a:solidFill>
-                  <a:schemeClr val="tx1">
-                    <a:tint val="75000"/>
-                  </a:schemeClr>
-                </a:solidFill>
+              <a:defRPr sz="1000" b="0" i="0">
+                <a:solidFill>
+                  <a:schemeClr val="tx1"/>
+                </a:solidFill>
+                <a:effectLst/>
+                <a:latin typeface="+mn-lt"/>
               </a:defRPr>
             </a:lvl1pPr>
           </a:lstStyle>
@@ -2753,169 +5436,342 @@
         </p:txBody>
       </p:sp>
     </p:spTree>
+    <p:extLst>
+      <p:ext uri="{BB962C8B-B14F-4D97-AF65-F5344CB8AC3E}">
+        <p14:creationId xmlns:p14="http://schemas.microsoft.com/office/powerpoint/2010/main" val="2236970298"/>
+      </p:ext>
+    </p:extLst>
   </p:cSld>
   <p:clrMap bg1="lt1" tx1="dk1" bg2="lt2" tx2="dk2" accent1="accent1" accent2="accent2" accent3="accent3" accent4="accent4" accent5="accent5" accent6="accent6" hlink="hlink" folHlink="folHlink"/>
   <p:sldLayoutIdLst>
-    <p:sldLayoutId id="2147483649" r:id="rId1"/>
-    <p:sldLayoutId id="2147483650" r:id="rId2"/>
-    <p:sldLayoutId id="2147483651" r:id="rId3"/>
-    <p:sldLayoutId id="2147483652" r:id="rId4"/>
-    <p:sldLayoutId id="2147483653" r:id="rId5"/>
-    <p:sldLayoutId id="2147483654" r:id="rId6"/>
-    <p:sldLayoutId id="2147483655" r:id="rId7"/>
-    <p:sldLayoutId id="2147483656" r:id="rId8"/>
-    <p:sldLayoutId id="2147483657" r:id="rId9"/>
-    <p:sldLayoutId id="2147483658" r:id="rId10"/>
-    <p:sldLayoutId id="2147483659" r:id="rId11"/>
+    <p:sldLayoutId id="2147483795" r:id="rId1"/>
+    <p:sldLayoutId id="2147483796" r:id="rId2"/>
+    <p:sldLayoutId id="2147483797" r:id="rId3"/>
+    <p:sldLayoutId id="2147483798" r:id="rId4"/>
+    <p:sldLayoutId id="2147483799" r:id="rId5"/>
+    <p:sldLayoutId id="2147483800" r:id="rId6"/>
+    <p:sldLayoutId id="2147483801" r:id="rId7"/>
+    <p:sldLayoutId id="2147483802" r:id="rId8"/>
+    <p:sldLayoutId id="2147483803" r:id="rId9"/>
+    <p:sldLayoutId id="2147483804" r:id="rId10"/>
+    <p:sldLayoutId id="2147483805" r:id="rId11"/>
+    <p:sldLayoutId id="2147483806" r:id="rId12"/>
+    <p:sldLayoutId id="2147483807" r:id="rId13"/>
+    <p:sldLayoutId id="2147483808" r:id="rId14"/>
+    <p:sldLayoutId id="2147483809" r:id="rId15"/>
+    <p:sldLayoutId id="2147483810" r:id="rId16"/>
+    <p:sldLayoutId id="2147483811" r:id="rId17"/>
   </p:sldLayoutIdLst>
   <p:txStyles>
     <p:titleStyle>
-      <a:lvl1pPr algn="ctr" defTabSz="914400" rtl="0" eaLnBrk="1" latinLnBrk="0" hangingPunct="1">
+      <a:lvl1pPr algn="ctr" defTabSz="457200" rtl="0" eaLnBrk="1" latinLnBrk="0" hangingPunct="1">
         <a:spcBef>
           <a:spcPct val="0"/>
         </a:spcBef>
         <a:buNone/>
-        <a:defRPr sz="4400" kern="1200">
+        <a:defRPr sz="4000" kern="1200" cap="none">
+          <a:ln w="3175" cmpd="sng">
+            <a:noFill/>
+          </a:ln>
           <a:solidFill>
-            <a:schemeClr val="tx1"/>
+            <a:schemeClr val="tx1">
+              <a:lumMod val="85000"/>
+              <a:lumOff val="15000"/>
+            </a:schemeClr>
           </a:solidFill>
+          <a:effectLst/>
           <a:latin typeface="+mj-lt"/>
           <a:ea typeface="+mj-ea"/>
           <a:cs typeface="+mj-cs"/>
         </a:defRPr>
       </a:lvl1pPr>
+      <a:lvl2pPr eaLnBrk="1" hangingPunct="1">
+        <a:defRPr>
+          <a:solidFill>
+            <a:schemeClr val="tx2"/>
+          </a:solidFill>
+        </a:defRPr>
+      </a:lvl2pPr>
+      <a:lvl3pPr eaLnBrk="1" hangingPunct="1">
+        <a:defRPr>
+          <a:solidFill>
+            <a:schemeClr val="tx2"/>
+          </a:solidFill>
+        </a:defRPr>
+      </a:lvl3pPr>
+      <a:lvl4pPr eaLnBrk="1" hangingPunct="1">
+        <a:defRPr>
+          <a:solidFill>
+            <a:schemeClr val="tx2"/>
+          </a:solidFill>
+        </a:defRPr>
+      </a:lvl4pPr>
+      <a:lvl5pPr eaLnBrk="1" hangingPunct="1">
+        <a:defRPr>
+          <a:solidFill>
+            <a:schemeClr val="tx2"/>
+          </a:solidFill>
+        </a:defRPr>
+      </a:lvl5pPr>
+      <a:lvl6pPr eaLnBrk="1" hangingPunct="1">
+        <a:defRPr>
+          <a:solidFill>
+            <a:schemeClr val="tx2"/>
+          </a:solidFill>
+        </a:defRPr>
+      </a:lvl6pPr>
+      <a:lvl7pPr eaLnBrk="1" hangingPunct="1">
+        <a:defRPr>
+          <a:solidFill>
+            <a:schemeClr val="tx2"/>
+          </a:solidFill>
+        </a:defRPr>
+      </a:lvl7pPr>
+      <a:lvl8pPr eaLnBrk="1" hangingPunct="1">
+        <a:defRPr>
+          <a:solidFill>
+            <a:schemeClr val="tx2"/>
+          </a:solidFill>
+        </a:defRPr>
+      </a:lvl8pPr>
+      <a:lvl9pPr eaLnBrk="1" hangingPunct="1">
+        <a:defRPr>
+          <a:solidFill>
+            <a:schemeClr val="tx2"/>
+          </a:solidFill>
+        </a:defRPr>
+      </a:lvl9pPr>
     </p:titleStyle>
     <p:bodyStyle>
-      <a:lvl1pPr marL="342900" indent="-342900" algn="l" defTabSz="914400" rtl="0" eaLnBrk="1" latinLnBrk="0" hangingPunct="1">
+      <a:lvl1pPr marL="285750" indent="-285750" algn="l" defTabSz="457200" rtl="0" eaLnBrk="1" latinLnBrk="0" hangingPunct="1">
         <a:spcBef>
           <a:spcPct val="20000"/>
         </a:spcBef>
-        <a:buFont typeface="Arial" pitchFamily="34" charset="0"/>
+        <a:spcAft>
+          <a:spcPts val="600"/>
+        </a:spcAft>
+        <a:buClr>
+          <a:schemeClr val="accent1"/>
+        </a:buClr>
+        <a:buSzPct val="115000"/>
+        <a:buFont typeface="Arial"/>
         <a:buChar char="•"/>
-        <a:defRPr sz="3200" kern="1200">
+        <a:defRPr sz="2400" kern="1200" cap="none">
           <a:solidFill>
-            <a:schemeClr val="tx1"/>
+            <a:schemeClr val="tx1">
+              <a:lumMod val="85000"/>
+              <a:lumOff val="15000"/>
+            </a:schemeClr>
           </a:solidFill>
+          <a:effectLst/>
           <a:latin typeface="+mn-lt"/>
           <a:ea typeface="+mn-ea"/>
           <a:cs typeface="+mn-cs"/>
         </a:defRPr>
       </a:lvl1pPr>
-      <a:lvl2pPr marL="742950" indent="-285750" algn="l" defTabSz="914400" rtl="0" eaLnBrk="1" latinLnBrk="0" hangingPunct="1">
+      <a:lvl2pPr marL="742950" indent="-285750" algn="l" defTabSz="457200" rtl="0" eaLnBrk="1" latinLnBrk="0" hangingPunct="1">
         <a:spcBef>
           <a:spcPct val="20000"/>
         </a:spcBef>
-        <a:buFont typeface="Arial" pitchFamily="34" charset="0"/>
-        <a:buChar char="–"/>
-        <a:defRPr sz="2800" kern="1200">
+        <a:spcAft>
+          <a:spcPts val="600"/>
+        </a:spcAft>
+        <a:buClr>
+          <a:schemeClr val="accent1"/>
+        </a:buClr>
+        <a:buSzPct val="115000"/>
+        <a:buFont typeface="Arial"/>
+        <a:buChar char="•"/>
+        <a:defRPr sz="2000" kern="1200" cap="none">
           <a:solidFill>
-            <a:schemeClr val="tx1"/>
+            <a:schemeClr val="tx1">
+              <a:lumMod val="85000"/>
+              <a:lumOff val="15000"/>
+            </a:schemeClr>
           </a:solidFill>
+          <a:effectLst/>
           <a:latin typeface="+mn-lt"/>
           <a:ea typeface="+mn-ea"/>
           <a:cs typeface="+mn-cs"/>
         </a:defRPr>
       </a:lvl2pPr>
-      <a:lvl3pPr marL="1143000" indent="-228600" algn="l" defTabSz="914400" rtl="0" eaLnBrk="1" latinLnBrk="0" hangingPunct="1">
+      <a:lvl3pPr marL="1200150" indent="-285750" algn="l" defTabSz="457200" rtl="0" eaLnBrk="1" latinLnBrk="0" hangingPunct="1">
         <a:spcBef>
           <a:spcPct val="20000"/>
         </a:spcBef>
-        <a:buFont typeface="Arial" pitchFamily="34" charset="0"/>
+        <a:spcAft>
+          <a:spcPts val="600"/>
+        </a:spcAft>
+        <a:buClr>
+          <a:schemeClr val="accent1"/>
+        </a:buClr>
+        <a:buSzPct val="115000"/>
+        <a:buFont typeface="Arial"/>
         <a:buChar char="•"/>
-        <a:defRPr sz="2400" kern="1200">
+        <a:defRPr sz="1800" kern="1200" cap="none">
           <a:solidFill>
-            <a:schemeClr val="tx1"/>
+            <a:schemeClr val="tx1">
+              <a:lumMod val="85000"/>
+              <a:lumOff val="15000"/>
+            </a:schemeClr>
           </a:solidFill>
+          <a:effectLst/>
           <a:latin typeface="+mn-lt"/>
           <a:ea typeface="+mn-ea"/>
           <a:cs typeface="+mn-cs"/>
         </a:defRPr>
       </a:lvl3pPr>
-      <a:lvl4pPr marL="1600200" indent="-228600" algn="l" defTabSz="914400" rtl="0" eaLnBrk="1" latinLnBrk="0" hangingPunct="1">
+      <a:lvl4pPr marL="1543050" indent="-171450" algn="l" defTabSz="457200" rtl="0" eaLnBrk="1" latinLnBrk="0" hangingPunct="1">
         <a:spcBef>
           <a:spcPct val="20000"/>
         </a:spcBef>
-        <a:buFont typeface="Arial" pitchFamily="34" charset="0"/>
-        <a:buChar char="–"/>
-        <a:defRPr sz="2000" kern="1200">
+        <a:spcAft>
+          <a:spcPts val="600"/>
+        </a:spcAft>
+        <a:buClr>
+          <a:schemeClr val="accent1"/>
+        </a:buClr>
+        <a:buSzPct val="115000"/>
+        <a:buFont typeface="Arial"/>
+        <a:buChar char="•"/>
+        <a:defRPr sz="1600" kern="1200" cap="none">
           <a:solidFill>
-            <a:schemeClr val="tx1"/>
+            <a:schemeClr val="tx1">
+              <a:lumMod val="85000"/>
+              <a:lumOff val="15000"/>
+            </a:schemeClr>
           </a:solidFill>
+          <a:effectLst/>
           <a:latin typeface="+mn-lt"/>
           <a:ea typeface="+mn-ea"/>
           <a:cs typeface="+mn-cs"/>
         </a:defRPr>
       </a:lvl4pPr>
-      <a:lvl5pPr marL="2057400" indent="-228600" algn="l" defTabSz="914400" rtl="0" eaLnBrk="1" latinLnBrk="0" hangingPunct="1">
+      <a:lvl5pPr marL="2000250" indent="-171450" algn="l" defTabSz="457200" rtl="0" eaLnBrk="1" latinLnBrk="0" hangingPunct="1">
         <a:spcBef>
           <a:spcPct val="20000"/>
         </a:spcBef>
-        <a:buFont typeface="Arial" pitchFamily="34" charset="0"/>
-        <a:buChar char="»"/>
-        <a:defRPr sz="2000" kern="1200">
+        <a:spcAft>
+          <a:spcPts val="600"/>
+        </a:spcAft>
+        <a:buClr>
+          <a:schemeClr val="accent1"/>
+        </a:buClr>
+        <a:buSzPct val="115000"/>
+        <a:buFont typeface="Arial"/>
+        <a:buChar char="•"/>
+        <a:defRPr sz="1400" kern="1200" cap="none">
           <a:solidFill>
-            <a:schemeClr val="tx1"/>
+            <a:schemeClr val="tx1">
+              <a:lumMod val="85000"/>
+              <a:lumOff val="15000"/>
+            </a:schemeClr>
           </a:solidFill>
+          <a:effectLst/>
           <a:latin typeface="+mn-lt"/>
           <a:ea typeface="+mn-ea"/>
           <a:cs typeface="+mn-cs"/>
         </a:defRPr>
       </a:lvl5pPr>
-      <a:lvl6pPr marL="2514600" indent="-228600" algn="l" defTabSz="914400" rtl="0" eaLnBrk="1" latinLnBrk="0" hangingPunct="1">
+      <a:lvl6pPr marL="2514600" indent="-228600" algn="l" defTabSz="457200" rtl="0" eaLnBrk="1" latinLnBrk="0" hangingPunct="1">
         <a:spcBef>
           <a:spcPct val="20000"/>
         </a:spcBef>
-        <a:buFont typeface="Arial" pitchFamily="34" charset="0"/>
+        <a:spcAft>
+          <a:spcPts val="600"/>
+        </a:spcAft>
+        <a:buClr>
+          <a:schemeClr val="accent1"/>
+        </a:buClr>
+        <a:buSzPct val="115000"/>
+        <a:buFont typeface="Arial"/>
         <a:buChar char="•"/>
-        <a:defRPr sz="2000" kern="1200">
+        <a:defRPr sz="1400" kern="1200" cap="none">
           <a:solidFill>
-            <a:schemeClr val="tx1"/>
+            <a:schemeClr val="tx1">
+              <a:lumMod val="85000"/>
+              <a:lumOff val="15000"/>
+            </a:schemeClr>
           </a:solidFill>
+          <a:effectLst/>
           <a:latin typeface="+mn-lt"/>
           <a:ea typeface="+mn-ea"/>
           <a:cs typeface="+mn-cs"/>
         </a:defRPr>
       </a:lvl6pPr>
-      <a:lvl7pPr marL="2971800" indent="-228600" algn="l" defTabSz="914400" rtl="0" eaLnBrk="1" latinLnBrk="0" hangingPunct="1">
+      <a:lvl7pPr marL="2971800" indent="-228600" algn="l" defTabSz="457200" rtl="0" eaLnBrk="1" latinLnBrk="0" hangingPunct="1">
         <a:spcBef>
           <a:spcPct val="20000"/>
         </a:spcBef>
-        <a:buFont typeface="Arial" pitchFamily="34" charset="0"/>
+        <a:spcAft>
+          <a:spcPts val="600"/>
+        </a:spcAft>
+        <a:buClr>
+          <a:schemeClr val="accent1"/>
+        </a:buClr>
+        <a:buSzPct val="115000"/>
+        <a:buFont typeface="Arial"/>
         <a:buChar char="•"/>
-        <a:defRPr sz="2000" kern="1200">
+        <a:defRPr sz="1400" kern="1200" cap="none">
           <a:solidFill>
-            <a:schemeClr val="tx1"/>
+            <a:schemeClr val="tx1">
+              <a:lumMod val="85000"/>
+              <a:lumOff val="15000"/>
+            </a:schemeClr>
           </a:solidFill>
+          <a:effectLst/>
           <a:latin typeface="+mn-lt"/>
           <a:ea typeface="+mn-ea"/>
           <a:cs typeface="+mn-cs"/>
         </a:defRPr>
       </a:lvl7pPr>
-      <a:lvl8pPr marL="3429000" indent="-228600" algn="l" defTabSz="914400" rtl="0" eaLnBrk="1" latinLnBrk="0" hangingPunct="1">
+      <a:lvl8pPr marL="3429000" indent="-228600" algn="l" defTabSz="457200" rtl="0" eaLnBrk="1" latinLnBrk="0" hangingPunct="1">
         <a:spcBef>
           <a:spcPct val="20000"/>
         </a:spcBef>
-        <a:buFont typeface="Arial" pitchFamily="34" charset="0"/>
+        <a:spcAft>
+          <a:spcPts val="600"/>
+        </a:spcAft>
+        <a:buClr>
+          <a:schemeClr val="accent1"/>
+        </a:buClr>
+        <a:buSzPct val="115000"/>
+        <a:buFont typeface="Arial"/>
         <a:buChar char="•"/>
-        <a:defRPr sz="2000" kern="1200">
+        <a:defRPr sz="1400" kern="1200" cap="none">
           <a:solidFill>
-            <a:schemeClr val="tx1"/>
+            <a:schemeClr val="tx1">
+              <a:lumMod val="85000"/>
+              <a:lumOff val="15000"/>
+            </a:schemeClr>
           </a:solidFill>
+          <a:effectLst/>
           <a:latin typeface="+mn-lt"/>
           <a:ea typeface="+mn-ea"/>
           <a:cs typeface="+mn-cs"/>
         </a:defRPr>
       </a:lvl8pPr>
-      <a:lvl9pPr marL="3886200" indent="-228600" algn="l" defTabSz="914400" rtl="0" eaLnBrk="1" latinLnBrk="0" hangingPunct="1">
+      <a:lvl9pPr marL="3886200" indent="-228600" algn="l" defTabSz="457200" rtl="0" eaLnBrk="1" latinLnBrk="0" hangingPunct="1">
         <a:spcBef>
           <a:spcPct val="20000"/>
         </a:spcBef>
-        <a:buFont typeface="Arial" pitchFamily="34" charset="0"/>
+        <a:spcAft>
+          <a:spcPts val="600"/>
+        </a:spcAft>
+        <a:buClr>
+          <a:schemeClr val="accent1"/>
+        </a:buClr>
+        <a:buSzPct val="115000"/>
+        <a:buFont typeface="Arial"/>
         <a:buChar char="•"/>
-        <a:defRPr sz="2000" kern="1200">
+        <a:defRPr sz="1400" kern="1200" cap="none">
           <a:solidFill>
-            <a:schemeClr val="tx1"/>
+            <a:schemeClr val="tx1">
+              <a:lumMod val="85000"/>
+              <a:lumOff val="15000"/>
+            </a:schemeClr>
           </a:solidFill>
+          <a:effectLst/>
           <a:latin typeface="+mn-lt"/>
           <a:ea typeface="+mn-ea"/>
           <a:cs typeface="+mn-cs"/>
@@ -2926,7 +5782,7 @@
       <a:defPPr>
         <a:defRPr lang="en-US"/>
       </a:defPPr>
-      <a:lvl1pPr marL="0" algn="l" defTabSz="914400" rtl="0" eaLnBrk="1" latinLnBrk="0" hangingPunct="1">
+      <a:lvl1pPr marL="0" algn="l" defTabSz="457200" rtl="0" eaLnBrk="1" latinLnBrk="0" hangingPunct="1">
         <a:defRPr sz="1800" kern="1200">
           <a:solidFill>
             <a:schemeClr val="tx1"/>
@@ -2936,7 +5792,7 @@
           <a:cs typeface="+mn-cs"/>
         </a:defRPr>
       </a:lvl1pPr>
-      <a:lvl2pPr marL="457200" algn="l" defTabSz="914400" rtl="0" eaLnBrk="1" latinLnBrk="0" hangingPunct="1">
+      <a:lvl2pPr marL="457200" algn="l" defTabSz="457200" rtl="0" eaLnBrk="1" latinLnBrk="0" hangingPunct="1">
         <a:defRPr sz="1800" kern="1200">
           <a:solidFill>
             <a:schemeClr val="tx1"/>
@@ -2946,7 +5802,7 @@
           <a:cs typeface="+mn-cs"/>
         </a:defRPr>
       </a:lvl2pPr>
-      <a:lvl3pPr marL="914400" algn="l" defTabSz="914400" rtl="0" eaLnBrk="1" latinLnBrk="0" hangingPunct="1">
+      <a:lvl3pPr marL="914400" algn="l" defTabSz="457200" rtl="0" eaLnBrk="1" latinLnBrk="0" hangingPunct="1">
         <a:defRPr sz="1800" kern="1200">
           <a:solidFill>
             <a:schemeClr val="tx1"/>
@@ -2956,7 +5812,7 @@
           <a:cs typeface="+mn-cs"/>
         </a:defRPr>
       </a:lvl3pPr>
-      <a:lvl4pPr marL="1371600" algn="l" defTabSz="914400" rtl="0" eaLnBrk="1" latinLnBrk="0" hangingPunct="1">
+      <a:lvl4pPr marL="1371600" algn="l" defTabSz="457200" rtl="0" eaLnBrk="1" latinLnBrk="0" hangingPunct="1">
         <a:defRPr sz="1800" kern="1200">
           <a:solidFill>
             <a:schemeClr val="tx1"/>
@@ -2966,7 +5822,7 @@
           <a:cs typeface="+mn-cs"/>
         </a:defRPr>
       </a:lvl4pPr>
-      <a:lvl5pPr marL="1828800" algn="l" defTabSz="914400" rtl="0" eaLnBrk="1" latinLnBrk="0" hangingPunct="1">
+      <a:lvl5pPr marL="1828800" algn="l" defTabSz="457200" rtl="0" eaLnBrk="1" latinLnBrk="0" hangingPunct="1">
         <a:defRPr sz="1800" kern="1200">
           <a:solidFill>
             <a:schemeClr val="tx1"/>
@@ -2976,7 +5832,7 @@
           <a:cs typeface="+mn-cs"/>
         </a:defRPr>
       </a:lvl5pPr>
-      <a:lvl6pPr marL="2286000" algn="l" defTabSz="914400" rtl="0" eaLnBrk="1" latinLnBrk="0" hangingPunct="1">
+      <a:lvl6pPr marL="2286000" algn="l" defTabSz="457200" rtl="0" eaLnBrk="1" latinLnBrk="0" hangingPunct="1">
         <a:defRPr sz="1800" kern="1200">
           <a:solidFill>
             <a:schemeClr val="tx1"/>
@@ -2986,7 +5842,7 @@
           <a:cs typeface="+mn-cs"/>
         </a:defRPr>
       </a:lvl6pPr>
-      <a:lvl7pPr marL="2743200" algn="l" defTabSz="914400" rtl="0" eaLnBrk="1" latinLnBrk="0" hangingPunct="1">
+      <a:lvl7pPr marL="2743200" algn="l" defTabSz="457200" rtl="0" eaLnBrk="1" latinLnBrk="0" hangingPunct="1">
         <a:defRPr sz="1800" kern="1200">
           <a:solidFill>
             <a:schemeClr val="tx1"/>
@@ -2996,7 +5852,7 @@
           <a:cs typeface="+mn-cs"/>
         </a:defRPr>
       </a:lvl7pPr>
-      <a:lvl8pPr marL="3200400" algn="l" defTabSz="914400" rtl="0" eaLnBrk="1" latinLnBrk="0" hangingPunct="1">
+      <a:lvl8pPr marL="3200400" algn="l" defTabSz="457200" rtl="0" eaLnBrk="1" latinLnBrk="0" hangingPunct="1">
         <a:defRPr sz="1800" kern="1200">
           <a:solidFill>
             <a:schemeClr val="tx1"/>
@@ -3006,7 +5862,7 @@
           <a:cs typeface="+mn-cs"/>
         </a:defRPr>
       </a:lvl8pPr>
-      <a:lvl9pPr marL="3657600" algn="l" defTabSz="914400" rtl="0" eaLnBrk="1" latinLnBrk="0" hangingPunct="1">
+      <a:lvl9pPr marL="3657600" algn="l" defTabSz="457200" rtl="0" eaLnBrk="1" latinLnBrk="0" hangingPunct="1">
         <a:defRPr sz="1800" kern="1200">
           <a:solidFill>
             <a:schemeClr val="tx1"/>
@@ -3040,348 +5896,195 @@
       </p:grpSpPr>
       <p:sp>
         <p:nvSpPr>
-          <p:cNvPr id="2" name="TextBox 1"/>
-          <p:cNvSpPr txBox="1"/>
-          <p:nvPr/>
-        </p:nvSpPr>
-        <p:spPr>
-          <a:xfrm>
-            <a:off x="2214546" y="1000108"/>
-            <a:ext cx="4254691" cy="830997"/>
-          </a:xfrm>
-          <a:prstGeom prst="rect">
-            <a:avLst/>
-          </a:prstGeom>
-          <a:noFill/>
-        </p:spPr>
-        <p:txBody>
-          <a:bodyPr wrap="none" rtlCol="0">
-            <a:spAutoFit/>
+          <p:cNvPr id="2" name="Title 1">
+            <a:extLst>
+              <a:ext uri="{FF2B5EF4-FFF2-40B4-BE49-F238E27FC236}">
+                <a16:creationId xmlns:a16="http://schemas.microsoft.com/office/drawing/2014/main" id="{837F4411-E1E7-4E66-B4B1-16C45138FC27}"/>
+              </a:ext>
+            </a:extLst>
+          </p:cNvPr>
+          <p:cNvSpPr>
+            <a:spLocks noGrp="1"/>
+          </p:cNvSpPr>
+          <p:nvPr>
+            <p:ph type="ctrTitle"/>
+          </p:nvPr>
+        </p:nvSpPr>
+        <p:spPr>
+          <a:xfrm>
+            <a:off x="1917567" y="1947295"/>
+            <a:ext cx="5308866" cy="762492"/>
+          </a:xfrm>
+        </p:spPr>
+        <p:txBody>
+          <a:bodyPr/>
+          <a:lstStyle/>
+          <a:p>
+            <a:r>
+              <a:rPr lang="en-IN" dirty="0" err="1"/>
+              <a:t>ConnectBud</a:t>
+            </a:r>
+            <a:endParaRPr lang="en-IN" dirty="0"/>
+          </a:p>
+        </p:txBody>
+      </p:sp>
+      <p:sp>
+        <p:nvSpPr>
+          <p:cNvPr id="3" name="Subtitle 2">
+            <a:extLst>
+              <a:ext uri="{FF2B5EF4-FFF2-40B4-BE49-F238E27FC236}">
+                <a16:creationId xmlns:a16="http://schemas.microsoft.com/office/drawing/2014/main" id="{56D6F880-4ABC-4007-9329-B783605B0DD1}"/>
+              </a:ext>
+            </a:extLst>
+          </p:cNvPr>
+          <p:cNvSpPr>
+            <a:spLocks noGrp="1"/>
+          </p:cNvSpPr>
+          <p:nvPr>
+            <p:ph type="subTitle" idx="1"/>
+          </p:nvPr>
+        </p:nvSpPr>
+        <p:spPr/>
+        <p:txBody>
+          <a:bodyPr>
+            <a:normAutofit fontScale="92500" lnSpcReduction="20000"/>
           </a:bodyPr>
           <a:lstStyle/>
           <a:p>
             <a:r>
-              <a:rPr lang="en-IN" sz="4800" b="1" dirty="0" smtClean="0">
-                <a:latin typeface="Times New Roman" pitchFamily="18" charset="0"/>
-                <a:cs typeface="Times New Roman" pitchFamily="18" charset="0"/>
-              </a:rPr>
-              <a:t>What is HTML</a:t>
-            </a:r>
-            <a:endParaRPr lang="en-US" sz="4800" b="1" dirty="0">
-              <a:latin typeface="Times New Roman" pitchFamily="18" charset="0"/>
-              <a:cs typeface="Times New Roman" pitchFamily="18" charset="0"/>
-            </a:endParaRPr>
-          </a:p>
-        </p:txBody>
-      </p:sp>
-      <p:sp>
-        <p:nvSpPr>
-          <p:cNvPr id="3" name="TextBox 2"/>
-          <p:cNvSpPr txBox="1"/>
-          <p:nvPr/>
-        </p:nvSpPr>
-        <p:spPr>
-          <a:xfrm>
-            <a:off x="857224" y="2071678"/>
-            <a:ext cx="7500991" cy="3693319"/>
-          </a:xfrm>
-          <a:prstGeom prst="rect">
-            <a:avLst/>
-          </a:prstGeom>
-          <a:noFill/>
-        </p:spPr>
-        <p:txBody>
-          <a:bodyPr wrap="square" rtlCol="0">
-            <a:spAutoFit/>
+              <a:rPr lang="en-IN" sz="2800" u="sng" dirty="0"/>
+              <a:t>Basics of Web App Development</a:t>
+            </a:r>
+          </a:p>
+          <a:p>
+            <a:r>
+              <a:rPr lang="en-IN" sz="2800" b="1" dirty="0"/>
+              <a:t>Class 1</a:t>
+            </a:r>
+          </a:p>
+          <a:p>
+            <a:r>
+              <a:rPr lang="en-IN" sz="2800" dirty="0"/>
+              <a:t>By: Rahul Joshi</a:t>
+            </a:r>
+            <a:endParaRPr lang="en-IN" dirty="0"/>
+          </a:p>
+        </p:txBody>
+      </p:sp>
+    </p:spTree>
+    <p:extLst>
+      <p:ext uri="{BB962C8B-B14F-4D97-AF65-F5344CB8AC3E}">
+        <p14:creationId xmlns:p14="http://schemas.microsoft.com/office/powerpoint/2010/main" val="2729755265"/>
+      </p:ext>
+    </p:extLst>
+  </p:cSld>
+  <p:clrMapOvr>
+    <a:masterClrMapping/>
+  </p:clrMapOvr>
+</p:sld>
+</file>
+
+<file path=ppt/slides/slide10.xml><?xml version="1.0" encoding="utf-8"?>
+<p:sld xmlns:a="http://schemas.openxmlformats.org/drawingml/2006/main" xmlns:r="http://schemas.openxmlformats.org/officeDocument/2006/relationships" xmlns:p="http://schemas.openxmlformats.org/presentationml/2006/main">
+  <p:cSld>
+    <p:spTree>
+      <p:nvGrpSpPr>
+        <p:cNvPr id="1" name=""/>
+        <p:cNvGrpSpPr/>
+        <p:nvPr/>
+      </p:nvGrpSpPr>
+      <p:grpSpPr>
+        <a:xfrm>
+          <a:off x="0" y="0"/>
+          <a:ext cx="0" cy="0"/>
+          <a:chOff x="0" y="0"/>
+          <a:chExt cx="0" cy="0"/>
+        </a:xfrm>
+      </p:grpSpPr>
+      <p:sp>
+        <p:nvSpPr>
+          <p:cNvPr id="2" name="Title 1">
+            <a:extLst>
+              <a:ext uri="{FF2B5EF4-FFF2-40B4-BE49-F238E27FC236}">
+                <a16:creationId xmlns:a16="http://schemas.microsoft.com/office/drawing/2014/main" id="{C8F4319C-57FD-4654-911C-5155CE9B97EA}"/>
+              </a:ext>
+            </a:extLst>
+          </p:cNvPr>
+          <p:cNvSpPr>
+            <a:spLocks noGrp="1"/>
+          </p:cNvSpPr>
+          <p:nvPr>
+            <p:ph type="ctrTitle"/>
+          </p:nvPr>
+        </p:nvSpPr>
+        <p:spPr/>
+        <p:txBody>
+          <a:bodyPr/>
+          <a:lstStyle/>
+          <a:p>
+            <a:r>
+              <a:rPr lang="en-IN" dirty="0"/>
+              <a:t>End</a:t>
+            </a:r>
+          </a:p>
+        </p:txBody>
+      </p:sp>
+      <p:sp>
+        <p:nvSpPr>
+          <p:cNvPr id="3" name="Subtitle 2">
+            <a:extLst>
+              <a:ext uri="{FF2B5EF4-FFF2-40B4-BE49-F238E27FC236}">
+                <a16:creationId xmlns:a16="http://schemas.microsoft.com/office/drawing/2014/main" id="{DF86EA55-4673-4922-9423-8936D0579B37}"/>
+              </a:ext>
+            </a:extLst>
+          </p:cNvPr>
+          <p:cNvSpPr>
+            <a:spLocks noGrp="1"/>
+          </p:cNvSpPr>
+          <p:nvPr>
+            <p:ph type="subTitle" idx="1"/>
+          </p:nvPr>
+        </p:nvSpPr>
+        <p:spPr/>
+        <p:txBody>
+          <a:bodyPr>
+            <a:normAutofit lnSpcReduction="10000"/>
           </a:bodyPr>
           <a:lstStyle/>
           <a:p>
-            <a:pPr>
-              <a:buFont typeface="Arial" pitchFamily="34" charset="0"/>
-              <a:buChar char="•"/>
-            </a:pPr>
-            <a:r>
-              <a:rPr lang="en-US" sz="2400" dirty="0" smtClean="0">
-                <a:solidFill>
-                  <a:schemeClr val="accent5">
-                    <a:lumMod val="50000"/>
-                  </a:schemeClr>
-                </a:solidFill>
-              </a:rPr>
-              <a:t> HTML </a:t>
-            </a:r>
-            <a:r>
-              <a:rPr lang="en-US" sz="2400" dirty="0">
-                <a:solidFill>
-                  <a:schemeClr val="accent5">
-                    <a:lumMod val="50000"/>
-                  </a:schemeClr>
-                </a:solidFill>
-              </a:rPr>
-              <a:t>stands for Hyper Text Markup </a:t>
-            </a:r>
-            <a:r>
-              <a:rPr lang="en-US" sz="2400" dirty="0" smtClean="0">
-                <a:solidFill>
-                  <a:schemeClr val="accent5">
-                    <a:lumMod val="50000"/>
-                  </a:schemeClr>
-                </a:solidFill>
-              </a:rPr>
-              <a:t>Language</a:t>
-            </a:r>
-          </a:p>
-          <a:p>
-            <a:pPr>
-              <a:buFont typeface="Arial" pitchFamily="34" charset="0"/>
-              <a:buChar char="•"/>
-            </a:pPr>
-            <a:r>
-              <a:rPr lang="en-US" sz="2400" dirty="0">
-                <a:solidFill>
-                  <a:schemeClr val="accent5">
-                    <a:lumMod val="50000"/>
-                  </a:schemeClr>
-                </a:solidFill>
-              </a:rPr>
-              <a:t> </a:t>
-            </a:r>
-            <a:r>
-              <a:rPr lang="en-US" sz="2400" dirty="0" smtClean="0">
-                <a:solidFill>
-                  <a:schemeClr val="accent5">
-                    <a:lumMod val="50000"/>
-                  </a:schemeClr>
-                </a:solidFill>
-              </a:rPr>
-              <a:t>HTML </a:t>
-            </a:r>
-            <a:r>
-              <a:rPr lang="en-US" sz="2400" dirty="0">
-                <a:solidFill>
-                  <a:schemeClr val="accent5">
-                    <a:lumMod val="50000"/>
-                  </a:schemeClr>
-                </a:solidFill>
-              </a:rPr>
-              <a:t>is the standard markup language for creating </a:t>
-            </a:r>
-            <a:r>
-              <a:rPr lang="en-US" sz="2400" dirty="0" smtClean="0">
-                <a:solidFill>
-                  <a:schemeClr val="accent5">
-                    <a:lumMod val="50000"/>
-                  </a:schemeClr>
-                </a:solidFill>
-              </a:rPr>
-              <a:t>Web</a:t>
-            </a:r>
-          </a:p>
-          <a:p>
-            <a:r>
-              <a:rPr lang="en-US" sz="2400" dirty="0" smtClean="0">
-                <a:solidFill>
-                  <a:schemeClr val="accent5">
-                    <a:lumMod val="50000"/>
-                  </a:schemeClr>
-                </a:solidFill>
-              </a:rPr>
-              <a:t>      pages.</a:t>
-            </a:r>
-            <a:endParaRPr lang="en-US" sz="2400" dirty="0">
-              <a:solidFill>
-                <a:schemeClr val="accent5">
-                  <a:lumMod val="50000"/>
-                </a:schemeClr>
-              </a:solidFill>
-            </a:endParaRPr>
-          </a:p>
-          <a:p>
-            <a:pPr>
-              <a:buFont typeface="Arial" pitchFamily="34" charset="0"/>
-              <a:buChar char="•"/>
-            </a:pPr>
-            <a:r>
-              <a:rPr lang="en-US" sz="2400" dirty="0" smtClean="0">
-                <a:solidFill>
-                  <a:schemeClr val="accent5">
-                    <a:lumMod val="50000"/>
-                  </a:schemeClr>
-                </a:solidFill>
-              </a:rPr>
-              <a:t> HTML </a:t>
-            </a:r>
-            <a:r>
-              <a:rPr lang="en-US" sz="2400" dirty="0">
-                <a:solidFill>
-                  <a:schemeClr val="accent5">
-                    <a:lumMod val="50000"/>
-                  </a:schemeClr>
-                </a:solidFill>
-              </a:rPr>
-              <a:t>describes the structure of a Web page</a:t>
-            </a:r>
-          </a:p>
-          <a:p>
-            <a:pPr>
-              <a:buFont typeface="Arial" pitchFamily="34" charset="0"/>
-              <a:buChar char="•"/>
-            </a:pPr>
-            <a:r>
-              <a:rPr lang="en-US" sz="2400" dirty="0" smtClean="0">
-                <a:solidFill>
-                  <a:schemeClr val="accent5">
-                    <a:lumMod val="50000"/>
-                  </a:schemeClr>
-                </a:solidFill>
-              </a:rPr>
-              <a:t> HTML </a:t>
-            </a:r>
-            <a:r>
-              <a:rPr lang="en-US" sz="2400" dirty="0">
-                <a:solidFill>
-                  <a:schemeClr val="accent5">
-                    <a:lumMod val="50000"/>
-                  </a:schemeClr>
-                </a:solidFill>
-              </a:rPr>
-              <a:t>consists of a series of elements</a:t>
-            </a:r>
-          </a:p>
-          <a:p>
-            <a:pPr>
-              <a:buFont typeface="Arial" pitchFamily="34" charset="0"/>
-              <a:buChar char="•"/>
-            </a:pPr>
-            <a:r>
-              <a:rPr lang="en-US" sz="2400" dirty="0" smtClean="0">
-                <a:solidFill>
-                  <a:schemeClr val="accent5">
-                    <a:lumMod val="50000"/>
-                  </a:schemeClr>
-                </a:solidFill>
-              </a:rPr>
-              <a:t> HTML </a:t>
-            </a:r>
-            <a:r>
-              <a:rPr lang="en-US" sz="2400" dirty="0">
-                <a:solidFill>
-                  <a:schemeClr val="accent5">
-                    <a:lumMod val="50000"/>
-                  </a:schemeClr>
-                </a:solidFill>
-              </a:rPr>
-              <a:t>elements tell the browser how to display </a:t>
-            </a:r>
-            <a:r>
-              <a:rPr lang="en-US" sz="2400" dirty="0" smtClean="0">
-                <a:solidFill>
-                  <a:schemeClr val="accent5">
-                    <a:lumMod val="50000"/>
-                  </a:schemeClr>
-                </a:solidFill>
-              </a:rPr>
-              <a:t>the</a:t>
-            </a:r>
-          </a:p>
-          <a:p>
-            <a:r>
-              <a:rPr lang="en-US" sz="2400" dirty="0" smtClean="0">
-                <a:solidFill>
-                  <a:schemeClr val="accent5">
-                    <a:lumMod val="50000"/>
-                  </a:schemeClr>
-                </a:solidFill>
-              </a:rPr>
-              <a:t>    content.</a:t>
-            </a:r>
-            <a:endParaRPr lang="en-US" sz="2400" dirty="0">
-              <a:solidFill>
-                <a:schemeClr val="accent5">
-                  <a:lumMod val="50000"/>
-                </a:schemeClr>
-              </a:solidFill>
-            </a:endParaRPr>
-          </a:p>
-          <a:p>
-            <a:pPr>
-              <a:buFont typeface="Arial" pitchFamily="34" charset="0"/>
-              <a:buChar char="•"/>
-            </a:pPr>
-            <a:r>
-              <a:rPr lang="en-US" sz="2400" dirty="0" smtClean="0">
-                <a:solidFill>
-                  <a:schemeClr val="accent5">
-                    <a:lumMod val="50000"/>
-                  </a:schemeClr>
-                </a:solidFill>
-              </a:rPr>
-              <a:t> HTML </a:t>
-            </a:r>
-            <a:r>
-              <a:rPr lang="en-US" sz="2400" dirty="0">
-                <a:solidFill>
-                  <a:schemeClr val="accent5">
-                    <a:lumMod val="50000"/>
-                  </a:schemeClr>
-                </a:solidFill>
-              </a:rPr>
-              <a:t>elements label pieces of content such as "this is a </a:t>
-            </a:r>
-            <a:endParaRPr lang="en-US" sz="2400" dirty="0" smtClean="0">
-              <a:solidFill>
-                <a:schemeClr val="accent5">
-                  <a:lumMod val="50000"/>
-                </a:schemeClr>
-              </a:solidFill>
-            </a:endParaRPr>
-          </a:p>
-          <a:p>
-            <a:r>
-              <a:rPr lang="en-US" sz="2400" dirty="0">
-                <a:solidFill>
-                  <a:schemeClr val="accent5">
-                    <a:lumMod val="50000"/>
-                  </a:schemeClr>
-                </a:solidFill>
-              </a:rPr>
-              <a:t> </a:t>
-            </a:r>
-            <a:r>
-              <a:rPr lang="en-US" sz="2400" dirty="0" smtClean="0">
-                <a:solidFill>
-                  <a:schemeClr val="accent5">
-                    <a:lumMod val="50000"/>
-                  </a:schemeClr>
-                </a:solidFill>
-              </a:rPr>
-              <a:t>   heading</a:t>
-            </a:r>
-            <a:r>
-              <a:rPr lang="en-US" sz="2400" dirty="0">
-                <a:solidFill>
-                  <a:schemeClr val="accent5">
-                    <a:lumMod val="50000"/>
-                  </a:schemeClr>
-                </a:solidFill>
-              </a:rPr>
-              <a:t>", "this is a paragraph", "this is a link", etc.</a:t>
-            </a:r>
-          </a:p>
-          <a:p>
-            <a:pPr>
-              <a:buFont typeface="Arial" pitchFamily="34" charset="0"/>
-              <a:buChar char="•"/>
-            </a:pPr>
-            <a:endParaRPr lang="en-US" dirty="0">
-              <a:solidFill>
-                <a:srgbClr val="002060"/>
-              </a:solidFill>
-            </a:endParaRPr>
+            <a:r>
+              <a:rPr lang="en-IN" dirty="0"/>
+              <a:t>For any queries:</a:t>
+            </a:r>
+            <a:br>
+              <a:rPr lang="en-IN" dirty="0"/>
+            </a:br>
+            <a:r>
+              <a:rPr lang="en-IN" dirty="0"/>
+              <a:t>Contact:</a:t>
+            </a:r>
+          </a:p>
+          <a:p>
+            <a:r>
+              <a:rPr lang="en-IN" dirty="0"/>
+              <a:t> Rahul Joshi</a:t>
+            </a:r>
+            <a:br>
+              <a:rPr lang="en-IN" dirty="0"/>
+            </a:br>
+            <a:r>
+              <a:rPr lang="en-IN" dirty="0"/>
+              <a:t>rj26280218@gmail.com</a:t>
+            </a:r>
           </a:p>
         </p:txBody>
       </p:sp>
     </p:spTree>
+    <p:extLst>
+      <p:ext uri="{BB962C8B-B14F-4D97-AF65-F5344CB8AC3E}">
+        <p14:creationId xmlns:p14="http://schemas.microsoft.com/office/powerpoint/2010/main" val="3836758202"/>
+      </p:ext>
+    </p:extLst>
   </p:cSld>
   <p:clrMapOvr>
     <a:masterClrMapping/>
@@ -3406,302 +6109,41 @@
           <a:chExt cx="0" cy="0"/>
         </a:xfrm>
       </p:grpSpPr>
-      <p:sp>
-        <p:nvSpPr>
-          <p:cNvPr id="2" name="TextBox 1"/>
-          <p:cNvSpPr txBox="1"/>
+      <p:pic>
+        <p:nvPicPr>
+          <p:cNvPr id="3" name="Picture 2">
+            <a:extLst>
+              <a:ext uri="{FF2B5EF4-FFF2-40B4-BE49-F238E27FC236}">
+                <a16:creationId xmlns:a16="http://schemas.microsoft.com/office/drawing/2014/main" id="{8F0F3884-DDA0-407F-AFB6-28D51EE44015}"/>
+              </a:ext>
+            </a:extLst>
+          </p:cNvPr>
+          <p:cNvPicPr>
+            <a:picLocks noChangeAspect="1"/>
+          </p:cNvPicPr>
           <p:nvPr/>
-        </p:nvSpPr>
-        <p:spPr>
-          <a:xfrm>
-            <a:off x="785786" y="642918"/>
-            <a:ext cx="2795830" cy="4124206"/>
+        </p:nvPicPr>
+        <p:blipFill rotWithShape="1">
+          <a:blip r:embed="rId2"/>
+          <a:srcRect l="12988" t="8000" r="13776"/>
+          <a:stretch/>
+        </p:blipFill>
+        <p:spPr>
+          <a:xfrm>
+            <a:off x="755576" y="732275"/>
+            <a:ext cx="7632848" cy="5393450"/>
           </a:xfrm>
           <a:prstGeom prst="rect">
             <a:avLst/>
           </a:prstGeom>
-          <a:noFill/>
-        </p:spPr>
-        <p:txBody>
-          <a:bodyPr wrap="none" rtlCol="0">
-            <a:spAutoFit/>
-          </a:bodyPr>
-          <a:lstStyle/>
-          <a:p>
-            <a:r>
-              <a:rPr lang="en-US" sz="2800" b="1" u="sng" dirty="0"/>
-              <a:t>Example</a:t>
-            </a:r>
-          </a:p>
-          <a:p>
-            <a:r>
-              <a:rPr lang="en-US" dirty="0"/>
-              <a:t>&lt;!DOCTYPE html&gt;</a:t>
-            </a:r>
-            <a:br>
-              <a:rPr lang="en-US" dirty="0"/>
-            </a:br>
-            <a:r>
-              <a:rPr lang="en-US" dirty="0"/>
-              <a:t>&lt;html&gt;</a:t>
-            </a:r>
-            <a:br>
-              <a:rPr lang="en-US" dirty="0"/>
-            </a:br>
-            <a:r>
-              <a:rPr lang="en-US" dirty="0"/>
-              <a:t>&lt;head&gt;</a:t>
-            </a:r>
-            <a:br>
-              <a:rPr lang="en-US" dirty="0"/>
-            </a:br>
-            <a:r>
-              <a:rPr lang="en-US" dirty="0"/>
-              <a:t>&lt;title&gt;Page Title&lt;/title&gt;</a:t>
-            </a:r>
-            <a:br>
-              <a:rPr lang="en-US" dirty="0"/>
-            </a:br>
-            <a:r>
-              <a:rPr lang="en-US" dirty="0"/>
-              <a:t>&lt;/head&gt;</a:t>
-            </a:r>
-            <a:br>
-              <a:rPr lang="en-US" dirty="0"/>
-            </a:br>
-            <a:r>
-              <a:rPr lang="en-US" dirty="0"/>
-              <a:t>&lt;body&gt;</a:t>
-            </a:r>
-            <a:br>
-              <a:rPr lang="en-US" dirty="0"/>
-            </a:br>
-            <a:r>
-              <a:rPr lang="en-US" dirty="0"/>
-              <a:t/>
-            </a:r>
-            <a:br>
-              <a:rPr lang="en-US" dirty="0"/>
-            </a:br>
-            <a:r>
-              <a:rPr lang="en-US" dirty="0"/>
-              <a:t>&lt;h1&gt;My First Heading&lt;/h1&gt;</a:t>
-            </a:r>
-            <a:br>
-              <a:rPr lang="en-US" dirty="0"/>
-            </a:br>
-            <a:r>
-              <a:rPr lang="en-US" dirty="0"/>
-              <a:t>&lt;p&gt;My first paragraph.&lt;/p&gt;</a:t>
-            </a:r>
-            <a:br>
-              <a:rPr lang="en-US" dirty="0"/>
-            </a:br>
-            <a:r>
-              <a:rPr lang="en-US" dirty="0"/>
-              <a:t/>
-            </a:r>
-            <a:br>
-              <a:rPr lang="en-US" dirty="0"/>
-            </a:br>
-            <a:r>
-              <a:rPr lang="en-US" dirty="0"/>
-              <a:t>&lt;/body&gt;</a:t>
-            </a:r>
-            <a:br>
-              <a:rPr lang="en-US" dirty="0"/>
-            </a:br>
-            <a:r>
-              <a:rPr lang="en-US" dirty="0"/>
-              <a:t>&lt;/html&gt;</a:t>
-            </a:r>
-          </a:p>
-          <a:p>
-            <a:endParaRPr lang="en-US" dirty="0"/>
-          </a:p>
-        </p:txBody>
-      </p:sp>
-      <p:sp>
-        <p:nvSpPr>
-          <p:cNvPr id="3" name="TextBox 2"/>
-          <p:cNvSpPr txBox="1"/>
-          <p:nvPr/>
-        </p:nvSpPr>
-        <p:spPr>
-          <a:xfrm>
-            <a:off x="5429256" y="857232"/>
-            <a:ext cx="1970411" cy="1569660"/>
-          </a:xfrm>
-          <a:prstGeom prst="rect">
-            <a:avLst/>
-          </a:prstGeom>
-          <a:noFill/>
-        </p:spPr>
-        <p:txBody>
-          <a:bodyPr wrap="none" rtlCol="0">
-            <a:spAutoFit/>
-          </a:bodyPr>
-          <a:lstStyle/>
-          <a:p>
-            <a:r>
-              <a:rPr lang="en-IN" sz="2400" b="1" u="sng" dirty="0" smtClean="0"/>
-              <a:t>Output:</a:t>
-            </a:r>
-          </a:p>
-          <a:p>
-            <a:endParaRPr lang="en-IN" dirty="0" smtClean="0"/>
-          </a:p>
-          <a:p>
-            <a:r>
-              <a:rPr lang="en-US" b="1" dirty="0"/>
-              <a:t>My First Heading</a:t>
-            </a:r>
-          </a:p>
-          <a:p>
-            <a:r>
-              <a:rPr lang="en-US" dirty="0"/>
-              <a:t>My first paragraph.</a:t>
-            </a:r>
-          </a:p>
-          <a:p>
-            <a:endParaRPr lang="en-US" dirty="0"/>
-          </a:p>
-        </p:txBody>
-      </p:sp>
-      <p:sp>
-        <p:nvSpPr>
-          <p:cNvPr id="4" name="TextBox 3"/>
-          <p:cNvSpPr txBox="1"/>
-          <p:nvPr/>
-        </p:nvSpPr>
-        <p:spPr>
-          <a:xfrm>
-            <a:off x="3643306" y="2357430"/>
-            <a:ext cx="5715040" cy="4616648"/>
-          </a:xfrm>
-          <a:prstGeom prst="rect">
-            <a:avLst/>
-          </a:prstGeom>
-          <a:noFill/>
-        </p:spPr>
-        <p:txBody>
-          <a:bodyPr wrap="square" rtlCol="0">
-            <a:spAutoFit/>
-          </a:bodyPr>
-          <a:lstStyle/>
-          <a:p>
-            <a:r>
-              <a:rPr lang="en-US" sz="2400" b="1" u="sng" dirty="0">
-                <a:latin typeface="Times New Roman" pitchFamily="18" charset="0"/>
-                <a:cs typeface="Times New Roman" pitchFamily="18" charset="0"/>
-              </a:rPr>
-              <a:t>Example </a:t>
-            </a:r>
-            <a:r>
-              <a:rPr lang="en-US" sz="2400" b="1" u="sng" dirty="0" smtClean="0">
-                <a:latin typeface="Times New Roman" pitchFamily="18" charset="0"/>
-                <a:cs typeface="Times New Roman" pitchFamily="18" charset="0"/>
-              </a:rPr>
-              <a:t>Explained:</a:t>
-            </a:r>
-            <a:endParaRPr lang="en-US" sz="2400" b="1" u="sng" dirty="0">
-              <a:latin typeface="Times New Roman" pitchFamily="18" charset="0"/>
-              <a:cs typeface="Times New Roman" pitchFamily="18" charset="0"/>
-            </a:endParaRPr>
-          </a:p>
-          <a:p>
-            <a:pPr>
-              <a:buFont typeface="Arial" pitchFamily="34" charset="0"/>
-              <a:buChar char="•"/>
-            </a:pPr>
-            <a:r>
-              <a:rPr lang="en-US" dirty="0"/>
-              <a:t>The &lt;!DOCTYPE html&gt; declaration defines that this document is an HTML5 document</a:t>
-            </a:r>
-          </a:p>
-          <a:p>
-            <a:pPr>
-              <a:buFont typeface="Arial" pitchFamily="34" charset="0"/>
-              <a:buChar char="•"/>
-            </a:pPr>
-            <a:r>
-              <a:rPr lang="en-US" dirty="0"/>
-              <a:t>The &lt;html&gt; element is the root element of an HTML page</a:t>
-            </a:r>
-          </a:p>
-          <a:p>
-            <a:pPr>
-              <a:buFont typeface="Arial" pitchFamily="34" charset="0"/>
-              <a:buChar char="•"/>
-            </a:pPr>
-            <a:r>
-              <a:rPr lang="en-US" dirty="0"/>
-              <a:t>The &lt;head&gt; element contains meta information about the HTML page</a:t>
-            </a:r>
-          </a:p>
-          <a:p>
-            <a:pPr>
-              <a:buFont typeface="Arial" pitchFamily="34" charset="0"/>
-              <a:buChar char="•"/>
-            </a:pPr>
-            <a:r>
-              <a:rPr lang="en-US" dirty="0"/>
-              <a:t>The &lt;title&gt; element specifies a title for the HTML page (which is shown in the browser's title bar or in the page's tab)</a:t>
-            </a:r>
-          </a:p>
-          <a:p>
-            <a:pPr>
-              <a:buFont typeface="Arial" pitchFamily="34" charset="0"/>
-              <a:buChar char="•"/>
-            </a:pPr>
-            <a:r>
-              <a:rPr lang="en-US" dirty="0"/>
-              <a:t>The &lt;body&gt; element defines the document's body, and is a container for all the visible contents, such as headings, paragraphs, images, hyperlinks, tables, lists, etc.</a:t>
-            </a:r>
-          </a:p>
-          <a:p>
-            <a:pPr>
-              <a:buFont typeface="Arial" pitchFamily="34" charset="0"/>
-              <a:buChar char="•"/>
-            </a:pPr>
-            <a:r>
-              <a:rPr lang="en-US" dirty="0"/>
-              <a:t>The &lt;h1&gt; element defines a large </a:t>
-            </a:r>
-            <a:r>
-              <a:rPr lang="en-US" dirty="0" smtClean="0"/>
-              <a:t>heading.</a:t>
-            </a:r>
-            <a:endParaRPr lang="en-US" dirty="0"/>
-          </a:p>
-          <a:p>
-            <a:pPr>
-              <a:buFont typeface="Arial" pitchFamily="34" charset="0"/>
-              <a:buChar char="•"/>
-            </a:pPr>
-            <a:r>
-              <a:rPr lang="en-US" dirty="0"/>
-              <a:t>The &lt;p&gt; element defines a </a:t>
-            </a:r>
-            <a:r>
-              <a:rPr lang="en-US" dirty="0" smtClean="0"/>
-              <a:t>paragraph.</a:t>
-            </a:r>
-            <a:endParaRPr lang="en-US" dirty="0"/>
-          </a:p>
-          <a:p>
-            <a:r>
-              <a:rPr lang="en-US" dirty="0" smtClean="0"/>
-              <a:t/>
-            </a:r>
-            <a:br>
-              <a:rPr lang="en-US" dirty="0" smtClean="0"/>
-            </a:br>
-            <a:endParaRPr lang="en-US" dirty="0"/>
-          </a:p>
-        </p:txBody>
-      </p:sp>
+        </p:spPr>
+      </p:pic>
     </p:spTree>
+    <p:extLst>
+      <p:ext uri="{BB962C8B-B14F-4D97-AF65-F5344CB8AC3E}">
+        <p14:creationId xmlns:p14="http://schemas.microsoft.com/office/powerpoint/2010/main" val="1476506187"/>
+      </p:ext>
+    </p:extLst>
   </p:cSld>
   <p:clrMapOvr>
     <a:masterClrMapping/>
@@ -3728,267 +6170,125 @@
       </p:grpSpPr>
       <p:sp>
         <p:nvSpPr>
-          <p:cNvPr id="2" name="TextBox 1"/>
-          <p:cNvSpPr txBox="1"/>
-          <p:nvPr/>
-        </p:nvSpPr>
-        <p:spPr>
-          <a:xfrm>
-            <a:off x="857224" y="1000108"/>
-            <a:ext cx="7429552" cy="2954655"/>
-          </a:xfrm>
-          <a:prstGeom prst="rect">
-            <a:avLst/>
-          </a:prstGeom>
-          <a:noFill/>
-        </p:spPr>
-        <p:txBody>
-          <a:bodyPr wrap="square" rtlCol="0">
-            <a:spAutoFit/>
+          <p:cNvPr id="2" name="Title 1">
+            <a:extLst>
+              <a:ext uri="{FF2B5EF4-FFF2-40B4-BE49-F238E27FC236}">
+                <a16:creationId xmlns:a16="http://schemas.microsoft.com/office/drawing/2014/main" id="{AC26085C-447A-4EB3-A14C-1289835B51C1}"/>
+              </a:ext>
+            </a:extLst>
+          </p:cNvPr>
+          <p:cNvSpPr>
+            <a:spLocks noGrp="1"/>
+          </p:cNvSpPr>
+          <p:nvPr>
+            <p:ph type="ctrTitle"/>
+          </p:nvPr>
+        </p:nvSpPr>
+        <p:spPr>
+          <a:xfrm>
+            <a:off x="1925382" y="2420888"/>
+            <a:ext cx="5308866" cy="834500"/>
+          </a:xfrm>
+        </p:spPr>
+        <p:txBody>
+          <a:bodyPr/>
+          <a:lstStyle/>
+          <a:p>
+            <a:r>
+              <a:rPr lang="en-IN" u="sng" dirty="0"/>
+              <a:t>Course Overview</a:t>
+            </a:r>
+          </a:p>
+        </p:txBody>
+      </p:sp>
+      <p:sp>
+        <p:nvSpPr>
+          <p:cNvPr id="3" name="Subtitle 2">
+            <a:extLst>
+              <a:ext uri="{FF2B5EF4-FFF2-40B4-BE49-F238E27FC236}">
+                <a16:creationId xmlns:a16="http://schemas.microsoft.com/office/drawing/2014/main" id="{E1CC6EA9-97F8-4CBC-842C-A9A50896B530}"/>
+              </a:ext>
+            </a:extLst>
+          </p:cNvPr>
+          <p:cNvSpPr>
+            <a:spLocks noGrp="1"/>
+          </p:cNvSpPr>
+          <p:nvPr>
+            <p:ph type="subTitle" idx="1"/>
+          </p:nvPr>
+        </p:nvSpPr>
+        <p:spPr>
+          <a:xfrm>
+            <a:off x="1921934" y="3705875"/>
+            <a:ext cx="5308866" cy="1377651"/>
+          </a:xfrm>
+        </p:spPr>
+        <p:txBody>
+          <a:bodyPr>
+            <a:normAutofit fontScale="85000" lnSpcReduction="20000"/>
           </a:bodyPr>
           <a:lstStyle/>
           <a:p>
-            <a:r>
-              <a:rPr lang="en-US" sz="2400" b="1" dirty="0">
-                <a:latin typeface="Times New Roman" pitchFamily="18" charset="0"/>
-                <a:cs typeface="Times New Roman" pitchFamily="18" charset="0"/>
+            <a:pPr algn="l"/>
+            <a:r>
+              <a:rPr lang="en-GB" b="0" i="0" dirty="0">
+                <a:solidFill>
+                  <a:srgbClr val="000000"/>
+                </a:solidFill>
+                <a:effectLst/>
+                <a:latin typeface="Montserrat"/>
               </a:rPr>
-              <a:t>What is an HTML Element</a:t>
-            </a:r>
-            <a:r>
-              <a:rPr lang="en-US" sz="2400" b="1" dirty="0" smtClean="0">
-                <a:latin typeface="Times New Roman" pitchFamily="18" charset="0"/>
-                <a:cs typeface="Times New Roman" pitchFamily="18" charset="0"/>
+              <a:t>Class 1: • Basics of Web App Development </a:t>
+            </a:r>
+          </a:p>
+          <a:p>
+            <a:pPr algn="l"/>
+            <a:r>
+              <a:rPr lang="en-GB" b="0" i="0" dirty="0">
+                <a:solidFill>
+                  <a:srgbClr val="000000"/>
+                </a:solidFill>
+                <a:effectLst/>
+                <a:latin typeface="Montserrat"/>
               </a:rPr>
-              <a:t>?</a:t>
-            </a:r>
-          </a:p>
-          <a:p>
-            <a:endParaRPr lang="en-US" sz="2400" b="1" dirty="0">
-              <a:latin typeface="Times New Roman" pitchFamily="18" charset="0"/>
-              <a:cs typeface="Times New Roman" pitchFamily="18" charset="0"/>
-            </a:endParaRPr>
-          </a:p>
-          <a:p>
-            <a:pPr marL="457200" indent="-457200">
-              <a:buFont typeface="+mj-lt"/>
-              <a:buAutoNum type="arabicPeriod"/>
-            </a:pPr>
-            <a:r>
-              <a:rPr lang="en-US" sz="2000" dirty="0">
-                <a:latin typeface="Times New Roman" pitchFamily="18" charset="0"/>
-                <a:cs typeface="Times New Roman" pitchFamily="18" charset="0"/>
+              <a:t>Class 2: • Advanced CSS and Page Layout </a:t>
+            </a:r>
+          </a:p>
+          <a:p>
+            <a:pPr algn="l"/>
+            <a:r>
+              <a:rPr lang="en-GB" b="0" i="0" dirty="0">
+                <a:solidFill>
+                  <a:srgbClr val="000000"/>
+                </a:solidFill>
+                <a:effectLst/>
+                <a:latin typeface="Montserrat"/>
               </a:rPr>
-              <a:t>An HTML element is defined by a start tag, some content, and an end tag:</a:t>
-            </a:r>
-          </a:p>
-          <a:p>
-            <a:r>
-              <a:rPr lang="en-US" sz="2000" dirty="0" smtClean="0">
-                <a:latin typeface="Times New Roman" pitchFamily="18" charset="0"/>
-                <a:cs typeface="Times New Roman" pitchFamily="18" charset="0"/>
+              <a:t>Class 3: • HTML/CSS Lab and Introduction to Programming</a:t>
+            </a:r>
+          </a:p>
+          <a:p>
+            <a:pPr algn="l"/>
+            <a:r>
+              <a:rPr lang="en-GB" b="0" i="0" dirty="0">
+                <a:solidFill>
+                  <a:srgbClr val="000000"/>
+                </a:solidFill>
+                <a:effectLst/>
+                <a:latin typeface="Montserrat"/>
               </a:rPr>
-              <a:t>          &lt;</a:t>
-            </a:r>
-            <a:r>
-              <a:rPr lang="en-US" sz="2000" dirty="0" err="1">
-                <a:latin typeface="Times New Roman" pitchFamily="18" charset="0"/>
-                <a:cs typeface="Times New Roman" pitchFamily="18" charset="0"/>
-              </a:rPr>
-              <a:t>tagname</a:t>
-            </a:r>
-            <a:r>
-              <a:rPr lang="en-US" sz="2000" dirty="0">
-                <a:latin typeface="Times New Roman" pitchFamily="18" charset="0"/>
-                <a:cs typeface="Times New Roman" pitchFamily="18" charset="0"/>
-              </a:rPr>
-              <a:t>&gt;Content goes here...&lt;/</a:t>
-            </a:r>
-            <a:r>
-              <a:rPr lang="en-US" sz="2000" dirty="0" err="1">
-                <a:latin typeface="Times New Roman" pitchFamily="18" charset="0"/>
-                <a:cs typeface="Times New Roman" pitchFamily="18" charset="0"/>
-              </a:rPr>
-              <a:t>tagname</a:t>
-            </a:r>
-            <a:r>
-              <a:rPr lang="en-US" sz="2000" dirty="0">
-                <a:latin typeface="Times New Roman" pitchFamily="18" charset="0"/>
-                <a:cs typeface="Times New Roman" pitchFamily="18" charset="0"/>
-              </a:rPr>
-              <a:t>&gt;</a:t>
-            </a:r>
-          </a:p>
-          <a:p>
-            <a:pPr marL="457200" indent="-457200"/>
-            <a:r>
-              <a:rPr lang="en-US" sz="2000" dirty="0" smtClean="0">
-                <a:latin typeface="Times New Roman" pitchFamily="18" charset="0"/>
-                <a:cs typeface="Times New Roman" pitchFamily="18" charset="0"/>
-              </a:rPr>
-              <a:t>2.   The </a:t>
-            </a:r>
-            <a:r>
-              <a:rPr lang="en-US" sz="2000" dirty="0">
-                <a:latin typeface="Times New Roman" pitchFamily="18" charset="0"/>
-                <a:cs typeface="Times New Roman" pitchFamily="18" charset="0"/>
-              </a:rPr>
-              <a:t>HTML </a:t>
-            </a:r>
-            <a:r>
-              <a:rPr lang="en-US" sz="2000" b="1" dirty="0">
-                <a:latin typeface="Times New Roman" pitchFamily="18" charset="0"/>
-                <a:cs typeface="Times New Roman" pitchFamily="18" charset="0"/>
-              </a:rPr>
-              <a:t>element</a:t>
-            </a:r>
-            <a:r>
-              <a:rPr lang="en-US" sz="2000" dirty="0">
-                <a:latin typeface="Times New Roman" pitchFamily="18" charset="0"/>
-                <a:cs typeface="Times New Roman" pitchFamily="18" charset="0"/>
-              </a:rPr>
-              <a:t> is everything from the start tag to the end tag:</a:t>
-            </a:r>
-          </a:p>
-          <a:p>
-            <a:pPr>
-              <a:buFont typeface="Arial" pitchFamily="34" charset="0"/>
-              <a:buChar char="•"/>
-            </a:pPr>
-            <a:r>
-              <a:rPr lang="en-US" sz="2000" dirty="0" smtClean="0">
-                <a:latin typeface="Times New Roman" pitchFamily="18" charset="0"/>
-                <a:cs typeface="Times New Roman" pitchFamily="18" charset="0"/>
-              </a:rPr>
-              <a:t>   &lt;</a:t>
-            </a:r>
-            <a:r>
-              <a:rPr lang="en-US" sz="2000" dirty="0">
-                <a:latin typeface="Times New Roman" pitchFamily="18" charset="0"/>
-                <a:cs typeface="Times New Roman" pitchFamily="18" charset="0"/>
-              </a:rPr>
-              <a:t>h1&gt;My First Heading&lt;/h1&gt;</a:t>
-            </a:r>
-          </a:p>
-          <a:p>
-            <a:pPr>
-              <a:buFont typeface="Arial" pitchFamily="34" charset="0"/>
-              <a:buChar char="•"/>
-            </a:pPr>
-            <a:r>
-              <a:rPr lang="en-US" sz="2000" dirty="0" smtClean="0">
-                <a:latin typeface="Times New Roman" pitchFamily="18" charset="0"/>
-                <a:cs typeface="Times New Roman" pitchFamily="18" charset="0"/>
-              </a:rPr>
-              <a:t>    &lt;</a:t>
-            </a:r>
-            <a:r>
-              <a:rPr lang="en-US" sz="2000" dirty="0">
-                <a:latin typeface="Times New Roman" pitchFamily="18" charset="0"/>
-                <a:cs typeface="Times New Roman" pitchFamily="18" charset="0"/>
-              </a:rPr>
-              <a:t>p&gt;My first paragraph.&lt;/p&gt;</a:t>
-            </a:r>
-          </a:p>
-          <a:p>
-            <a:endParaRPr lang="en-US" dirty="0"/>
-          </a:p>
-        </p:txBody>
-      </p:sp>
-      <p:sp>
-        <p:nvSpPr>
-          <p:cNvPr id="3" name="TextBox 2"/>
-          <p:cNvSpPr txBox="1"/>
-          <p:nvPr/>
-        </p:nvSpPr>
-        <p:spPr>
-          <a:xfrm>
-            <a:off x="714348" y="4071942"/>
-            <a:ext cx="8072494" cy="2677656"/>
-          </a:xfrm>
-          <a:prstGeom prst="rect">
-            <a:avLst/>
-          </a:prstGeom>
-          <a:noFill/>
-        </p:spPr>
-        <p:txBody>
-          <a:bodyPr wrap="square" rtlCol="0">
-            <a:spAutoFit/>
-          </a:bodyPr>
-          <a:lstStyle/>
-          <a:p>
-            <a:r>
-              <a:rPr lang="en-US" sz="2400" b="1" dirty="0">
-                <a:latin typeface="Times New Roman" pitchFamily="18" charset="0"/>
-                <a:cs typeface="Times New Roman" pitchFamily="18" charset="0"/>
-              </a:rPr>
-              <a:t>HTML </a:t>
-            </a:r>
-            <a:r>
-              <a:rPr lang="en-US" sz="2400" b="1" dirty="0" smtClean="0">
-                <a:latin typeface="Times New Roman" pitchFamily="18" charset="0"/>
-                <a:cs typeface="Times New Roman" pitchFamily="18" charset="0"/>
-              </a:rPr>
-              <a:t>Headings:</a:t>
-            </a:r>
-            <a:endParaRPr lang="en-US" sz="2400" b="1" dirty="0">
-              <a:latin typeface="Times New Roman" pitchFamily="18" charset="0"/>
-              <a:cs typeface="Times New Roman" pitchFamily="18" charset="0"/>
-            </a:endParaRPr>
-          </a:p>
-          <a:p>
-            <a:pPr>
-              <a:buFont typeface="Arial" pitchFamily="34" charset="0"/>
-              <a:buChar char="•"/>
-            </a:pPr>
-            <a:r>
-              <a:rPr lang="en-US" dirty="0"/>
-              <a:t>HTML headings are defined with the &lt;h1&gt; to &lt;h6&gt; tags.</a:t>
-            </a:r>
-          </a:p>
-          <a:p>
-            <a:pPr>
-              <a:buFont typeface="Arial" pitchFamily="34" charset="0"/>
-              <a:buChar char="•"/>
-            </a:pPr>
-            <a:r>
-              <a:rPr lang="en-US" dirty="0"/>
-              <a:t>&lt;h1&gt; defines the most important heading. &lt;h6&gt; defines the least important heading: </a:t>
-            </a:r>
-          </a:p>
-          <a:p>
-            <a:r>
-              <a:rPr lang="en-US" b="1" dirty="0" smtClean="0"/>
-              <a:t>Example:</a:t>
-            </a:r>
-            <a:endParaRPr lang="en-US" b="1" dirty="0"/>
-          </a:p>
-          <a:p>
-            <a:r>
-              <a:rPr lang="en-US" dirty="0"/>
-              <a:t>&lt;h1&gt;This is heading 1&lt;/h1&gt;</a:t>
-            </a:r>
-            <a:br>
-              <a:rPr lang="en-US" dirty="0"/>
-            </a:br>
-            <a:r>
-              <a:rPr lang="en-US" dirty="0"/>
-              <a:t>&lt;h2&gt;This is heading 2&lt;/h2&gt;</a:t>
-            </a:r>
-            <a:br>
-              <a:rPr lang="en-US" dirty="0"/>
-            </a:br>
-            <a:r>
-              <a:rPr lang="en-US" dirty="0"/>
-              <a:t>&lt;h3&gt;This is heading 3&lt;/h3&gt;</a:t>
-            </a:r>
-          </a:p>
-          <a:p>
-            <a:endParaRPr lang="en-US" dirty="0"/>
+              <a:t>Class 4: • JavaScript Basics and Dev Tools</a:t>
+            </a:r>
+            <a:endParaRPr lang="en-IN" dirty="0"/>
           </a:p>
         </p:txBody>
       </p:sp>
     </p:spTree>
+    <p:extLst>
+      <p:ext uri="{BB962C8B-B14F-4D97-AF65-F5344CB8AC3E}">
+        <p14:creationId xmlns:p14="http://schemas.microsoft.com/office/powerpoint/2010/main" val="2661349699"/>
+      </p:ext>
+    </p:extLst>
   </p:cSld>
   <p:clrMapOvr>
     <a:masterClrMapping/>
@@ -4015,14 +6315,410 @@
       </p:grpSpPr>
       <p:sp>
         <p:nvSpPr>
-          <p:cNvPr id="2" name="TextBox 1"/>
+          <p:cNvPr id="2" name="Rectangle 1">
+            <a:extLst>
+              <a:ext uri="{FF2B5EF4-FFF2-40B4-BE49-F238E27FC236}">
+                <a16:creationId xmlns:a16="http://schemas.microsoft.com/office/drawing/2014/main" id="{8B1D0F31-DC8B-4A27-9AE4-0E0EAB54B827}"/>
+              </a:ext>
+            </a:extLst>
+          </p:cNvPr>
+          <p:cNvSpPr/>
+          <p:nvPr/>
+        </p:nvSpPr>
+        <p:spPr>
+          <a:xfrm>
+            <a:off x="3203848" y="1556792"/>
+            <a:ext cx="2520280" cy="720080"/>
+          </a:xfrm>
+          <a:prstGeom prst="rect">
+            <a:avLst/>
+          </a:prstGeom>
+        </p:spPr>
+        <p:style>
+          <a:lnRef idx="1">
+            <a:schemeClr val="accent1"/>
+          </a:lnRef>
+          <a:fillRef idx="2">
+            <a:schemeClr val="accent1"/>
+          </a:fillRef>
+          <a:effectRef idx="1">
+            <a:schemeClr val="accent1"/>
+          </a:effectRef>
+          <a:fontRef idx="minor">
+            <a:schemeClr val="dk1"/>
+          </a:fontRef>
+        </p:style>
+        <p:txBody>
+          <a:bodyPr rtlCol="0" anchor="ctr"/>
+          <a:lstStyle/>
+          <a:p>
+            <a:pPr algn="ctr"/>
+            <a:r>
+              <a:rPr lang="en-IN" sz="2800" b="1" dirty="0"/>
+              <a:t>Web Page</a:t>
+            </a:r>
+          </a:p>
+          <a:p>
+            <a:pPr algn="ctr"/>
+            <a:r>
+              <a:rPr lang="en-IN" b="1" dirty="0"/>
+              <a:t>Components</a:t>
+            </a:r>
+          </a:p>
+        </p:txBody>
+      </p:sp>
+      <p:cxnSp>
+        <p:nvCxnSpPr>
+          <p:cNvPr id="4" name="Straight Arrow Connector 3">
+            <a:extLst>
+              <a:ext uri="{FF2B5EF4-FFF2-40B4-BE49-F238E27FC236}">
+                <a16:creationId xmlns:a16="http://schemas.microsoft.com/office/drawing/2014/main" id="{F8349A56-AC45-4CCB-B99E-825C8CCDCE17}"/>
+              </a:ext>
+            </a:extLst>
+          </p:cNvPr>
+          <p:cNvCxnSpPr>
+            <a:cxnSpLocks/>
+          </p:cNvCxnSpPr>
+          <p:nvPr/>
+        </p:nvCxnSpPr>
+        <p:spPr>
+          <a:xfrm>
+            <a:off x="4463988" y="2420888"/>
+            <a:ext cx="19254" cy="720080"/>
+          </a:xfrm>
+          <a:prstGeom prst="straightConnector1">
+            <a:avLst/>
+          </a:prstGeom>
+          <a:ln>
+            <a:tailEnd type="triangle"/>
+          </a:ln>
+        </p:spPr>
+        <p:style>
+          <a:lnRef idx="1">
+            <a:schemeClr val="accent1"/>
+          </a:lnRef>
+          <a:fillRef idx="0">
+            <a:schemeClr val="accent1"/>
+          </a:fillRef>
+          <a:effectRef idx="0">
+            <a:schemeClr val="accent1"/>
+          </a:effectRef>
+          <a:fontRef idx="minor">
+            <a:schemeClr val="tx1"/>
+          </a:fontRef>
+        </p:style>
+      </p:cxnSp>
+      <p:cxnSp>
+        <p:nvCxnSpPr>
+          <p:cNvPr id="6" name="Straight Connector 5">
+            <a:extLst>
+              <a:ext uri="{FF2B5EF4-FFF2-40B4-BE49-F238E27FC236}">
+                <a16:creationId xmlns:a16="http://schemas.microsoft.com/office/drawing/2014/main" id="{005247EF-8EE8-4854-90C5-9243AAE7F2C6}"/>
+              </a:ext>
+            </a:extLst>
+          </p:cNvPr>
+          <p:cNvCxnSpPr/>
+          <p:nvPr/>
+        </p:nvCxnSpPr>
+        <p:spPr>
+          <a:xfrm>
+            <a:off x="1547664" y="3140968"/>
+            <a:ext cx="5904656" cy="0"/>
+          </a:xfrm>
+          <a:prstGeom prst="line">
+            <a:avLst/>
+          </a:prstGeom>
+        </p:spPr>
+        <p:style>
+          <a:lnRef idx="1">
+            <a:schemeClr val="accent1"/>
+          </a:lnRef>
+          <a:fillRef idx="0">
+            <a:schemeClr val="accent1"/>
+          </a:fillRef>
+          <a:effectRef idx="0">
+            <a:schemeClr val="accent1"/>
+          </a:effectRef>
+          <a:fontRef idx="minor">
+            <a:schemeClr val="tx1"/>
+          </a:fontRef>
+        </p:style>
+      </p:cxnSp>
+      <p:cxnSp>
+        <p:nvCxnSpPr>
+          <p:cNvPr id="8" name="Straight Arrow Connector 7">
+            <a:extLst>
+              <a:ext uri="{FF2B5EF4-FFF2-40B4-BE49-F238E27FC236}">
+                <a16:creationId xmlns:a16="http://schemas.microsoft.com/office/drawing/2014/main" id="{A22553AC-28FE-45C0-B132-517065545E7D}"/>
+              </a:ext>
+            </a:extLst>
+          </p:cNvPr>
+          <p:cNvCxnSpPr/>
+          <p:nvPr/>
+        </p:nvCxnSpPr>
+        <p:spPr>
+          <a:xfrm>
+            <a:off x="1547664" y="3212976"/>
+            <a:ext cx="0" cy="576064"/>
+          </a:xfrm>
+          <a:prstGeom prst="straightConnector1">
+            <a:avLst/>
+          </a:prstGeom>
+          <a:ln>
+            <a:tailEnd type="triangle"/>
+          </a:ln>
+        </p:spPr>
+        <p:style>
+          <a:lnRef idx="1">
+            <a:schemeClr val="accent1"/>
+          </a:lnRef>
+          <a:fillRef idx="0">
+            <a:schemeClr val="accent1"/>
+          </a:fillRef>
+          <a:effectRef idx="0">
+            <a:schemeClr val="accent1"/>
+          </a:effectRef>
+          <a:fontRef idx="minor">
+            <a:schemeClr val="tx1"/>
+          </a:fontRef>
+        </p:style>
+      </p:cxnSp>
+      <p:cxnSp>
+        <p:nvCxnSpPr>
+          <p:cNvPr id="9" name="Straight Arrow Connector 8">
+            <a:extLst>
+              <a:ext uri="{FF2B5EF4-FFF2-40B4-BE49-F238E27FC236}">
+                <a16:creationId xmlns:a16="http://schemas.microsoft.com/office/drawing/2014/main" id="{0316469A-9402-4B5E-BF4E-F736EF94A5E7}"/>
+              </a:ext>
+            </a:extLst>
+          </p:cNvPr>
+          <p:cNvCxnSpPr/>
+          <p:nvPr/>
+        </p:nvCxnSpPr>
+        <p:spPr>
+          <a:xfrm>
+            <a:off x="4480738" y="3212976"/>
+            <a:ext cx="0" cy="576064"/>
+          </a:xfrm>
+          <a:prstGeom prst="straightConnector1">
+            <a:avLst/>
+          </a:prstGeom>
+          <a:ln>
+            <a:tailEnd type="triangle"/>
+          </a:ln>
+        </p:spPr>
+        <p:style>
+          <a:lnRef idx="1">
+            <a:schemeClr val="accent1"/>
+          </a:lnRef>
+          <a:fillRef idx="0">
+            <a:schemeClr val="accent1"/>
+          </a:fillRef>
+          <a:effectRef idx="0">
+            <a:schemeClr val="accent1"/>
+          </a:effectRef>
+          <a:fontRef idx="minor">
+            <a:schemeClr val="tx1"/>
+          </a:fontRef>
+        </p:style>
+      </p:cxnSp>
+      <p:cxnSp>
+        <p:nvCxnSpPr>
+          <p:cNvPr id="10" name="Straight Arrow Connector 9">
+            <a:extLst>
+              <a:ext uri="{FF2B5EF4-FFF2-40B4-BE49-F238E27FC236}">
+                <a16:creationId xmlns:a16="http://schemas.microsoft.com/office/drawing/2014/main" id="{1BBEF704-8A24-4527-8BA6-EBC53745EAC0}"/>
+              </a:ext>
+            </a:extLst>
+          </p:cNvPr>
+          <p:cNvCxnSpPr/>
+          <p:nvPr/>
+        </p:nvCxnSpPr>
+        <p:spPr>
+          <a:xfrm>
+            <a:off x="7452320" y="3215907"/>
+            <a:ext cx="0" cy="576064"/>
+          </a:xfrm>
+          <a:prstGeom prst="straightConnector1">
+            <a:avLst/>
+          </a:prstGeom>
+          <a:ln>
+            <a:tailEnd type="triangle"/>
+          </a:ln>
+        </p:spPr>
+        <p:style>
+          <a:lnRef idx="1">
+            <a:schemeClr val="accent1"/>
+          </a:lnRef>
+          <a:fillRef idx="0">
+            <a:schemeClr val="accent1"/>
+          </a:fillRef>
+          <a:effectRef idx="0">
+            <a:schemeClr val="accent1"/>
+          </a:effectRef>
+          <a:fontRef idx="minor">
+            <a:schemeClr val="tx1"/>
+          </a:fontRef>
+        </p:style>
+      </p:cxnSp>
+      <p:sp>
+        <p:nvSpPr>
+          <p:cNvPr id="11" name="Rectangle 10">
+            <a:extLst>
+              <a:ext uri="{FF2B5EF4-FFF2-40B4-BE49-F238E27FC236}">
+                <a16:creationId xmlns:a16="http://schemas.microsoft.com/office/drawing/2014/main" id="{7A031FC4-3575-486F-8032-FF866F11B788}"/>
+              </a:ext>
+            </a:extLst>
+          </p:cNvPr>
+          <p:cNvSpPr/>
+          <p:nvPr/>
+        </p:nvSpPr>
+        <p:spPr>
+          <a:xfrm>
+            <a:off x="822612" y="3973344"/>
+            <a:ext cx="1877180" cy="720080"/>
+          </a:xfrm>
+          <a:prstGeom prst="rect">
+            <a:avLst/>
+          </a:prstGeom>
+        </p:spPr>
+        <p:style>
+          <a:lnRef idx="1">
+            <a:schemeClr val="accent1"/>
+          </a:lnRef>
+          <a:fillRef idx="2">
+            <a:schemeClr val="accent1"/>
+          </a:fillRef>
+          <a:effectRef idx="1">
+            <a:schemeClr val="accent1"/>
+          </a:effectRef>
+          <a:fontRef idx="minor">
+            <a:schemeClr val="dk1"/>
+          </a:fontRef>
+        </p:style>
+        <p:txBody>
+          <a:bodyPr rtlCol="0" anchor="ctr"/>
+          <a:lstStyle/>
+          <a:p>
+            <a:pPr algn="ctr"/>
+            <a:r>
+              <a:rPr lang="en-IN" dirty="0"/>
+              <a:t>HTML</a:t>
+            </a:r>
+          </a:p>
+        </p:txBody>
+      </p:sp>
+      <p:sp>
+        <p:nvSpPr>
+          <p:cNvPr id="12" name="Rectangle 11">
+            <a:extLst>
+              <a:ext uri="{FF2B5EF4-FFF2-40B4-BE49-F238E27FC236}">
+                <a16:creationId xmlns:a16="http://schemas.microsoft.com/office/drawing/2014/main" id="{5CE34B08-61B9-46F8-A0F5-485143F59074}"/>
+              </a:ext>
+            </a:extLst>
+          </p:cNvPr>
+          <p:cNvSpPr/>
+          <p:nvPr/>
+        </p:nvSpPr>
+        <p:spPr>
+          <a:xfrm>
+            <a:off x="3633410" y="3973344"/>
+            <a:ext cx="1877180" cy="720080"/>
+          </a:xfrm>
+          <a:prstGeom prst="rect">
+            <a:avLst/>
+          </a:prstGeom>
+        </p:spPr>
+        <p:style>
+          <a:lnRef idx="1">
+            <a:schemeClr val="accent1"/>
+          </a:lnRef>
+          <a:fillRef idx="2">
+            <a:schemeClr val="accent1"/>
+          </a:fillRef>
+          <a:effectRef idx="1">
+            <a:schemeClr val="accent1"/>
+          </a:effectRef>
+          <a:fontRef idx="minor">
+            <a:schemeClr val="dk1"/>
+          </a:fontRef>
+        </p:style>
+        <p:txBody>
+          <a:bodyPr rtlCol="0" anchor="ctr"/>
+          <a:lstStyle/>
+          <a:p>
+            <a:pPr algn="ctr"/>
+            <a:r>
+              <a:rPr lang="en-IN" dirty="0"/>
+              <a:t>CSS</a:t>
+            </a:r>
+          </a:p>
+        </p:txBody>
+      </p:sp>
+      <p:sp>
+        <p:nvSpPr>
+          <p:cNvPr id="13" name="Rectangle 12">
+            <a:extLst>
+              <a:ext uri="{FF2B5EF4-FFF2-40B4-BE49-F238E27FC236}">
+                <a16:creationId xmlns:a16="http://schemas.microsoft.com/office/drawing/2014/main" id="{96BA6755-E951-498E-A21B-458459878A33}"/>
+              </a:ext>
+            </a:extLst>
+          </p:cNvPr>
+          <p:cNvSpPr/>
+          <p:nvPr/>
+        </p:nvSpPr>
+        <p:spPr>
+          <a:xfrm>
+            <a:off x="6300192" y="3973344"/>
+            <a:ext cx="1877180" cy="720080"/>
+          </a:xfrm>
+          <a:prstGeom prst="rect">
+            <a:avLst/>
+          </a:prstGeom>
+        </p:spPr>
+        <p:style>
+          <a:lnRef idx="1">
+            <a:schemeClr val="accent1"/>
+          </a:lnRef>
+          <a:fillRef idx="2">
+            <a:schemeClr val="accent1"/>
+          </a:fillRef>
+          <a:effectRef idx="1">
+            <a:schemeClr val="accent1"/>
+          </a:effectRef>
+          <a:fontRef idx="minor">
+            <a:schemeClr val="dk1"/>
+          </a:fontRef>
+        </p:style>
+        <p:txBody>
+          <a:bodyPr rtlCol="0" anchor="ctr"/>
+          <a:lstStyle/>
+          <a:p>
+            <a:pPr algn="ctr"/>
+            <a:r>
+              <a:rPr lang="en-IN" dirty="0" err="1"/>
+              <a:t>Javascript</a:t>
+            </a:r>
+            <a:endParaRPr lang="en-IN" dirty="0"/>
+          </a:p>
+        </p:txBody>
+      </p:sp>
+      <p:sp>
+        <p:nvSpPr>
+          <p:cNvPr id="15" name="TextBox 14">
+            <a:extLst>
+              <a:ext uri="{FF2B5EF4-FFF2-40B4-BE49-F238E27FC236}">
+                <a16:creationId xmlns:a16="http://schemas.microsoft.com/office/drawing/2014/main" id="{E710292F-9128-462E-84FE-4508C8E9DBDB}"/>
+              </a:ext>
+            </a:extLst>
+          </p:cNvPr>
           <p:cNvSpPr txBox="1"/>
           <p:nvPr/>
         </p:nvSpPr>
         <p:spPr>
           <a:xfrm>
-            <a:off x="928662" y="714356"/>
-            <a:ext cx="4714908" cy="1846659"/>
+            <a:off x="971600" y="4869160"/>
+            <a:ext cx="1728192" cy="369332"/>
           </a:xfrm>
           <a:prstGeom prst="rect">
             <a:avLst/>
@@ -4036,155 +6732,204 @@
           <a:lstStyle/>
           <a:p>
             <a:r>
-              <a:rPr lang="en-US" sz="2400" b="1" u="sng" dirty="0">
+              <a:rPr lang="en-IN" dirty="0"/>
+              <a:t>What to display?</a:t>
+            </a:r>
+          </a:p>
+        </p:txBody>
+      </p:sp>
+      <p:sp>
+        <p:nvSpPr>
+          <p:cNvPr id="16" name="TextBox 15">
+            <a:extLst>
+              <a:ext uri="{FF2B5EF4-FFF2-40B4-BE49-F238E27FC236}">
+                <a16:creationId xmlns:a16="http://schemas.microsoft.com/office/drawing/2014/main" id="{348518B6-B224-4821-B8E2-979232B6A540}"/>
+              </a:ext>
+            </a:extLst>
+          </p:cNvPr>
+          <p:cNvSpPr txBox="1"/>
+          <p:nvPr/>
+        </p:nvSpPr>
+        <p:spPr>
+          <a:xfrm>
+            <a:off x="3707904" y="4826126"/>
+            <a:ext cx="1728192" cy="646331"/>
+          </a:xfrm>
+          <a:prstGeom prst="rect">
+            <a:avLst/>
+          </a:prstGeom>
+          <a:noFill/>
+        </p:spPr>
+        <p:txBody>
+          <a:bodyPr wrap="square" rtlCol="0">
+            <a:spAutoFit/>
+          </a:bodyPr>
+          <a:lstStyle/>
+          <a:p>
+            <a:r>
+              <a:rPr lang="en-IN" dirty="0"/>
+              <a:t>How to display?</a:t>
+            </a:r>
+          </a:p>
+          <a:p>
+            <a:r>
+              <a:rPr lang="en-IN" dirty="0"/>
+              <a:t>(designing)</a:t>
+            </a:r>
+          </a:p>
+        </p:txBody>
+      </p:sp>
+      <p:sp>
+        <p:nvSpPr>
+          <p:cNvPr id="17" name="TextBox 16">
+            <a:extLst>
+              <a:ext uri="{FF2B5EF4-FFF2-40B4-BE49-F238E27FC236}">
+                <a16:creationId xmlns:a16="http://schemas.microsoft.com/office/drawing/2014/main" id="{EA9C0F7F-89C5-40D0-9B43-7EFB1D4ABB09}"/>
+              </a:ext>
+            </a:extLst>
+          </p:cNvPr>
+          <p:cNvSpPr txBox="1"/>
+          <p:nvPr/>
+        </p:nvSpPr>
+        <p:spPr>
+          <a:xfrm>
+            <a:off x="6374686" y="4850752"/>
+            <a:ext cx="1728192" cy="646331"/>
+          </a:xfrm>
+          <a:prstGeom prst="rect">
+            <a:avLst/>
+          </a:prstGeom>
+          <a:noFill/>
+        </p:spPr>
+        <p:txBody>
+          <a:bodyPr wrap="square" rtlCol="0">
+            <a:spAutoFit/>
+          </a:bodyPr>
+          <a:lstStyle/>
+          <a:p>
+            <a:r>
+              <a:rPr lang="en-IN" dirty="0"/>
+              <a:t>When to display?</a:t>
+            </a:r>
+          </a:p>
+          <a:p>
+            <a:r>
+              <a:rPr lang="en-IN" dirty="0"/>
+              <a:t>(Functionalities)</a:t>
+            </a:r>
+          </a:p>
+        </p:txBody>
+      </p:sp>
+    </p:spTree>
+    <p:extLst>
+      <p:ext uri="{BB962C8B-B14F-4D97-AF65-F5344CB8AC3E}">
+        <p14:creationId xmlns:p14="http://schemas.microsoft.com/office/powerpoint/2010/main" val="762763810"/>
+      </p:ext>
+    </p:extLst>
+  </p:cSld>
+  <p:clrMapOvr>
+    <a:masterClrMapping/>
+  </p:clrMapOvr>
+</p:sld>
+</file>
+
+<file path=ppt/slides/slide5.xml><?xml version="1.0" encoding="utf-8"?>
+<p:sld xmlns:a="http://schemas.openxmlformats.org/drawingml/2006/main" xmlns:r="http://schemas.openxmlformats.org/officeDocument/2006/relationships" xmlns:p="http://schemas.openxmlformats.org/presentationml/2006/main">
+  <p:cSld>
+    <p:spTree>
+      <p:nvGrpSpPr>
+        <p:cNvPr id="1" name=""/>
+        <p:cNvGrpSpPr/>
+        <p:nvPr/>
+      </p:nvGrpSpPr>
+      <p:grpSpPr>
+        <a:xfrm>
+          <a:off x="0" y="0"/>
+          <a:ext cx="0" cy="0"/>
+          <a:chOff x="0" y="0"/>
+          <a:chExt cx="0" cy="0"/>
+        </a:xfrm>
+      </p:grpSpPr>
+      <p:sp>
+        <p:nvSpPr>
+          <p:cNvPr id="2" name="TextBox 1"/>
+          <p:cNvSpPr txBox="1"/>
+          <p:nvPr/>
+        </p:nvSpPr>
+        <p:spPr>
+          <a:xfrm>
+            <a:off x="2214546" y="1000108"/>
+            <a:ext cx="4254691" cy="830997"/>
+          </a:xfrm>
+          <a:prstGeom prst="rect">
+            <a:avLst/>
+          </a:prstGeom>
+          <a:noFill/>
+        </p:spPr>
+        <p:txBody>
+          <a:bodyPr wrap="none" rtlCol="0">
+            <a:spAutoFit/>
+          </a:bodyPr>
+          <a:lstStyle/>
+          <a:p>
+            <a:r>
+              <a:rPr lang="en-IN" sz="4800" b="1" dirty="0">
                 <a:latin typeface="Times New Roman" pitchFamily="18" charset="0"/>
                 <a:cs typeface="Times New Roman" pitchFamily="18" charset="0"/>
               </a:rPr>
-              <a:t>HTML </a:t>
-            </a:r>
-            <a:r>
-              <a:rPr lang="en-US" sz="2400" b="1" u="sng" dirty="0" smtClean="0">
-                <a:latin typeface="Times New Roman" pitchFamily="18" charset="0"/>
-                <a:cs typeface="Times New Roman" pitchFamily="18" charset="0"/>
-              </a:rPr>
-              <a:t>Paragraphs:</a:t>
-            </a:r>
-            <a:endParaRPr lang="en-US" sz="2400" b="1" u="sng" dirty="0">
+              <a:t>What is HTML</a:t>
+            </a:r>
+            <a:endParaRPr lang="en-US" sz="4800" b="1" dirty="0">
               <a:latin typeface="Times New Roman" pitchFamily="18" charset="0"/>
               <a:cs typeface="Times New Roman" pitchFamily="18" charset="0"/>
             </a:endParaRPr>
           </a:p>
+        </p:txBody>
+      </p:sp>
+      <p:sp>
+        <p:nvSpPr>
+          <p:cNvPr id="3" name="TextBox 2"/>
+          <p:cNvSpPr txBox="1"/>
+          <p:nvPr/>
+        </p:nvSpPr>
+        <p:spPr>
+          <a:xfrm>
+            <a:off x="857224" y="2071678"/>
+            <a:ext cx="7500991" cy="3416320"/>
+          </a:xfrm>
+          <a:prstGeom prst="rect">
+            <a:avLst/>
+          </a:prstGeom>
+          <a:noFill/>
+        </p:spPr>
+        <p:txBody>
+          <a:bodyPr wrap="square" rtlCol="0">
+            <a:spAutoFit/>
+          </a:bodyPr>
+          <a:lstStyle/>
           <a:p>
             <a:pPr>
               <a:buFont typeface="Arial" pitchFamily="34" charset="0"/>
               <a:buChar char="•"/>
             </a:pPr>
             <a:r>
-              <a:rPr lang="en-US" dirty="0"/>
-              <a:t>HTML paragraphs are defined with the &lt;p&gt; tag:</a:t>
-            </a:r>
-          </a:p>
-          <a:p>
-            <a:r>
-              <a:rPr lang="en-US" b="1" dirty="0"/>
-              <a:t>Example</a:t>
-            </a:r>
-          </a:p>
-          <a:p>
-            <a:r>
-              <a:rPr lang="en-US" dirty="0"/>
-              <a:t>&lt;p&gt;This is a paragraph.&lt;/p&gt;</a:t>
-            </a:r>
-            <a:br>
-              <a:rPr lang="en-US" dirty="0"/>
-            </a:br>
-            <a:r>
-              <a:rPr lang="en-US" dirty="0"/>
-              <a:t>&lt;p&gt;This is another paragraph.&lt;/p&gt;</a:t>
-            </a:r>
-          </a:p>
-          <a:p>
-            <a:endParaRPr lang="en-US" dirty="0"/>
-          </a:p>
-        </p:txBody>
-      </p:sp>
-      <p:sp>
-        <p:nvSpPr>
-          <p:cNvPr id="3" name="TextBox 2"/>
-          <p:cNvSpPr txBox="1"/>
-          <p:nvPr/>
-        </p:nvSpPr>
-        <p:spPr>
-          <a:xfrm>
-            <a:off x="5786446" y="571480"/>
-            <a:ext cx="2928958" cy="1938992"/>
-          </a:xfrm>
-          <a:prstGeom prst="rect">
-            <a:avLst/>
-          </a:prstGeom>
-          <a:noFill/>
-        </p:spPr>
-        <p:txBody>
-          <a:bodyPr wrap="square" rtlCol="0">
-            <a:spAutoFit/>
-          </a:bodyPr>
-          <a:lstStyle/>
-          <a:p>
-            <a:r>
-              <a:rPr lang="en-IN" sz="2400" b="1" dirty="0" smtClean="0">
-                <a:latin typeface="Times New Roman" pitchFamily="18" charset="0"/>
-                <a:cs typeface="Times New Roman" pitchFamily="18" charset="0"/>
+              <a:rPr lang="en-US" sz="2400" dirty="0">
+                <a:solidFill>
+                  <a:schemeClr val="accent5">
+                    <a:lumMod val="50000"/>
+                  </a:schemeClr>
+                </a:solidFill>
               </a:rPr>
-              <a:t>Output:</a:t>
-            </a:r>
-            <a:endParaRPr lang="en-US" sz="2400" b="1" dirty="0" smtClean="0">
-              <a:latin typeface="Times New Roman" pitchFamily="18" charset="0"/>
-              <a:cs typeface="Times New Roman" pitchFamily="18" charset="0"/>
-            </a:endParaRPr>
-          </a:p>
-          <a:p>
-            <a:r>
-              <a:rPr lang="en-US" sz="2400" dirty="0" smtClean="0"/>
-              <a:t>This </a:t>
-            </a:r>
-            <a:r>
-              <a:rPr lang="en-US" sz="2400" dirty="0"/>
-              <a:t>is a paragraph.</a:t>
-            </a:r>
-          </a:p>
-          <a:p>
-            <a:r>
-              <a:rPr lang="en-US" sz="2400" dirty="0"/>
-              <a:t>This is another paragraph.</a:t>
-            </a:r>
-          </a:p>
-          <a:p>
-            <a:endParaRPr lang="en-US" sz="2400" b="1" dirty="0">
-              <a:latin typeface="Times New Roman" pitchFamily="18" charset="0"/>
-              <a:cs typeface="Times New Roman" pitchFamily="18" charset="0"/>
-            </a:endParaRPr>
-          </a:p>
-        </p:txBody>
-      </p:sp>
-      <p:sp>
-        <p:nvSpPr>
-          <p:cNvPr id="4" name="TextBox 3"/>
-          <p:cNvSpPr txBox="1"/>
-          <p:nvPr/>
-        </p:nvSpPr>
-        <p:spPr>
-          <a:xfrm>
-            <a:off x="642910" y="2571744"/>
-            <a:ext cx="5789310" cy="1569660"/>
-          </a:xfrm>
-          <a:prstGeom prst="rect">
-            <a:avLst/>
-          </a:prstGeom>
-          <a:noFill/>
-        </p:spPr>
-        <p:txBody>
-          <a:bodyPr wrap="square" rtlCol="0">
-            <a:spAutoFit/>
-          </a:bodyPr>
-          <a:lstStyle/>
-          <a:p>
-            <a:r>
-              <a:rPr lang="en-US" sz="2400" b="1" dirty="0">
-                <a:latin typeface="Times New Roman" pitchFamily="18" charset="0"/>
-                <a:cs typeface="Times New Roman" pitchFamily="18" charset="0"/>
-              </a:rPr>
-              <a:t>HTML </a:t>
-            </a:r>
-            <a:r>
-              <a:rPr lang="en-US" sz="2400" b="1" dirty="0" smtClean="0">
-                <a:latin typeface="Times New Roman" pitchFamily="18" charset="0"/>
-                <a:cs typeface="Times New Roman" pitchFamily="18" charset="0"/>
-              </a:rPr>
-              <a:t>Links:</a:t>
-            </a:r>
-            <a:endParaRPr lang="en-US" sz="2400" b="1" dirty="0">
-              <a:latin typeface="Times New Roman" pitchFamily="18" charset="0"/>
-              <a:cs typeface="Times New Roman" pitchFamily="18" charset="0"/>
+              <a:t> HTML stands for Hyper Text Markup Language</a:t>
+            </a:r>
+          </a:p>
+          <a:p>
+            <a:endParaRPr lang="en-US" sz="2400" dirty="0">
+              <a:solidFill>
+                <a:schemeClr val="accent5">
+                  <a:lumMod val="50000"/>
+                </a:schemeClr>
+              </a:solidFill>
             </a:endParaRPr>
           </a:p>
           <a:p>
@@ -4193,74 +6938,23 @@
               <a:buChar char="•"/>
             </a:pPr>
             <a:r>
-              <a:rPr lang="en-US" dirty="0"/>
-              <a:t>HTML links are defined with the &lt;a&gt; tag:</a:t>
-            </a:r>
-          </a:p>
-          <a:p>
-            <a:r>
-              <a:rPr lang="en-US" b="1" dirty="0"/>
-              <a:t>Example</a:t>
-            </a:r>
-          </a:p>
-          <a:p>
-            <a:r>
-              <a:rPr lang="en-US" dirty="0"/>
-              <a:t>&lt;a </a:t>
-            </a:r>
-            <a:r>
-              <a:rPr lang="en-US" dirty="0" err="1"/>
-              <a:t>href</a:t>
-            </a:r>
-            <a:r>
-              <a:rPr lang="en-US" dirty="0"/>
-              <a:t>="https://www.w3schools.com"&gt;This is a link&lt;/a&gt;</a:t>
-            </a:r>
-          </a:p>
-          <a:p>
-            <a:endParaRPr lang="en-US" dirty="0"/>
-          </a:p>
-        </p:txBody>
-      </p:sp>
-      <p:sp>
-        <p:nvSpPr>
-          <p:cNvPr id="5" name="TextBox 4"/>
-          <p:cNvSpPr txBox="1"/>
-          <p:nvPr/>
-        </p:nvSpPr>
-        <p:spPr>
-          <a:xfrm>
-            <a:off x="714348" y="4643446"/>
-            <a:ext cx="8143932" cy="2123658"/>
-          </a:xfrm>
-          <a:prstGeom prst="rect">
-            <a:avLst/>
-          </a:prstGeom>
-          <a:noFill/>
-        </p:spPr>
-        <p:txBody>
-          <a:bodyPr wrap="square" rtlCol="0">
-            <a:spAutoFit/>
-          </a:bodyPr>
-          <a:lstStyle/>
-          <a:p>
-            <a:r>
-              <a:rPr lang="en-US" sz="2400" b="1" dirty="0">
-                <a:latin typeface="Times New Roman" pitchFamily="18" charset="0"/>
-                <a:cs typeface="Times New Roman" pitchFamily="18" charset="0"/>
+              <a:rPr lang="en-US" sz="2400" dirty="0">
+                <a:solidFill>
+                  <a:schemeClr val="accent5">
+                    <a:lumMod val="50000"/>
+                  </a:schemeClr>
+                </a:solidFill>
               </a:rPr>
-              <a:t>HTML </a:t>
-            </a:r>
-            <a:r>
-              <a:rPr lang="en-US" sz="2400" b="1" dirty="0" smtClean="0">
-                <a:latin typeface="Times New Roman" pitchFamily="18" charset="0"/>
-                <a:cs typeface="Times New Roman" pitchFamily="18" charset="0"/>
-              </a:rPr>
-              <a:t>Images:</a:t>
-            </a:r>
-            <a:endParaRPr lang="en-US" sz="2400" b="1" dirty="0">
-              <a:latin typeface="Times New Roman" pitchFamily="18" charset="0"/>
-              <a:cs typeface="Times New Roman" pitchFamily="18" charset="0"/>
+              <a:t> Used to create Web pages.</a:t>
+            </a:r>
+          </a:p>
+          <a:p>
+            <a:endParaRPr lang="en-US" sz="2400" dirty="0">
+              <a:solidFill>
+                <a:schemeClr val="accent5">
+                  <a:lumMod val="50000"/>
+                </a:schemeClr>
+              </a:solidFill>
             </a:endParaRPr>
           </a:p>
           <a:p>
@@ -4269,17 +6963,24 @@
               <a:buChar char="•"/>
             </a:pPr>
             <a:r>
-              <a:rPr lang="en-US" dirty="0"/>
-              <a:t>HTML images are defined with the &lt;</a:t>
-            </a:r>
-            <a:r>
-              <a:rPr lang="en-US" dirty="0" err="1"/>
-              <a:t>img</a:t>
-            </a:r>
-            <a:r>
-              <a:rPr lang="en-US" dirty="0"/>
-              <a:t>&gt; tag.</a:t>
-            </a:r>
+              <a:rPr lang="en-US" sz="2400" dirty="0">
+                <a:solidFill>
+                  <a:schemeClr val="accent5">
+                    <a:lumMod val="50000"/>
+                  </a:schemeClr>
+                </a:solidFill>
+              </a:rPr>
+              <a:t> It describes the structure of a Web page</a:t>
+            </a:r>
+          </a:p>
+          <a:p>
+            <a:endParaRPr lang="en-US" sz="2400" dirty="0">
+              <a:solidFill>
+                <a:schemeClr val="accent5">
+                  <a:lumMod val="50000"/>
+                </a:schemeClr>
+              </a:solidFill>
+            </a:endParaRPr>
           </a:p>
           <a:p>
             <a:pPr>
@@ -4287,48 +6988,45 @@
               <a:buChar char="•"/>
             </a:pPr>
             <a:r>
-              <a:rPr lang="en-US" dirty="0"/>
-              <a:t>The source file (</a:t>
-            </a:r>
-            <a:r>
-              <a:rPr lang="en-US" dirty="0" err="1"/>
-              <a:t>src</a:t>
-            </a:r>
-            <a:r>
-              <a:rPr lang="en-US" dirty="0"/>
-              <a:t>), alternative text (alt), width, and height are provided as attributes:</a:t>
-            </a:r>
-          </a:p>
-          <a:p>
-            <a:r>
-              <a:rPr lang="en-US" b="1" dirty="0"/>
-              <a:t>Example</a:t>
-            </a:r>
-          </a:p>
-          <a:p>
-            <a:r>
-              <a:rPr lang="en-US" dirty="0"/>
-              <a:t>&lt;</a:t>
-            </a:r>
-            <a:r>
-              <a:rPr lang="en-US" dirty="0" err="1"/>
-              <a:t>img</a:t>
-            </a:r>
-            <a:r>
-              <a:rPr lang="en-US" dirty="0"/>
-              <a:t> </a:t>
-            </a:r>
-            <a:r>
-              <a:rPr lang="en-US" dirty="0" err="1"/>
-              <a:t>src</a:t>
-            </a:r>
-            <a:r>
-              <a:rPr lang="en-US" dirty="0"/>
-              <a:t>="w3schools.jpg" alt="W3Schools.com" width="104" height="142"&gt;</a:t>
-            </a:r>
-          </a:p>
-          <a:p>
-            <a:endParaRPr lang="en-US" dirty="0"/>
+              <a:rPr lang="en-US" sz="2400" dirty="0">
+                <a:solidFill>
+                  <a:schemeClr val="accent5">
+                    <a:lumMod val="50000"/>
+                  </a:schemeClr>
+                </a:solidFill>
+              </a:rPr>
+              <a:t> It consists of a series of elements</a:t>
+            </a:r>
+          </a:p>
+          <a:p>
+            <a:endParaRPr lang="en-US" sz="2400" dirty="0">
+              <a:solidFill>
+                <a:schemeClr val="accent5">
+                  <a:lumMod val="50000"/>
+                </a:schemeClr>
+              </a:solidFill>
+            </a:endParaRPr>
+          </a:p>
+          <a:p>
+            <a:pPr>
+              <a:buFont typeface="Arial" pitchFamily="34" charset="0"/>
+              <a:buChar char="•"/>
+            </a:pPr>
+            <a:r>
+              <a:rPr lang="en-US" sz="2400" dirty="0">
+                <a:solidFill>
+                  <a:schemeClr val="accent5">
+                    <a:lumMod val="50000"/>
+                  </a:schemeClr>
+                </a:solidFill>
+              </a:rPr>
+              <a:t> HTML elements tell the browser what to display.</a:t>
+            </a:r>
+            <a:endParaRPr lang="en-US" dirty="0">
+              <a:solidFill>
+                <a:srgbClr val="002060"/>
+              </a:solidFill>
+            </a:endParaRPr>
           </a:p>
         </p:txBody>
       </p:sp>
@@ -4340,10 +7038,854 @@
 </p:sld>
 </file>
 
+<file path=ppt/slides/slide6.xml><?xml version="1.0" encoding="utf-8"?>
+<p:sld xmlns:a="http://schemas.openxmlformats.org/drawingml/2006/main" xmlns:r="http://schemas.openxmlformats.org/officeDocument/2006/relationships" xmlns:p="http://schemas.openxmlformats.org/presentationml/2006/main">
+  <p:cSld>
+    <p:spTree>
+      <p:nvGrpSpPr>
+        <p:cNvPr id="1" name=""/>
+        <p:cNvGrpSpPr/>
+        <p:nvPr/>
+      </p:nvGrpSpPr>
+      <p:grpSpPr>
+        <a:xfrm>
+          <a:off x="0" y="0"/>
+          <a:ext cx="0" cy="0"/>
+          <a:chOff x="0" y="0"/>
+          <a:chExt cx="0" cy="0"/>
+        </a:xfrm>
+      </p:grpSpPr>
+      <p:pic>
+        <p:nvPicPr>
+          <p:cNvPr id="3" name="Picture 2">
+            <a:extLst>
+              <a:ext uri="{FF2B5EF4-FFF2-40B4-BE49-F238E27FC236}">
+                <a16:creationId xmlns:a16="http://schemas.microsoft.com/office/drawing/2014/main" id="{0E71C35C-E948-4E41-BCF1-2C0D7BCFF420}"/>
+              </a:ext>
+            </a:extLst>
+          </p:cNvPr>
+          <p:cNvPicPr>
+            <a:picLocks noChangeAspect="1"/>
+          </p:cNvPicPr>
+          <p:nvPr/>
+        </p:nvPicPr>
+        <p:blipFill>
+          <a:blip r:embed="rId2"/>
+          <a:stretch>
+            <a:fillRect/>
+          </a:stretch>
+        </p:blipFill>
+        <p:spPr>
+          <a:xfrm>
+            <a:off x="593812" y="1916832"/>
+            <a:ext cx="7956376" cy="4331506"/>
+          </a:xfrm>
+          <a:prstGeom prst="rect">
+            <a:avLst/>
+          </a:prstGeom>
+        </p:spPr>
+      </p:pic>
+      <p:sp>
+        <p:nvSpPr>
+          <p:cNvPr id="4" name="Rectangle 3">
+            <a:extLst>
+              <a:ext uri="{FF2B5EF4-FFF2-40B4-BE49-F238E27FC236}">
+                <a16:creationId xmlns:a16="http://schemas.microsoft.com/office/drawing/2014/main" id="{327B32F9-D5E5-4330-97C9-9C6BD3C74F25}"/>
+              </a:ext>
+            </a:extLst>
+          </p:cNvPr>
+          <p:cNvSpPr/>
+          <p:nvPr/>
+        </p:nvSpPr>
+        <p:spPr>
+          <a:xfrm>
+            <a:off x="1691680" y="836712"/>
+            <a:ext cx="5832648" cy="792088"/>
+          </a:xfrm>
+          <a:prstGeom prst="rect">
+            <a:avLst/>
+          </a:prstGeom>
+        </p:spPr>
+        <p:style>
+          <a:lnRef idx="2">
+            <a:schemeClr val="accent1">
+              <a:shade val="50000"/>
+            </a:schemeClr>
+          </a:lnRef>
+          <a:fillRef idx="1">
+            <a:schemeClr val="accent1"/>
+          </a:fillRef>
+          <a:effectRef idx="0">
+            <a:schemeClr val="accent1"/>
+          </a:effectRef>
+          <a:fontRef idx="minor">
+            <a:schemeClr val="lt1"/>
+          </a:fontRef>
+        </p:style>
+        <p:txBody>
+          <a:bodyPr rtlCol="0" anchor="ctr"/>
+          <a:lstStyle/>
+          <a:p>
+            <a:pPr algn="ctr"/>
+            <a:r>
+              <a:rPr lang="en-IN" sz="3200" b="1" dirty="0"/>
+              <a:t>Structure of HTML document</a:t>
+            </a:r>
+          </a:p>
+        </p:txBody>
+      </p:sp>
+    </p:spTree>
+    <p:extLst>
+      <p:ext uri="{BB962C8B-B14F-4D97-AF65-F5344CB8AC3E}">
+        <p14:creationId xmlns:p14="http://schemas.microsoft.com/office/powerpoint/2010/main" val="3976708575"/>
+      </p:ext>
+    </p:extLst>
+  </p:cSld>
+  <p:clrMapOvr>
+    <a:masterClrMapping/>
+  </p:clrMapOvr>
+</p:sld>
+</file>
+
+<file path=ppt/slides/slide7.xml><?xml version="1.0" encoding="utf-8"?>
+<p:sld xmlns:a="http://schemas.openxmlformats.org/drawingml/2006/main" xmlns:r="http://schemas.openxmlformats.org/officeDocument/2006/relationships" xmlns:p="http://schemas.openxmlformats.org/presentationml/2006/main">
+  <p:cSld>
+    <p:spTree>
+      <p:nvGrpSpPr>
+        <p:cNvPr id="1" name=""/>
+        <p:cNvGrpSpPr/>
+        <p:nvPr/>
+      </p:nvGrpSpPr>
+      <p:grpSpPr>
+        <a:xfrm>
+          <a:off x="0" y="0"/>
+          <a:ext cx="0" cy="0"/>
+          <a:chOff x="0" y="0"/>
+          <a:chExt cx="0" cy="0"/>
+        </a:xfrm>
+      </p:grpSpPr>
+      <p:sp>
+        <p:nvSpPr>
+          <p:cNvPr id="2" name="TextBox 1"/>
+          <p:cNvSpPr txBox="1"/>
+          <p:nvPr/>
+        </p:nvSpPr>
+        <p:spPr>
+          <a:xfrm>
+            <a:off x="785786" y="642918"/>
+            <a:ext cx="2130030" cy="5232202"/>
+          </a:xfrm>
+          <a:prstGeom prst="rect">
+            <a:avLst/>
+          </a:prstGeom>
+          <a:noFill/>
+        </p:spPr>
+        <p:txBody>
+          <a:bodyPr wrap="square" rtlCol="0">
+            <a:spAutoFit/>
+          </a:bodyPr>
+          <a:lstStyle/>
+          <a:p>
+            <a:r>
+              <a:rPr lang="en-US" sz="2800" b="1" u="sng" dirty="0"/>
+              <a:t>Example</a:t>
+            </a:r>
+          </a:p>
+          <a:p>
+            <a:r>
+              <a:rPr lang="en-US" dirty="0">
+                <a:highlight>
+                  <a:srgbClr val="00FFFF"/>
+                </a:highlight>
+              </a:rPr>
+              <a:t>&lt;html&gt;</a:t>
+            </a:r>
+            <a:br>
+              <a:rPr lang="en-US" dirty="0"/>
+            </a:br>
+            <a:r>
+              <a:rPr lang="en-US" dirty="0"/>
+              <a:t>  </a:t>
+            </a:r>
+            <a:r>
+              <a:rPr lang="en-US" dirty="0">
+                <a:highlight>
+                  <a:srgbClr val="00FFFF"/>
+                </a:highlight>
+              </a:rPr>
+              <a:t>&lt;head&gt;</a:t>
+            </a:r>
+            <a:br>
+              <a:rPr lang="en-US" dirty="0"/>
+            </a:br>
+            <a:r>
+              <a:rPr lang="en-US" dirty="0"/>
+              <a:t>    </a:t>
+            </a:r>
+            <a:r>
+              <a:rPr lang="en-US" dirty="0">
+                <a:highlight>
+                  <a:srgbClr val="00FFFF"/>
+                </a:highlight>
+              </a:rPr>
+              <a:t>&lt;title&gt;</a:t>
+            </a:r>
+          </a:p>
+          <a:p>
+            <a:r>
+              <a:rPr lang="en-US" dirty="0"/>
+              <a:t>       Page Title</a:t>
+            </a:r>
+          </a:p>
+          <a:p>
+            <a:r>
+              <a:rPr lang="en-US" dirty="0"/>
+              <a:t>    </a:t>
+            </a:r>
+            <a:r>
+              <a:rPr lang="en-US" dirty="0">
+                <a:highlight>
+                  <a:srgbClr val="C0C0C0"/>
+                </a:highlight>
+              </a:rPr>
+              <a:t>&lt;/title&gt;</a:t>
+            </a:r>
+            <a:br>
+              <a:rPr lang="en-US" dirty="0"/>
+            </a:br>
+            <a:r>
+              <a:rPr lang="en-US" dirty="0"/>
+              <a:t>  </a:t>
+            </a:r>
+            <a:r>
+              <a:rPr lang="en-US" dirty="0">
+                <a:highlight>
+                  <a:srgbClr val="C0C0C0"/>
+                </a:highlight>
+              </a:rPr>
+              <a:t>&lt;/head&gt;</a:t>
+            </a:r>
+            <a:br>
+              <a:rPr lang="en-US" dirty="0"/>
+            </a:br>
+            <a:r>
+              <a:rPr lang="en-US" dirty="0"/>
+              <a:t>  </a:t>
+            </a:r>
+            <a:r>
+              <a:rPr lang="en-US" dirty="0">
+                <a:highlight>
+                  <a:srgbClr val="00FFFF"/>
+                </a:highlight>
+              </a:rPr>
+              <a:t>&lt;body&gt;</a:t>
+            </a:r>
+            <a:br>
+              <a:rPr lang="en-US" dirty="0"/>
+            </a:br>
+            <a:r>
+              <a:rPr lang="en-US" dirty="0"/>
+              <a:t>    </a:t>
+            </a:r>
+            <a:r>
+              <a:rPr lang="en-US" dirty="0">
+                <a:highlight>
+                  <a:srgbClr val="00FFFF"/>
+                </a:highlight>
+              </a:rPr>
+              <a:t>&lt;h1&gt;</a:t>
+            </a:r>
+          </a:p>
+          <a:p>
+            <a:r>
+              <a:rPr lang="en-US" dirty="0"/>
+              <a:t>      Heading</a:t>
+            </a:r>
+          </a:p>
+          <a:p>
+            <a:r>
+              <a:rPr lang="en-US" dirty="0"/>
+              <a:t>    </a:t>
+            </a:r>
+            <a:r>
+              <a:rPr lang="en-US" dirty="0">
+                <a:highlight>
+                  <a:srgbClr val="C0C0C0"/>
+                </a:highlight>
+              </a:rPr>
+              <a:t>&lt;/h1&gt;</a:t>
+            </a:r>
+            <a:br>
+              <a:rPr lang="en-US" dirty="0"/>
+            </a:br>
+            <a:r>
+              <a:rPr lang="en-US" dirty="0"/>
+              <a:t>    </a:t>
+            </a:r>
+            <a:r>
+              <a:rPr lang="en-US" dirty="0">
+                <a:highlight>
+                  <a:srgbClr val="00FFFF"/>
+                </a:highlight>
+              </a:rPr>
+              <a:t>&lt;p&gt;</a:t>
+            </a:r>
+          </a:p>
+          <a:p>
+            <a:r>
+              <a:rPr lang="en-US" dirty="0"/>
+              <a:t>        My first</a:t>
+            </a:r>
+          </a:p>
+          <a:p>
+            <a:r>
+              <a:rPr lang="en-US" dirty="0"/>
+              <a:t>        paragraph.</a:t>
+            </a:r>
+          </a:p>
+          <a:p>
+            <a:r>
+              <a:rPr lang="en-US" dirty="0"/>
+              <a:t>    </a:t>
+            </a:r>
+            <a:r>
+              <a:rPr lang="en-US" dirty="0">
+                <a:highlight>
+                  <a:srgbClr val="C0C0C0"/>
+                </a:highlight>
+              </a:rPr>
+              <a:t>&lt;/p&gt;</a:t>
+            </a:r>
+            <a:br>
+              <a:rPr lang="en-US" dirty="0"/>
+            </a:br>
+            <a:r>
+              <a:rPr lang="en-US" dirty="0">
+                <a:highlight>
+                  <a:srgbClr val="C0C0C0"/>
+                </a:highlight>
+              </a:rPr>
+              <a:t>  &lt;/body&gt;</a:t>
+            </a:r>
+            <a:br>
+              <a:rPr lang="en-US" dirty="0"/>
+            </a:br>
+            <a:r>
+              <a:rPr lang="en-US" dirty="0">
+                <a:highlight>
+                  <a:srgbClr val="C0C0C0"/>
+                </a:highlight>
+              </a:rPr>
+              <a:t>&lt;/html&gt;</a:t>
+            </a:r>
+          </a:p>
+          <a:p>
+            <a:endParaRPr lang="en-US" dirty="0"/>
+          </a:p>
+        </p:txBody>
+      </p:sp>
+      <p:sp>
+        <p:nvSpPr>
+          <p:cNvPr id="4" name="TextBox 3"/>
+          <p:cNvSpPr txBox="1"/>
+          <p:nvPr/>
+        </p:nvSpPr>
+        <p:spPr>
+          <a:xfrm>
+            <a:off x="2915816" y="1120676"/>
+            <a:ext cx="5715040" cy="4062651"/>
+          </a:xfrm>
+          <a:prstGeom prst="rect">
+            <a:avLst/>
+          </a:prstGeom>
+          <a:noFill/>
+        </p:spPr>
+        <p:txBody>
+          <a:bodyPr wrap="square" rtlCol="0">
+            <a:spAutoFit/>
+          </a:bodyPr>
+          <a:lstStyle/>
+          <a:p>
+            <a:r>
+              <a:rPr lang="en-US" sz="2400" b="1" u="sng" dirty="0">
+                <a:latin typeface="Times New Roman" pitchFamily="18" charset="0"/>
+                <a:cs typeface="Times New Roman" pitchFamily="18" charset="0"/>
+              </a:rPr>
+              <a:t>Example Explained:</a:t>
+            </a:r>
+          </a:p>
+          <a:p>
+            <a:endParaRPr lang="en-US" dirty="0"/>
+          </a:p>
+          <a:p>
+            <a:pPr>
+              <a:buFont typeface="Arial" pitchFamily="34" charset="0"/>
+              <a:buChar char="•"/>
+            </a:pPr>
+            <a:r>
+              <a:rPr lang="en-US" dirty="0"/>
+              <a:t>The &lt;html&gt; element is the root element of an HTML page</a:t>
+            </a:r>
+          </a:p>
+          <a:p>
+            <a:pPr>
+              <a:buFont typeface="Arial" pitchFamily="34" charset="0"/>
+              <a:buChar char="•"/>
+            </a:pPr>
+            <a:r>
+              <a:rPr lang="en-US" dirty="0"/>
+              <a:t>The &lt;head&gt; element contains information about the HTML page.</a:t>
+            </a:r>
+          </a:p>
+          <a:p>
+            <a:pPr>
+              <a:buFont typeface="Arial" pitchFamily="34" charset="0"/>
+              <a:buChar char="•"/>
+            </a:pPr>
+            <a:r>
+              <a:rPr lang="en-US" dirty="0"/>
+              <a:t>The &lt;title&gt; element specifies a title for the HTML page (which is shown in the browser's title bar or in the page's tab)</a:t>
+            </a:r>
+          </a:p>
+          <a:p>
+            <a:pPr>
+              <a:buFont typeface="Arial" pitchFamily="34" charset="0"/>
+              <a:buChar char="•"/>
+            </a:pPr>
+            <a:r>
+              <a:rPr lang="en-US" dirty="0"/>
+              <a:t>The &lt;body&gt; element defines the document's body, and is a container for all the visible contents, such as headings, paragraphs, images, hyperlinks, tables, lists, etc.</a:t>
+            </a:r>
+          </a:p>
+          <a:p>
+            <a:pPr>
+              <a:buFont typeface="Arial" pitchFamily="34" charset="0"/>
+              <a:buChar char="•"/>
+            </a:pPr>
+            <a:r>
+              <a:rPr lang="en-US" dirty="0"/>
+              <a:t>The &lt;h1&gt; element defines a large heading.</a:t>
+            </a:r>
+          </a:p>
+          <a:p>
+            <a:pPr>
+              <a:buFont typeface="Arial" pitchFamily="34" charset="0"/>
+              <a:buChar char="•"/>
+            </a:pPr>
+            <a:r>
+              <a:rPr lang="en-US" dirty="0"/>
+              <a:t>The &lt;p&gt; element defines a paragraph.</a:t>
+            </a:r>
+          </a:p>
+          <a:p>
+            <a:br>
+              <a:rPr lang="en-US" dirty="0"/>
+            </a:br>
+            <a:endParaRPr lang="en-US" dirty="0"/>
+          </a:p>
+        </p:txBody>
+      </p:sp>
+    </p:spTree>
+  </p:cSld>
+  <p:clrMapOvr>
+    <a:masterClrMapping/>
+  </p:clrMapOvr>
+</p:sld>
+</file>
+
+<file path=ppt/slides/slide8.xml><?xml version="1.0" encoding="utf-8"?>
+<p:sld xmlns:a="http://schemas.openxmlformats.org/drawingml/2006/main" xmlns:r="http://schemas.openxmlformats.org/officeDocument/2006/relationships" xmlns:p="http://schemas.openxmlformats.org/presentationml/2006/main">
+  <p:cSld>
+    <p:spTree>
+      <p:nvGrpSpPr>
+        <p:cNvPr id="1" name=""/>
+        <p:cNvGrpSpPr/>
+        <p:nvPr/>
+      </p:nvGrpSpPr>
+      <p:grpSpPr>
+        <a:xfrm>
+          <a:off x="0" y="0"/>
+          <a:ext cx="0" cy="0"/>
+          <a:chOff x="0" y="0"/>
+          <a:chExt cx="0" cy="0"/>
+        </a:xfrm>
+      </p:grpSpPr>
+      <p:sp>
+        <p:nvSpPr>
+          <p:cNvPr id="2" name="TextBox 1">
+            <a:extLst>
+              <a:ext uri="{FF2B5EF4-FFF2-40B4-BE49-F238E27FC236}">
+                <a16:creationId xmlns:a16="http://schemas.microsoft.com/office/drawing/2014/main" id="{14D8CB2B-79E7-4537-9B8B-FD4E57D1738B}"/>
+              </a:ext>
+            </a:extLst>
+          </p:cNvPr>
+          <p:cNvSpPr txBox="1"/>
+          <p:nvPr/>
+        </p:nvSpPr>
+        <p:spPr>
+          <a:xfrm>
+            <a:off x="755576" y="772268"/>
+            <a:ext cx="8072494" cy="5632311"/>
+          </a:xfrm>
+          <a:prstGeom prst="rect">
+            <a:avLst/>
+          </a:prstGeom>
+          <a:noFill/>
+        </p:spPr>
+        <p:txBody>
+          <a:bodyPr wrap="square" rtlCol="0">
+            <a:spAutoFit/>
+          </a:bodyPr>
+          <a:lstStyle/>
+          <a:p>
+            <a:r>
+              <a:rPr lang="en-US" sz="2400" b="1" dirty="0">
+                <a:latin typeface="Times New Roman" pitchFamily="18" charset="0"/>
+                <a:cs typeface="Times New Roman" pitchFamily="18" charset="0"/>
+              </a:rPr>
+              <a:t>Tags in HTML:</a:t>
+            </a:r>
+          </a:p>
+          <a:p>
+            <a:pPr marL="285750" indent="-285750">
+              <a:buFont typeface="Arial" panose="020B0604020202020204" pitchFamily="34" charset="0"/>
+              <a:buChar char="•"/>
+            </a:pPr>
+            <a:r>
+              <a:rPr lang="en-US" sz="2000" dirty="0"/>
+              <a:t>&lt;p&gt;					:Paragraph</a:t>
+            </a:r>
+          </a:p>
+          <a:p>
+            <a:pPr marL="285750" indent="-285750">
+              <a:buFont typeface="Arial" panose="020B0604020202020204" pitchFamily="34" charset="0"/>
+              <a:buChar char="•"/>
+            </a:pPr>
+            <a:r>
+              <a:rPr lang="en-US" sz="2000" dirty="0"/>
+              <a:t>&lt;h1&gt;…..&lt;h6&gt;		:Heading</a:t>
+            </a:r>
+          </a:p>
+          <a:p>
+            <a:pPr marL="285750" indent="-285750">
+              <a:buFont typeface="Arial" panose="020B0604020202020204" pitchFamily="34" charset="0"/>
+              <a:buChar char="•"/>
+            </a:pPr>
+            <a:r>
+              <a:rPr lang="en-US" sz="2000" dirty="0"/>
+              <a:t>&lt;b&gt;					:Bold</a:t>
+            </a:r>
+          </a:p>
+          <a:p>
+            <a:pPr marL="285750" indent="-285750">
+              <a:buFont typeface="Arial" panose="020B0604020202020204" pitchFamily="34" charset="0"/>
+              <a:buChar char="•"/>
+            </a:pPr>
+            <a:r>
+              <a:rPr lang="en-US" sz="2000" dirty="0"/>
+              <a:t>&lt;u&gt;					:Underline</a:t>
+            </a:r>
+          </a:p>
+          <a:p>
+            <a:pPr marL="285750" indent="-285750">
+              <a:buFont typeface="Arial" panose="020B0604020202020204" pitchFamily="34" charset="0"/>
+              <a:buChar char="•"/>
+            </a:pPr>
+            <a:r>
+              <a:rPr lang="en-US" sz="2000" dirty="0"/>
+              <a:t>&lt;</a:t>
+            </a:r>
+            <a:r>
+              <a:rPr lang="en-US" sz="2000" dirty="0" err="1"/>
+              <a:t>i</a:t>
+            </a:r>
+            <a:r>
+              <a:rPr lang="en-US" sz="2000" dirty="0"/>
+              <a:t>&gt;					:Italics</a:t>
+            </a:r>
+          </a:p>
+          <a:p>
+            <a:pPr marL="285750" indent="-285750">
+              <a:buFont typeface="Arial" panose="020B0604020202020204" pitchFamily="34" charset="0"/>
+              <a:buChar char="•"/>
+            </a:pPr>
+            <a:r>
+              <a:rPr lang="en-US" sz="2000" dirty="0">
+                <a:highlight>
+                  <a:srgbClr val="C0C0C0"/>
+                </a:highlight>
+              </a:rPr>
+              <a:t>&lt;</a:t>
+            </a:r>
+            <a:r>
+              <a:rPr lang="en-US" sz="2000" dirty="0" err="1">
+                <a:highlight>
+                  <a:srgbClr val="C0C0C0"/>
+                </a:highlight>
+              </a:rPr>
+              <a:t>br</a:t>
+            </a:r>
+            <a:r>
+              <a:rPr lang="en-US" sz="2000" dirty="0">
+                <a:highlight>
+                  <a:srgbClr val="C0C0C0"/>
+                </a:highlight>
+              </a:rPr>
+              <a:t>&gt;</a:t>
+            </a:r>
+            <a:r>
+              <a:rPr lang="en-US" sz="2000" dirty="0"/>
+              <a:t>					:Break</a:t>
+            </a:r>
+          </a:p>
+          <a:p>
+            <a:pPr marL="285750" indent="-285750">
+              <a:buFont typeface="Arial" panose="020B0604020202020204" pitchFamily="34" charset="0"/>
+              <a:buChar char="•"/>
+            </a:pPr>
+            <a:r>
+              <a:rPr lang="en-US" sz="2000" dirty="0"/>
+              <a:t>&lt;big&gt;				:Increase font size</a:t>
+            </a:r>
+          </a:p>
+          <a:p>
+            <a:pPr marL="285750" indent="-285750">
+              <a:buFont typeface="Arial" panose="020B0604020202020204" pitchFamily="34" charset="0"/>
+              <a:buChar char="•"/>
+            </a:pPr>
+            <a:r>
+              <a:rPr lang="en-US" sz="2000" dirty="0"/>
+              <a:t>&lt;small&gt;				:Decrease font size</a:t>
+            </a:r>
+          </a:p>
+          <a:p>
+            <a:pPr marL="285750" indent="-285750">
+              <a:buFont typeface="Arial" panose="020B0604020202020204" pitchFamily="34" charset="0"/>
+              <a:buChar char="•"/>
+            </a:pPr>
+            <a:r>
+              <a:rPr lang="en-US" sz="2000" dirty="0">
+                <a:highlight>
+                  <a:srgbClr val="C0C0C0"/>
+                </a:highlight>
+              </a:rPr>
+              <a:t>&lt;</a:t>
+            </a:r>
+            <a:r>
+              <a:rPr lang="en-US" sz="2000" dirty="0" err="1">
+                <a:highlight>
+                  <a:srgbClr val="C0C0C0"/>
+                </a:highlight>
+              </a:rPr>
+              <a:t>hr</a:t>
+            </a:r>
+            <a:r>
+              <a:rPr lang="en-US" sz="2000" dirty="0">
+                <a:highlight>
+                  <a:srgbClr val="C0C0C0"/>
+                </a:highlight>
+              </a:rPr>
+              <a:t>&gt;</a:t>
+            </a:r>
+            <a:r>
+              <a:rPr lang="en-US" sz="2000" dirty="0"/>
+              <a:t>					:Horizontal line</a:t>
+            </a:r>
+          </a:p>
+          <a:p>
+            <a:pPr marL="285750" indent="-285750">
+              <a:buFont typeface="Arial" panose="020B0604020202020204" pitchFamily="34" charset="0"/>
+              <a:buChar char="•"/>
+            </a:pPr>
+            <a:r>
+              <a:rPr lang="en-US" sz="2000" dirty="0"/>
+              <a:t>&lt;center&gt;				:Center Alignment</a:t>
+            </a:r>
+          </a:p>
+          <a:p>
+            <a:pPr marL="285750" indent="-285750">
+              <a:buFont typeface="Arial" panose="020B0604020202020204" pitchFamily="34" charset="0"/>
+              <a:buChar char="•"/>
+            </a:pPr>
+            <a:r>
+              <a:rPr lang="en-US" sz="2000" dirty="0"/>
+              <a:t>&lt;strike&gt;				:Strike a word</a:t>
+            </a:r>
+          </a:p>
+          <a:p>
+            <a:pPr marL="285750" indent="-285750">
+              <a:buFont typeface="Arial" panose="020B0604020202020204" pitchFamily="34" charset="0"/>
+              <a:buChar char="•"/>
+            </a:pPr>
+            <a:r>
+              <a:rPr lang="en-US" sz="2000" dirty="0"/>
+              <a:t>&lt;sup&gt;				:Superscript</a:t>
+            </a:r>
+          </a:p>
+          <a:p>
+            <a:pPr marL="285750" indent="-285750">
+              <a:buFont typeface="Arial" panose="020B0604020202020204" pitchFamily="34" charset="0"/>
+              <a:buChar char="•"/>
+            </a:pPr>
+            <a:r>
+              <a:rPr lang="en-US" sz="2000" dirty="0"/>
+              <a:t>&lt;sub&gt;				:Subscript</a:t>
+            </a:r>
+          </a:p>
+          <a:p>
+            <a:pPr marL="285750" indent="-285750">
+              <a:buFont typeface="Arial" panose="020B0604020202020204" pitchFamily="34" charset="0"/>
+              <a:buChar char="•"/>
+            </a:pPr>
+            <a:r>
+              <a:rPr lang="en-US" sz="2000" dirty="0">
+                <a:highlight>
+                  <a:srgbClr val="C0C0C0"/>
+                </a:highlight>
+              </a:rPr>
+              <a:t>&lt;input&gt;</a:t>
+            </a:r>
+            <a:r>
+              <a:rPr lang="en-US" sz="2000" dirty="0"/>
+              <a:t>				:Take Input</a:t>
+            </a:r>
+          </a:p>
+          <a:p>
+            <a:pPr marL="285750" indent="-285750">
+              <a:buFont typeface="Arial" panose="020B0604020202020204" pitchFamily="34" charset="0"/>
+              <a:buChar char="•"/>
+            </a:pPr>
+            <a:r>
+              <a:rPr lang="en-US" sz="2000" dirty="0"/>
+              <a:t>&lt;button&gt;				:Button to click</a:t>
+            </a:r>
+          </a:p>
+          <a:p>
+            <a:pPr marL="285750" indent="-285750">
+              <a:buFont typeface="Arial" panose="020B0604020202020204" pitchFamily="34" charset="0"/>
+              <a:buChar char="•"/>
+            </a:pPr>
+            <a:endParaRPr lang="en-US" dirty="0"/>
+          </a:p>
+          <a:p>
+            <a:endParaRPr lang="en-US" dirty="0"/>
+          </a:p>
+        </p:txBody>
+      </p:sp>
+    </p:spTree>
+    <p:extLst>
+      <p:ext uri="{BB962C8B-B14F-4D97-AF65-F5344CB8AC3E}">
+        <p14:creationId xmlns:p14="http://schemas.microsoft.com/office/powerpoint/2010/main" val="1997991053"/>
+      </p:ext>
+    </p:extLst>
+  </p:cSld>
+  <p:clrMapOvr>
+    <a:masterClrMapping/>
+  </p:clrMapOvr>
+</p:sld>
+</file>
+
+<file path=ppt/slides/slide9.xml><?xml version="1.0" encoding="utf-8"?>
+<p:sld xmlns:a="http://schemas.openxmlformats.org/drawingml/2006/main" xmlns:r="http://schemas.openxmlformats.org/officeDocument/2006/relationships" xmlns:p="http://schemas.openxmlformats.org/presentationml/2006/main">
+  <p:cSld>
+    <p:spTree>
+      <p:nvGrpSpPr>
+        <p:cNvPr id="1" name=""/>
+        <p:cNvGrpSpPr/>
+        <p:nvPr/>
+      </p:nvGrpSpPr>
+      <p:grpSpPr>
+        <a:xfrm>
+          <a:off x="0" y="0"/>
+          <a:ext cx="0" cy="0"/>
+          <a:chOff x="0" y="0"/>
+          <a:chExt cx="0" cy="0"/>
+        </a:xfrm>
+      </p:grpSpPr>
+      <p:sp>
+        <p:nvSpPr>
+          <p:cNvPr id="2" name="Title 1">
+            <a:extLst>
+              <a:ext uri="{FF2B5EF4-FFF2-40B4-BE49-F238E27FC236}">
+                <a16:creationId xmlns:a16="http://schemas.microsoft.com/office/drawing/2014/main" id="{287549F4-A220-4C26-997E-F606E6428F05}"/>
+              </a:ext>
+            </a:extLst>
+          </p:cNvPr>
+          <p:cNvSpPr>
+            <a:spLocks noGrp="1"/>
+          </p:cNvSpPr>
+          <p:nvPr>
+            <p:ph type="title"/>
+          </p:nvPr>
+        </p:nvSpPr>
+        <p:spPr/>
+        <p:txBody>
+          <a:bodyPr>
+            <a:normAutofit/>
+          </a:bodyPr>
+          <a:lstStyle/>
+          <a:p>
+            <a:r>
+              <a:rPr lang="en-IN" dirty="0"/>
+              <a:t>Homework</a:t>
+            </a:r>
+            <a:br>
+              <a:rPr lang="en-IN" dirty="0"/>
+            </a:br>
+            <a:r>
+              <a:rPr lang="en-IN" sz="1800" dirty="0"/>
+              <a:t>Design a web page with following layout</a:t>
+            </a:r>
+            <a:endParaRPr lang="en-IN" dirty="0"/>
+          </a:p>
+        </p:txBody>
+      </p:sp>
+      <p:pic>
+        <p:nvPicPr>
+          <p:cNvPr id="4" name="Picture 3">
+            <a:extLst>
+              <a:ext uri="{FF2B5EF4-FFF2-40B4-BE49-F238E27FC236}">
+                <a16:creationId xmlns:a16="http://schemas.microsoft.com/office/drawing/2014/main" id="{3622EAB7-6487-4392-8EA2-F34B23322003}"/>
+              </a:ext>
+            </a:extLst>
+          </p:cNvPr>
+          <p:cNvPicPr>
+            <a:picLocks noChangeAspect="1"/>
+          </p:cNvPicPr>
+          <p:nvPr/>
+        </p:nvPicPr>
+        <p:blipFill rotWithShape="1">
+          <a:blip r:embed="rId2"/>
+          <a:srcRect t="9400" r="50000" b="45800"/>
+          <a:stretch/>
+        </p:blipFill>
+        <p:spPr>
+          <a:xfrm>
+            <a:off x="1070000" y="2564904"/>
+            <a:ext cx="7004000" cy="3529967"/>
+          </a:xfrm>
+          <a:prstGeom prst="rect">
+            <a:avLst/>
+          </a:prstGeom>
+        </p:spPr>
+      </p:pic>
+    </p:spTree>
+    <p:extLst>
+      <p:ext uri="{BB962C8B-B14F-4D97-AF65-F5344CB8AC3E}">
+        <p14:creationId xmlns:p14="http://schemas.microsoft.com/office/powerpoint/2010/main" val="3539751721"/>
+      </p:ext>
+    </p:extLst>
+  </p:cSld>
+  <p:clrMapOvr>
+    <a:masterClrMapping/>
+  </p:clrMapOvr>
+</p:sld>
+</file>
+
 <file path=ppt/theme/theme1.xml><?xml version="1.0" encoding="utf-8"?>
-<a:theme xmlns:a="http://schemas.openxmlformats.org/drawingml/2006/main" name="Office Theme">
+<a:theme xmlns:a="http://schemas.openxmlformats.org/drawingml/2006/main" name="Organic">
   <a:themeElements>
-    <a:clrScheme name="Office">
+    <a:clrScheme name="Organic">
       <a:dk1>
         <a:sysClr val="windowText" lastClr="000000"/>
       </a:dk1>
@@ -4351,44 +7893,79 @@
         <a:sysClr val="window" lastClr="FFFFFF"/>
       </a:lt1>
       <a:dk2>
-        <a:srgbClr val="1F497D"/>
+        <a:srgbClr val="212121"/>
       </a:dk2>
       <a:lt2>
-        <a:srgbClr val="EEECE1"/>
+        <a:srgbClr val="DADADA"/>
       </a:lt2>
       <a:accent1>
-        <a:srgbClr val="4F81BD"/>
+        <a:srgbClr val="83992A"/>
       </a:accent1>
       <a:accent2>
-        <a:srgbClr val="C0504D"/>
+        <a:srgbClr val="3C9770"/>
       </a:accent2>
       <a:accent3>
-        <a:srgbClr val="9BBB59"/>
+        <a:srgbClr val="44709D"/>
       </a:accent3>
       <a:accent4>
-        <a:srgbClr val="8064A2"/>
+        <a:srgbClr val="A23C33"/>
       </a:accent4>
       <a:accent5>
-        <a:srgbClr val="4BACC6"/>
+        <a:srgbClr val="D97828"/>
       </a:accent5>
       <a:accent6>
-        <a:srgbClr val="F79646"/>
+        <a:srgbClr val="DEB340"/>
       </a:accent6>
       <a:hlink>
-        <a:srgbClr val="0000FF"/>
+        <a:srgbClr val="A8BF4D"/>
       </a:hlink>
       <a:folHlink>
-        <a:srgbClr val="800080"/>
+        <a:srgbClr val="B4CA80"/>
       </a:folHlink>
     </a:clrScheme>
-    <a:fontScheme name="Office">
+    <a:fontScheme name="Organic">
       <a:majorFont>
-        <a:latin typeface="Calibri"/>
+        <a:latin typeface="Garamond" panose="02020404030301010803"/>
         <a:ea typeface=""/>
         <a:cs typeface=""/>
         <a:font script="Jpan" typeface="ＭＳ Ｐゴシック"/>
-        <a:font script="Hang" typeface="맑은 고딕"/>
-        <a:font script="Hans" typeface="宋体"/>
+        <a:font script="Hang" typeface="돋움"/>
+        <a:font script="Hans" typeface="方正舒体"/>
+        <a:font script="Hant" typeface="微軟正黑體"/>
+        <a:font script="Arab" typeface="Arial"/>
+        <a:font script="Hebr" typeface="Arial"/>
+        <a:font script="Thai" typeface="Cordia New"/>
+        <a:font script="Ethi" typeface="Nyala"/>
+        <a:font script="Beng" typeface="Vrinda"/>
+        <a:font script="Gujr" typeface="Shruti"/>
+        <a:font script="Khmr" typeface="DaunPenh"/>
+        <a:font script="Knda" typeface="Tunga"/>
+        <a:font script="Guru" typeface="Raavi"/>
+        <a:font script="Cans" typeface="Euphemia"/>
+        <a:font script="Cher" typeface="Plantagenet Cherokee"/>
+        <a:font script="Yiii" typeface="Microsoft Yi Baiti"/>
+        <a:font script="Tibt" typeface="Microsoft Himalaya"/>
+        <a:font script="Thaa" typeface="MV Boli"/>
+        <a:font script="Deva" typeface="Mangal"/>
+        <a:font script="Telu" typeface="Gautami"/>
+        <a:font script="Taml" typeface="Latha"/>
+        <a:font script="Syrc" typeface="Estrangelo Edessa"/>
+        <a:font script="Orya" typeface="Kalinga"/>
+        <a:font script="Mlym" typeface="Kartika"/>
+        <a:font script="Laoo" typeface="DokChampa"/>
+        <a:font script="Sinh" typeface="Iskoola Pota"/>
+        <a:font script="Mong" typeface="Mongolian Baiti"/>
+        <a:font script="Viet" typeface="Arial"/>
+        <a:font script="Uigh" typeface="Microsoft Uighur"/>
+        <a:font script="Geor" typeface="Sylfaen"/>
+      </a:majorFont>
+      <a:minorFont>
+        <a:latin typeface="Garamond" panose="02020404030301010803"/>
+        <a:ea typeface=""/>
+        <a:cs typeface=""/>
+        <a:font script="Jpan" typeface="ＭＳ Ｐ明朝"/>
+        <a:font script="Hang" typeface="바탕"/>
+        <a:font script="Hans" typeface="方正舒体"/>
         <a:font script="Hant" typeface="新細明體"/>
         <a:font script="Arab" typeface="Times New Roman"/>
         <a:font script="Hebr" typeface="Times New Roman"/>
@@ -4415,43 +7992,10 @@
         <a:font script="Mong" typeface="Mongolian Baiti"/>
         <a:font script="Viet" typeface="Times New Roman"/>
         <a:font script="Uigh" typeface="Microsoft Uighur"/>
-      </a:majorFont>
-      <a:minorFont>
-        <a:latin typeface="Calibri"/>
-        <a:ea typeface=""/>
-        <a:cs typeface=""/>
-        <a:font script="Jpan" typeface="ＭＳ Ｐゴシック"/>
-        <a:font script="Hang" typeface="맑은 고딕"/>
-        <a:font script="Hans" typeface="宋体"/>
-        <a:font script="Hant" typeface="新細明體"/>
-        <a:font script="Arab" typeface="Arial"/>
-        <a:font script="Hebr" typeface="Arial"/>
-        <a:font script="Thai" typeface="Cordia New"/>
-        <a:font script="Ethi" typeface="Nyala"/>
-        <a:font script="Beng" typeface="Vrinda"/>
-        <a:font script="Gujr" typeface="Shruti"/>
-        <a:font script="Khmr" typeface="DaunPenh"/>
-        <a:font script="Knda" typeface="Tunga"/>
-        <a:font script="Guru" typeface="Raavi"/>
-        <a:font script="Cans" typeface="Euphemia"/>
-        <a:font script="Cher" typeface="Plantagenet Cherokee"/>
-        <a:font script="Yiii" typeface="Microsoft Yi Baiti"/>
-        <a:font script="Tibt" typeface="Microsoft Himalaya"/>
-        <a:font script="Thaa" typeface="MV Boli"/>
-        <a:font script="Deva" typeface="Mangal"/>
-        <a:font script="Telu" typeface="Gautami"/>
-        <a:font script="Taml" typeface="Latha"/>
-        <a:font script="Syrc" typeface="Estrangelo Edessa"/>
-        <a:font script="Orya" typeface="Kalinga"/>
-        <a:font script="Mlym" typeface="Kartika"/>
-        <a:font script="Laoo" typeface="DokChampa"/>
-        <a:font script="Sinh" typeface="Iskoola Pota"/>
-        <a:font script="Mong" typeface="Mongolian Baiti"/>
-        <a:font script="Viet" typeface="Arial"/>
-        <a:font script="Uigh" typeface="Microsoft Uighur"/>
+        <a:font script="Geor" typeface="Sylfaen"/>
       </a:minorFont>
     </a:fontScheme>
-    <a:fmtScheme name="Office">
+    <a:fmtScheme name="Organic">
       <a:fillStyleLst>
         <a:solidFill>
           <a:schemeClr val="phClr"/>
@@ -4460,66 +8004,50 @@
           <a:gsLst>
             <a:gs pos="0">
               <a:schemeClr val="phClr">
-                <a:tint val="50000"/>
-                <a:satMod val="300000"/>
-              </a:schemeClr>
-            </a:gs>
-            <a:gs pos="35000">
-              <a:schemeClr val="phClr">
-                <a:tint val="37000"/>
-                <a:satMod val="300000"/>
+                <a:tint val="60000"/>
+                <a:lumMod val="110000"/>
               </a:schemeClr>
             </a:gs>
             <a:gs pos="100000">
               <a:schemeClr val="phClr">
-                <a:tint val="15000"/>
-                <a:satMod val="350000"/>
+                <a:tint val="82000"/>
               </a:schemeClr>
             </a:gs>
           </a:gsLst>
-          <a:lin ang="16200000" scaled="1"/>
+          <a:lin ang="5400000" scaled="0"/>
         </a:gradFill>
-        <a:gradFill rotWithShape="1">
-          <a:gsLst>
-            <a:gs pos="0">
+        <a:blipFill rotWithShape="1">
+          <a:blip xmlns:r="http://schemas.openxmlformats.org/officeDocument/2006/relationships" r:embed="rId1">
+            <a:duotone>
               <a:schemeClr val="phClr">
-                <a:shade val="51000"/>
+                <a:shade val="74000"/>
                 <a:satMod val="130000"/>
+                <a:lumMod val="90000"/>
               </a:schemeClr>
-            </a:gs>
-            <a:gs pos="80000">
               <a:schemeClr val="phClr">
-                <a:shade val="93000"/>
-                <a:satMod val="130000"/>
+                <a:tint val="94000"/>
+                <a:satMod val="120000"/>
+                <a:lumMod val="104000"/>
               </a:schemeClr>
-            </a:gs>
-            <a:gs pos="100000">
-              <a:schemeClr val="phClr">
-                <a:shade val="94000"/>
-                <a:satMod val="135000"/>
-              </a:schemeClr>
-            </a:gs>
-          </a:gsLst>
-          <a:lin ang="16200000" scaled="0"/>
-        </a:gradFill>
+            </a:duotone>
+          </a:blip>
+          <a:tile tx="0" ty="0" sx="100000" sy="100000" flip="none" algn="tl"/>
+        </a:blipFill>
       </a:fillStyleLst>
       <a:lnStyleLst>
-        <a:ln w="9525" cap="flat" cmpd="sng" algn="ctr">
-          <a:solidFill>
-            <a:schemeClr val="phClr">
-              <a:shade val="95000"/>
-              <a:satMod val="105000"/>
-            </a:schemeClr>
-          </a:solidFill>
-          <a:prstDash val="solid"/>
-        </a:ln>
-        <a:ln w="25400" cap="flat" cmpd="sng" algn="ctr">
+        <a:ln w="9525" cap="rnd" cmpd="sng" algn="ctr">
           <a:solidFill>
             <a:schemeClr val="phClr"/>
           </a:solidFill>
           <a:prstDash val="solid"/>
         </a:ln>
-        <a:ln w="38100" cap="flat" cmpd="sng" algn="ctr">
+        <a:ln w="15875" cap="rnd" cmpd="sng" algn="ctr">
+          <a:solidFill>
+            <a:schemeClr val="phClr"/>
+          </a:solidFill>
+          <a:prstDash val="solid"/>
+        </a:ln>
+        <a:ln w="25400" cap="rnd" cmpd="sng" algn="ctr">
           <a:solidFill>
             <a:schemeClr val="phClr"/>
           </a:solidFill>
@@ -4528,42 +8056,25 @@
       </a:lnStyleLst>
       <a:effectStyleLst>
         <a:effectStyle>
+          <a:effectLst/>
+        </a:effectStyle>
+        <a:effectStyle>
           <a:effectLst>
-            <a:outerShdw blurRad="40000" dist="20000" dir="5400000" rotWithShape="0">
+            <a:innerShdw blurRad="25400" dist="12700" dir="13500000">
               <a:srgbClr val="000000">
-                <a:alpha val="38000"/>
+                <a:alpha val="45000"/>
               </a:srgbClr>
-            </a:outerShdw>
+            </a:innerShdw>
           </a:effectLst>
         </a:effectStyle>
         <a:effectStyle>
           <a:effectLst>
-            <a:outerShdw blurRad="40000" dist="23000" dir="5400000" rotWithShape="0">
+            <a:outerShdw blurRad="38100" dist="25400" dir="5400000" rotWithShape="0">
               <a:srgbClr val="000000">
-                <a:alpha val="35000"/>
+                <a:alpha val="60000"/>
               </a:srgbClr>
             </a:outerShdw>
           </a:effectLst>
-        </a:effectStyle>
-        <a:effectStyle>
-          <a:effectLst>
-            <a:outerShdw blurRad="40000" dist="23000" dir="5400000" rotWithShape="0">
-              <a:srgbClr val="000000">
-                <a:alpha val="35000"/>
-              </a:srgbClr>
-            </a:outerShdw>
-          </a:effectLst>
-          <a:scene3d>
-            <a:camera prst="orthographicFront">
-              <a:rot lat="0" lon="0" rev="0"/>
-            </a:camera>
-            <a:lightRig rig="threePt" dir="t">
-              <a:rot lat="0" lon="0" rev="1200000"/>
-            </a:lightRig>
-          </a:scene3d>
-          <a:sp3d>
-            <a:bevelT w="63500" h="25400"/>
-          </a:sp3d>
         </a:effectStyle>
       </a:effectStyleLst>
       <a:bgFillStyleLst>
@@ -4574,51 +8085,32 @@
           <a:gsLst>
             <a:gs pos="0">
               <a:schemeClr val="phClr">
-                <a:tint val="40000"/>
-                <a:satMod val="350000"/>
-              </a:schemeClr>
-            </a:gs>
-            <a:gs pos="40000">
-              <a:schemeClr val="phClr">
-                <a:tint val="45000"/>
-                <a:shade val="99000"/>
-                <a:satMod val="350000"/>
+                <a:tint val="90000"/>
+                <a:lumMod val="110000"/>
               </a:schemeClr>
             </a:gs>
             <a:gs pos="100000">
               <a:schemeClr val="phClr">
-                <a:shade val="20000"/>
-                <a:satMod val="255000"/>
+                <a:shade val="88000"/>
+                <a:lumMod val="98000"/>
               </a:schemeClr>
             </a:gs>
           </a:gsLst>
-          <a:path path="circle">
-            <a:fillToRect l="50000" t="-80000" r="50000" b="180000"/>
-          </a:path>
+          <a:lin ang="5400000" scaled="0"/>
         </a:gradFill>
-        <a:gradFill rotWithShape="1">
-          <a:gsLst>
-            <a:gs pos="0">
-              <a:schemeClr val="phClr">
-                <a:tint val="80000"/>
-                <a:satMod val="300000"/>
-              </a:schemeClr>
-            </a:gs>
-            <a:gs pos="100000">
-              <a:schemeClr val="phClr">
-                <a:shade val="30000"/>
-                <a:satMod val="200000"/>
-              </a:schemeClr>
-            </a:gs>
-          </a:gsLst>
-          <a:path path="circle">
-            <a:fillToRect l="50000" t="50000" r="50000" b="50000"/>
-          </a:path>
-        </a:gradFill>
+        <a:blipFill>
+          <a:blip xmlns:r="http://schemas.openxmlformats.org/officeDocument/2006/relationships" r:embed="rId2"/>
+          <a:stretch/>
+        </a:blipFill>
       </a:bgFillStyleLst>
     </a:fmtScheme>
   </a:themeElements>
   <a:objectDefaults/>
   <a:extraClrSchemeLst/>
+  <a:extLst>
+    <a:ext uri="{05A4C25C-085E-4340-85A3-A5531E510DB2}">
+      <thm15:themeFamily xmlns:thm15="http://schemas.microsoft.com/office/thememl/2012/main" name="Organic" id="{28CDC826-8792-45C0-861B-85EB3ADEDA33}" vid="{7DAC20F1-423D-49E2-BD0B-50532748BAD0}"/>
+    </a:ext>
+  </a:extLst>
 </a:theme>
 </file>